--- a/Meetup17_MonitoriaSQLServer.pptx
+++ b/Meetup17_MonitoriaSQLServer.pptx
@@ -5,44 +5,45 @@
     <p:sldMasterId id="2147483648" r:id="rId1"/>
   </p:sldMasterIdLst>
   <p:notesMasterIdLst>
-    <p:notesMasterId r:id="rId14"/>
+    <p:notesMasterId r:id="rId15"/>
   </p:notesMasterIdLst>
   <p:sldIdLst>
     <p:sldId id="256" r:id="rId2"/>
     <p:sldId id="258" r:id="rId3"/>
     <p:sldId id="261" r:id="rId4"/>
-    <p:sldId id="288" r:id="rId5"/>
-    <p:sldId id="289" r:id="rId6"/>
-    <p:sldId id="290" r:id="rId7"/>
-    <p:sldId id="292" r:id="rId8"/>
-    <p:sldId id="293" r:id="rId9"/>
-    <p:sldId id="260" r:id="rId10"/>
-    <p:sldId id="282" r:id="rId11"/>
-    <p:sldId id="283" r:id="rId12"/>
-    <p:sldId id="274" r:id="rId13"/>
+    <p:sldId id="296" r:id="rId5"/>
+    <p:sldId id="288" r:id="rId6"/>
+    <p:sldId id="289" r:id="rId7"/>
+    <p:sldId id="290" r:id="rId8"/>
+    <p:sldId id="292" r:id="rId9"/>
+    <p:sldId id="293" r:id="rId10"/>
+    <p:sldId id="294" r:id="rId11"/>
+    <p:sldId id="295" r:id="rId12"/>
+    <p:sldId id="298" r:id="rId13"/>
+    <p:sldId id="274" r:id="rId14"/>
   </p:sldIdLst>
   <p:sldSz cx="18288000" cy="10287000"/>
   <p:notesSz cx="6858000" cy="9144000"/>
   <p:embeddedFontLst>
     <p:embeddedFont>
       <p:font typeface="Calibri" panose="020F0502020204030204" pitchFamily="34" charset="0"/>
-      <p:regular r:id="rId15"/>
-      <p:bold r:id="rId16"/>
-      <p:italic r:id="rId17"/>
-      <p:boldItalic r:id="rId18"/>
+      <p:regular r:id="rId16"/>
+      <p:bold r:id="rId17"/>
+      <p:italic r:id="rId18"/>
+      <p:boldItalic r:id="rId19"/>
     </p:embeddedFont>
     <p:embeddedFont>
       <p:font typeface="Franklin Gothic Heavy" panose="020B0903020102020204" pitchFamily="34" charset="0"/>
-      <p:regular r:id="rId19"/>
-      <p:italic r:id="rId20"/>
+      <p:regular r:id="rId20"/>
+      <p:italic r:id="rId21"/>
     </p:embeddedFont>
     <p:embeddedFont>
       <p:font typeface="Glacial Indifference" panose="020B0604020202020204" charset="0"/>
-      <p:regular r:id="rId21"/>
+      <p:regular r:id="rId22"/>
     </p:embeddedFont>
     <p:embeddedFont>
       <p:font typeface="Russo One" panose="020B0604020202020204" charset="0"/>
-      <p:regular r:id="rId22"/>
+      <p:regular r:id="rId23"/>
     </p:embeddedFont>
   </p:embeddedFontLst>
   <p:defaultTextStyle>
@@ -163,8 +164,8 @@
 <pc:chgInfo xmlns:a="http://schemas.openxmlformats.org/drawingml/2006/main" xmlns:r="http://schemas.openxmlformats.org/officeDocument/2006/relationships" xmlns:ac="http://schemas.microsoft.com/office/drawing/2013/main/command" xmlns:pc="http://schemas.microsoft.com/office/powerpoint/2013/main/command">
   <pc:docChgLst>
     <pc:chgData name="Marcel Inowe" userId="e30247b22deb4a2e" providerId="LiveId" clId="{EF58EA81-A9C9-4C15-9933-C30D2685B90E}"/>
-    <pc:docChg chg="undo custSel addSld delSld modSld">
-      <pc:chgData name="Marcel Inowe" userId="e30247b22deb4a2e" providerId="LiveId" clId="{EF58EA81-A9C9-4C15-9933-C30D2685B90E}" dt="2020-08-25T01:46:24.145" v="2956" actId="478"/>
+    <pc:docChg chg="undo custSel addSld delSld modSld sldOrd">
+      <pc:chgData name="Marcel Inowe" userId="e30247b22deb4a2e" providerId="LiveId" clId="{EF58EA81-A9C9-4C15-9933-C30D2685B90E}" dt="2020-08-25T19:59:00.322" v="4256"/>
       <pc:docMkLst>
         <pc:docMk/>
       </pc:docMkLst>
@@ -414,30 +415,37 @@
           </ac:picMkLst>
         </pc:picChg>
       </pc:sldChg>
-      <pc:sldChg chg="addSp delSp modSp mod">
-        <pc:chgData name="Marcel Inowe" userId="e30247b22deb4a2e" providerId="LiveId" clId="{EF58EA81-A9C9-4C15-9933-C30D2685B90E}" dt="2020-08-25T01:42:45.099" v="2843" actId="22"/>
+      <pc:sldChg chg="del">
+        <pc:chgData name="Marcel Inowe" userId="e30247b22deb4a2e" providerId="LiveId" clId="{EF58EA81-A9C9-4C15-9933-C30D2685B90E}" dt="2020-08-25T01:47:44.933" v="2957" actId="47"/>
+        <pc:sldMkLst>
+          <pc:docMk/>
+          <pc:sldMk cId="0" sldId="260"/>
+        </pc:sldMkLst>
+      </pc:sldChg>
+      <pc:sldChg chg="addSp delSp modSp mod modAnim">
+        <pc:chgData name="Marcel Inowe" userId="e30247b22deb4a2e" providerId="LiveId" clId="{EF58EA81-A9C9-4C15-9933-C30D2685B90E}" dt="2020-08-25T19:33:08.489" v="3317" actId="404"/>
         <pc:sldMkLst>
           <pc:docMk/>
           <pc:sldMk cId="0" sldId="261"/>
         </pc:sldMkLst>
-        <pc:spChg chg="mod">
-          <ac:chgData name="Marcel Inowe" userId="e30247b22deb4a2e" providerId="LiveId" clId="{EF58EA81-A9C9-4C15-9933-C30D2685B90E}" dt="2020-08-25T00:43:49.574" v="473" actId="20577"/>
+        <pc:spChg chg="del mod">
+          <ac:chgData name="Marcel Inowe" userId="e30247b22deb4a2e" providerId="LiveId" clId="{EF58EA81-A9C9-4C15-9933-C30D2685B90E}" dt="2020-08-25T10:45:36.498" v="3202" actId="478"/>
           <ac:spMkLst>
             <pc:docMk/>
             <pc:sldMk cId="0" sldId="261"/>
             <ac:spMk id="3" creationId="{00000000-0000-0000-0000-000000000000}"/>
           </ac:spMkLst>
         </pc:spChg>
-        <pc:spChg chg="add mod">
-          <ac:chgData name="Marcel Inowe" userId="e30247b22deb4a2e" providerId="LiveId" clId="{EF58EA81-A9C9-4C15-9933-C30D2685B90E}" dt="2020-08-25T01:13:14.718" v="1409" actId="108"/>
+        <pc:spChg chg="add del mod">
+          <ac:chgData name="Marcel Inowe" userId="e30247b22deb4a2e" providerId="LiveId" clId="{EF58EA81-A9C9-4C15-9933-C30D2685B90E}" dt="2020-08-25T10:44:17.115" v="3188" actId="478"/>
           <ac:spMkLst>
             <pc:docMk/>
             <pc:sldMk cId="0" sldId="261"/>
             <ac:spMk id="5" creationId="{86D3A749-D8BA-4B5D-8C7B-2E689C18A337}"/>
           </ac:spMkLst>
         </pc:spChg>
-        <pc:spChg chg="add mod">
-          <ac:chgData name="Marcel Inowe" userId="e30247b22deb4a2e" providerId="LiveId" clId="{EF58EA81-A9C9-4C15-9933-C30D2685B90E}" dt="2020-08-25T01:13:21.640" v="1410" actId="108"/>
+        <pc:spChg chg="add del mod">
+          <ac:chgData name="Marcel Inowe" userId="e30247b22deb4a2e" providerId="LiveId" clId="{EF58EA81-A9C9-4C15-9933-C30D2685B90E}" dt="2020-08-25T10:44:19.704" v="3189" actId="478"/>
           <ac:spMkLst>
             <pc:docMk/>
             <pc:sldMk cId="0" sldId="261"/>
@@ -460,20 +468,28 @@
             <ac:spMk id="10" creationId="{DB34E90F-D8A5-42CE-ADB8-322B461F9AC7}"/>
           </ac:spMkLst>
         </pc:spChg>
-        <pc:spChg chg="add mod">
-          <ac:chgData name="Marcel Inowe" userId="e30247b22deb4a2e" providerId="LiveId" clId="{EF58EA81-A9C9-4C15-9933-C30D2685B90E}" dt="2020-08-25T01:30:11.014" v="2181" actId="20577"/>
+        <pc:spChg chg="add del mod">
+          <ac:chgData name="Marcel Inowe" userId="e30247b22deb4a2e" providerId="LiveId" clId="{EF58EA81-A9C9-4C15-9933-C30D2685B90E}" dt="2020-08-25T10:44:35.039" v="3193" actId="478"/>
           <ac:spMkLst>
             <pc:docMk/>
             <pc:sldMk cId="0" sldId="261"/>
             <ac:spMk id="11" creationId="{31111057-9AD4-4115-A7BE-4C40C7357804}"/>
           </ac:spMkLst>
         </pc:spChg>
-        <pc:spChg chg="mod">
-          <ac:chgData name="Marcel Inowe" userId="e30247b22deb4a2e" providerId="LiveId" clId="{EF58EA81-A9C9-4C15-9933-C30D2685B90E}" dt="2020-08-25T01:13:05.180" v="1408" actId="2711"/>
+        <pc:spChg chg="del mod">
+          <ac:chgData name="Marcel Inowe" userId="e30247b22deb4a2e" providerId="LiveId" clId="{EF58EA81-A9C9-4C15-9933-C30D2685B90E}" dt="2020-08-25T10:44:15" v="3187" actId="478"/>
           <ac:spMkLst>
             <pc:docMk/>
             <pc:sldMk cId="0" sldId="261"/>
             <ac:spMk id="12" creationId="{D5A67A4B-3BAE-4A9F-A06A-C1D98E699C44}"/>
+          </ac:spMkLst>
+        </pc:spChg>
+        <pc:spChg chg="add mod">
+          <ac:chgData name="Marcel Inowe" userId="e30247b22deb4a2e" providerId="LiveId" clId="{EF58EA81-A9C9-4C15-9933-C30D2685B90E}" dt="2020-08-25T19:33:08.489" v="3317" actId="404"/>
+          <ac:spMkLst>
+            <pc:docMk/>
+            <pc:sldMk cId="0" sldId="261"/>
+            <ac:spMk id="13" creationId="{22D7653F-4B54-4578-AD18-5A71F589B87F}"/>
           </ac:spMkLst>
         </pc:spChg>
         <pc:spChg chg="del">
@@ -492,40 +508,40 @@
             <ac:spMk id="16" creationId="{626A745D-84A3-4ADF-98F3-535AB32B2875}"/>
           </ac:spMkLst>
         </pc:spChg>
-        <pc:spChg chg="add mod">
-          <ac:chgData name="Marcel Inowe" userId="e30247b22deb4a2e" providerId="LiveId" clId="{EF58EA81-A9C9-4C15-9933-C30D2685B90E}" dt="2020-08-25T01:30:22.284" v="2184" actId="6549"/>
+        <pc:spChg chg="add del mod">
+          <ac:chgData name="Marcel Inowe" userId="e30247b22deb4a2e" providerId="LiveId" clId="{EF58EA81-A9C9-4C15-9933-C30D2685B90E}" dt="2020-08-25T10:44:29.714" v="3190" actId="478"/>
           <ac:spMkLst>
             <pc:docMk/>
             <pc:sldMk cId="0" sldId="261"/>
             <ac:spMk id="19" creationId="{50CF6E0E-261A-4A81-A66C-4D3EDBD9D2EA}"/>
           </ac:spMkLst>
         </pc:spChg>
-        <pc:spChg chg="add mod">
-          <ac:chgData name="Marcel Inowe" userId="e30247b22deb4a2e" providerId="LiveId" clId="{EF58EA81-A9C9-4C15-9933-C30D2685B90E}" dt="2020-08-25T01:13:24.369" v="1413" actId="108"/>
+        <pc:spChg chg="add del mod">
+          <ac:chgData name="Marcel Inowe" userId="e30247b22deb4a2e" providerId="LiveId" clId="{EF58EA81-A9C9-4C15-9933-C30D2685B90E}" dt="2020-08-25T10:44:29.714" v="3190" actId="478"/>
           <ac:spMkLst>
             <pc:docMk/>
             <pc:sldMk cId="0" sldId="261"/>
             <ac:spMk id="21" creationId="{083AC17F-6C7C-477A-948D-05B7CF82DF8B}"/>
           </ac:spMkLst>
         </pc:spChg>
-        <pc:spChg chg="add mod">
-          <ac:chgData name="Marcel Inowe" userId="e30247b22deb4a2e" providerId="LiveId" clId="{EF58EA81-A9C9-4C15-9933-C30D2685B90E}" dt="2020-08-25T01:31:13.960" v="2272" actId="20577"/>
+        <pc:spChg chg="add del mod">
+          <ac:chgData name="Marcel Inowe" userId="e30247b22deb4a2e" providerId="LiveId" clId="{EF58EA81-A9C9-4C15-9933-C30D2685B90E}" dt="2020-08-25T10:44:29.714" v="3190" actId="478"/>
           <ac:spMkLst>
             <pc:docMk/>
             <pc:sldMk cId="0" sldId="261"/>
             <ac:spMk id="23" creationId="{F96DFFD0-38BB-4CC0-9BF8-6A3D8F686A94}"/>
           </ac:spMkLst>
         </pc:spChg>
-        <pc:spChg chg="add mod">
-          <ac:chgData name="Marcel Inowe" userId="e30247b22deb4a2e" providerId="LiveId" clId="{EF58EA81-A9C9-4C15-9933-C30D2685B90E}" dt="2020-08-25T01:31:18.619" v="2273" actId="6549"/>
+        <pc:spChg chg="add del mod">
+          <ac:chgData name="Marcel Inowe" userId="e30247b22deb4a2e" providerId="LiveId" clId="{EF58EA81-A9C9-4C15-9933-C30D2685B90E}" dt="2020-08-25T10:44:29.714" v="3190" actId="478"/>
           <ac:spMkLst>
             <pc:docMk/>
             <pc:sldMk cId="0" sldId="261"/>
             <ac:spMk id="25" creationId="{737F8D40-86ED-4E1E-BB8A-1DE586A8EB67}"/>
           </ac:spMkLst>
         </pc:spChg>
-        <pc:spChg chg="add">
-          <ac:chgData name="Marcel Inowe" userId="e30247b22deb4a2e" providerId="LiveId" clId="{EF58EA81-A9C9-4C15-9933-C30D2685B90E}" dt="2020-08-25T01:27:44.678" v="2083" actId="22"/>
+        <pc:spChg chg="add del">
+          <ac:chgData name="Marcel Inowe" userId="e30247b22deb4a2e" providerId="LiveId" clId="{EF58EA81-A9C9-4C15-9933-C30D2685B90E}" dt="2020-08-25T10:45:38.987" v="3203" actId="478"/>
           <ac:spMkLst>
             <pc:docMk/>
             <pc:sldMk cId="0" sldId="261"/>
@@ -541,6 +557,14 @@
           </ac:spMkLst>
         </pc:spChg>
         <pc:picChg chg="add del mod">
+          <ac:chgData name="Marcel Inowe" userId="e30247b22deb4a2e" providerId="LiveId" clId="{EF58EA81-A9C9-4C15-9933-C30D2685B90E}" dt="2020-08-25T10:44:41.610" v="3196" actId="478"/>
+          <ac:picMkLst>
+            <pc:docMk/>
+            <pc:sldMk cId="0" sldId="261"/>
+            <ac:picMk id="4" creationId="{89C33234-84B7-4A40-BB38-9C4001123829}"/>
+          </ac:picMkLst>
+        </pc:picChg>
+        <pc:picChg chg="add del mod">
           <ac:chgData name="Marcel Inowe" userId="e30247b22deb4a2e" providerId="LiveId" clId="{EF58EA81-A9C9-4C15-9933-C30D2685B90E}" dt="2020-08-25T00:54:54.290" v="480"/>
           <ac:picMkLst>
             <pc:docMk/>
@@ -549,13 +573,60 @@
           </ac:picMkLst>
         </pc:picChg>
         <pc:picChg chg="add del mod">
-          <ac:chgData name="Marcel Inowe" userId="e30247b22deb4a2e" providerId="LiveId" clId="{EF58EA81-A9C9-4C15-9933-C30D2685B90E}" dt="2020-08-25T00:54:54.736" v="481" actId="478"/>
+          <ac:chgData name="Marcel Inowe" userId="e30247b22deb4a2e" providerId="LiveId" clId="{EF58EA81-A9C9-4C15-9933-C30D2685B90E}" dt="2020-08-25T10:44:33.237" v="3192" actId="478"/>
           <ac:picMkLst>
             <pc:docMk/>
             <pc:sldMk cId="0" sldId="261"/>
             <ac:picMk id="7" creationId="{00000000-0000-0000-0000-000000000000}"/>
           </ac:picMkLst>
         </pc:picChg>
+        <pc:picChg chg="del">
+          <ac:chgData name="Marcel Inowe" userId="e30247b22deb4a2e" providerId="LiveId" clId="{EF58EA81-A9C9-4C15-9933-C30D2685B90E}" dt="2020-08-25T10:45:24.325" v="3201" actId="478"/>
+          <ac:picMkLst>
+            <pc:docMk/>
+            <pc:sldMk cId="0" sldId="261"/>
+            <ac:picMk id="9" creationId="{00000000-0000-0000-0000-000000000000}"/>
+          </ac:picMkLst>
+        </pc:picChg>
+        <pc:picChg chg="add mod">
+          <ac:chgData name="Marcel Inowe" userId="e30247b22deb4a2e" providerId="LiveId" clId="{EF58EA81-A9C9-4C15-9933-C30D2685B90E}" dt="2020-08-25T11:02:39.792" v="3310" actId="1035"/>
+          <ac:picMkLst>
+            <pc:docMk/>
+            <pc:sldMk cId="0" sldId="261"/>
+            <ac:picMk id="10" creationId="{3470D411-931D-45D4-874B-7D4D679B2832}"/>
+          </ac:picMkLst>
+        </pc:picChg>
+      </pc:sldChg>
+      <pc:sldChg chg="addSp delSp modSp mod">
+        <pc:chgData name="Marcel Inowe" userId="e30247b22deb4a2e" providerId="LiveId" clId="{EF58EA81-A9C9-4C15-9933-C30D2685B90E}" dt="2020-08-25T19:45:48.236" v="3928" actId="1076"/>
+        <pc:sldMkLst>
+          <pc:docMk/>
+          <pc:sldMk cId="0" sldId="274"/>
+        </pc:sldMkLst>
+        <pc:spChg chg="mod">
+          <ac:chgData name="Marcel Inowe" userId="e30247b22deb4a2e" providerId="LiveId" clId="{EF58EA81-A9C9-4C15-9933-C30D2685B90E}" dt="2020-08-25T19:44:40.854" v="3884" actId="122"/>
+          <ac:spMkLst>
+            <pc:docMk/>
+            <pc:sldMk cId="0" sldId="274"/>
+            <ac:spMk id="2" creationId="{80F2DB0B-9A68-4E2A-80EB-663C3B359B78}"/>
+          </ac:spMkLst>
+        </pc:spChg>
+        <pc:spChg chg="del">
+          <ac:chgData name="Marcel Inowe" userId="e30247b22deb4a2e" providerId="LiveId" clId="{EF58EA81-A9C9-4C15-9933-C30D2685B90E}" dt="2020-08-25T19:44:48.027" v="3885" actId="478"/>
+          <ac:spMkLst>
+            <pc:docMk/>
+            <pc:sldMk cId="0" sldId="274"/>
+            <ac:spMk id="3" creationId="{00000000-0000-0000-0000-000000000000}"/>
+          </ac:spMkLst>
+        </pc:spChg>
+        <pc:spChg chg="add mod">
+          <ac:chgData name="Marcel Inowe" userId="e30247b22deb4a2e" providerId="LiveId" clId="{EF58EA81-A9C9-4C15-9933-C30D2685B90E}" dt="2020-08-25T19:45:48.236" v="3928" actId="1076"/>
+          <ac:spMkLst>
+            <pc:docMk/>
+            <pc:sldMk cId="0" sldId="274"/>
+            <ac:spMk id="4" creationId="{ACD4F819-D05F-4E6D-AA8A-09E899FC522F}"/>
+          </ac:spMkLst>
+        </pc:spChg>
       </pc:sldChg>
       <pc:sldChg chg="del">
         <pc:chgData name="Marcel Inowe" userId="e30247b22deb4a2e" providerId="LiveId" clId="{EF58EA81-A9C9-4C15-9933-C30D2685B90E}" dt="2020-08-25T01:28:25.150" v="2086" actId="47"/>
@@ -612,6 +683,20 @@
         <pc:sldMkLst>
           <pc:docMk/>
           <pc:sldMk cId="3764364221" sldId="281"/>
+        </pc:sldMkLst>
+      </pc:sldChg>
+      <pc:sldChg chg="del">
+        <pc:chgData name="Marcel Inowe" userId="e30247b22deb4a2e" providerId="LiveId" clId="{EF58EA81-A9C9-4C15-9933-C30D2685B90E}" dt="2020-08-25T01:47:47.186" v="2958" actId="47"/>
+        <pc:sldMkLst>
+          <pc:docMk/>
+          <pc:sldMk cId="1026760127" sldId="282"/>
+        </pc:sldMkLst>
+      </pc:sldChg>
+      <pc:sldChg chg="del">
+        <pc:chgData name="Marcel Inowe" userId="e30247b22deb4a2e" providerId="LiveId" clId="{EF58EA81-A9C9-4C15-9933-C30D2685B90E}" dt="2020-08-25T01:47:48.317" v="2959" actId="47"/>
+        <pc:sldMkLst>
+          <pc:docMk/>
+          <pc:sldMk cId="886425597" sldId="283"/>
         </pc:sldMkLst>
       </pc:sldChg>
       <pc:sldChg chg="del">
@@ -1084,6 +1169,337 @@
           </ac:spMkLst>
         </pc:spChg>
       </pc:sldChg>
+      <pc:sldChg chg="addSp delSp modSp add mod ord delAnim modAnim">
+        <pc:chgData name="Marcel Inowe" userId="e30247b22deb4a2e" providerId="LiveId" clId="{EF58EA81-A9C9-4C15-9933-C30D2685B90E}" dt="2020-08-25T10:42:22.328" v="3173" actId="478"/>
+        <pc:sldMkLst>
+          <pc:docMk/>
+          <pc:sldMk cId="2573025929" sldId="294"/>
+        </pc:sldMkLst>
+        <pc:spChg chg="mod">
+          <ac:chgData name="Marcel Inowe" userId="e30247b22deb4a2e" providerId="LiveId" clId="{EF58EA81-A9C9-4C15-9933-C30D2685B90E}" dt="2020-08-25T10:39:46.059" v="3141" actId="1035"/>
+          <ac:spMkLst>
+            <pc:docMk/>
+            <pc:sldMk cId="2573025929" sldId="294"/>
+            <ac:spMk id="2" creationId="{673DE885-134A-432C-A6D7-F872658F32EE}"/>
+          </ac:spMkLst>
+        </pc:spChg>
+        <pc:spChg chg="mod">
+          <ac:chgData name="Marcel Inowe" userId="e30247b22deb4a2e" providerId="LiveId" clId="{EF58EA81-A9C9-4C15-9933-C30D2685B90E}" dt="2020-08-25T10:32:39.026" v="2972" actId="20577"/>
+          <ac:spMkLst>
+            <pc:docMk/>
+            <pc:sldMk cId="2573025929" sldId="294"/>
+            <ac:spMk id="3" creationId="{00000000-0000-0000-0000-000000000000}"/>
+          </ac:spMkLst>
+        </pc:spChg>
+        <pc:spChg chg="mod">
+          <ac:chgData name="Marcel Inowe" userId="e30247b22deb4a2e" providerId="LiveId" clId="{EF58EA81-A9C9-4C15-9933-C30D2685B90E}" dt="2020-08-25T10:39:46.059" v="3141" actId="1035"/>
+          <ac:spMkLst>
+            <pc:docMk/>
+            <pc:sldMk cId="2573025929" sldId="294"/>
+            <ac:spMk id="4" creationId="{919FBD96-0214-451B-B602-DEBCCC68BF6E}"/>
+          </ac:spMkLst>
+        </pc:spChg>
+        <pc:spChg chg="mod">
+          <ac:chgData name="Marcel Inowe" userId="e30247b22deb4a2e" providerId="LiveId" clId="{EF58EA81-A9C9-4C15-9933-C30D2685B90E}" dt="2020-08-25T10:39:46.059" v="3141" actId="1035"/>
+          <ac:spMkLst>
+            <pc:docMk/>
+            <pc:sldMk cId="2573025929" sldId="294"/>
+            <ac:spMk id="6" creationId="{7569C547-4164-4459-8244-64946553C5EE}"/>
+          </ac:spMkLst>
+        </pc:spChg>
+        <pc:spChg chg="mod">
+          <ac:chgData name="Marcel Inowe" userId="e30247b22deb4a2e" providerId="LiveId" clId="{EF58EA81-A9C9-4C15-9933-C30D2685B90E}" dt="2020-08-25T10:39:46.059" v="3141" actId="1035"/>
+          <ac:spMkLst>
+            <pc:docMk/>
+            <pc:sldMk cId="2573025929" sldId="294"/>
+            <ac:spMk id="15" creationId="{60484D78-D12A-4A3E-87BC-D55DC06EC635}"/>
+          </ac:spMkLst>
+        </pc:spChg>
+        <pc:spChg chg="add del mod">
+          <ac:chgData name="Marcel Inowe" userId="e30247b22deb4a2e" providerId="LiveId" clId="{EF58EA81-A9C9-4C15-9933-C30D2685B90E}" dt="2020-08-25T10:42:22.328" v="3173" actId="478"/>
+          <ac:spMkLst>
+            <pc:docMk/>
+            <pc:sldMk cId="2573025929" sldId="294"/>
+            <ac:spMk id="16" creationId="{2DA15822-6CEA-438F-A911-2A33AE724C83}"/>
+          </ac:spMkLst>
+        </pc:spChg>
+        <pc:spChg chg="del">
+          <ac:chgData name="Marcel Inowe" userId="e30247b22deb4a2e" providerId="LiveId" clId="{EF58EA81-A9C9-4C15-9933-C30D2685B90E}" dt="2020-08-25T10:39:03.445" v="3132" actId="478"/>
+          <ac:spMkLst>
+            <pc:docMk/>
+            <pc:sldMk cId="2573025929" sldId="294"/>
+            <ac:spMk id="17" creationId="{465B1685-676F-491B-B702-D422ABDCB6B7}"/>
+          </ac:spMkLst>
+        </pc:spChg>
+        <pc:spChg chg="del">
+          <ac:chgData name="Marcel Inowe" userId="e30247b22deb4a2e" providerId="LiveId" clId="{EF58EA81-A9C9-4C15-9933-C30D2685B90E}" dt="2020-08-25T10:39:05.169" v="3133" actId="478"/>
+          <ac:spMkLst>
+            <pc:docMk/>
+            <pc:sldMk cId="2573025929" sldId="294"/>
+            <ac:spMk id="19" creationId="{79CD8829-0F34-4B7A-B7C0-C3589D173240}"/>
+          </ac:spMkLst>
+        </pc:spChg>
+        <pc:spChg chg="del">
+          <ac:chgData name="Marcel Inowe" userId="e30247b22deb4a2e" providerId="LiveId" clId="{EF58EA81-A9C9-4C15-9933-C30D2685B90E}" dt="2020-08-25T10:39:07.111" v="3134" actId="478"/>
+          <ac:spMkLst>
+            <pc:docMk/>
+            <pc:sldMk cId="2573025929" sldId="294"/>
+            <ac:spMk id="21" creationId="{28B1FA66-F243-441E-A0EA-E6E616934405}"/>
+          </ac:spMkLst>
+        </pc:spChg>
+        <pc:spChg chg="del">
+          <ac:chgData name="Marcel Inowe" userId="e30247b22deb4a2e" providerId="LiveId" clId="{EF58EA81-A9C9-4C15-9933-C30D2685B90E}" dt="2020-08-25T10:39:08.658" v="3135" actId="478"/>
+          <ac:spMkLst>
+            <pc:docMk/>
+            <pc:sldMk cId="2573025929" sldId="294"/>
+            <ac:spMk id="23" creationId="{3C0425D7-1FD7-4188-9608-5D816002833D}"/>
+          </ac:spMkLst>
+        </pc:spChg>
+        <pc:spChg chg="mod">
+          <ac:chgData name="Marcel Inowe" userId="e30247b22deb4a2e" providerId="LiveId" clId="{EF58EA81-A9C9-4C15-9933-C30D2685B90E}" dt="2020-08-25T10:42:09.431" v="3172" actId="20577"/>
+          <ac:spMkLst>
+            <pc:docMk/>
+            <pc:sldMk cId="2573025929" sldId="294"/>
+            <ac:spMk id="25" creationId="{090B6596-3F83-4711-BF8E-4BC719BF7F9D}"/>
+          </ac:spMkLst>
+        </pc:spChg>
+      </pc:sldChg>
+      <pc:sldChg chg="modSp add mod modAnim">
+        <pc:chgData name="Marcel Inowe" userId="e30247b22deb4a2e" providerId="LiveId" clId="{EF58EA81-A9C9-4C15-9933-C30D2685B90E}" dt="2020-08-25T19:42:11.626" v="3837" actId="20577"/>
+        <pc:sldMkLst>
+          <pc:docMk/>
+          <pc:sldMk cId="214361932" sldId="295"/>
+        </pc:sldMkLst>
+        <pc:spChg chg="mod">
+          <ac:chgData name="Marcel Inowe" userId="e30247b22deb4a2e" providerId="LiveId" clId="{EF58EA81-A9C9-4C15-9933-C30D2685B90E}" dt="2020-08-25T19:35:18.243" v="3403" actId="20577"/>
+          <ac:spMkLst>
+            <pc:docMk/>
+            <pc:sldMk cId="214361932" sldId="295"/>
+            <ac:spMk id="2" creationId="{673DE885-134A-432C-A6D7-F872658F32EE}"/>
+          </ac:spMkLst>
+        </pc:spChg>
+        <pc:spChg chg="mod">
+          <ac:chgData name="Marcel Inowe" userId="e30247b22deb4a2e" providerId="LiveId" clId="{EF58EA81-A9C9-4C15-9933-C30D2685B90E}" dt="2020-08-25T19:34:11.922" v="3338" actId="20577"/>
+          <ac:spMkLst>
+            <pc:docMk/>
+            <pc:sldMk cId="214361932" sldId="295"/>
+            <ac:spMk id="3" creationId="{00000000-0000-0000-0000-000000000000}"/>
+          </ac:spMkLst>
+        </pc:spChg>
+        <pc:spChg chg="mod">
+          <ac:chgData name="Marcel Inowe" userId="e30247b22deb4a2e" providerId="LiveId" clId="{EF58EA81-A9C9-4C15-9933-C30D2685B90E}" dt="2020-08-25T19:42:11.626" v="3837" actId="20577"/>
+          <ac:spMkLst>
+            <pc:docMk/>
+            <pc:sldMk cId="214361932" sldId="295"/>
+            <ac:spMk id="4" creationId="{919FBD96-0214-451B-B602-DEBCCC68BF6E}"/>
+          </ac:spMkLst>
+        </pc:spChg>
+        <pc:spChg chg="mod">
+          <ac:chgData name="Marcel Inowe" userId="e30247b22deb4a2e" providerId="LiveId" clId="{EF58EA81-A9C9-4C15-9933-C30D2685B90E}" dt="2020-08-25T19:42:06.783" v="3834" actId="20577"/>
+          <ac:spMkLst>
+            <pc:docMk/>
+            <pc:sldMk cId="214361932" sldId="295"/>
+            <ac:spMk id="6" creationId="{7569C547-4164-4459-8244-64946553C5EE}"/>
+          </ac:spMkLst>
+        </pc:spChg>
+        <pc:spChg chg="mod">
+          <ac:chgData name="Marcel Inowe" userId="e30247b22deb4a2e" providerId="LiveId" clId="{EF58EA81-A9C9-4C15-9933-C30D2685B90E}" dt="2020-08-25T19:41:28.287" v="3775" actId="20577"/>
+          <ac:spMkLst>
+            <pc:docMk/>
+            <pc:sldMk cId="214361932" sldId="295"/>
+            <ac:spMk id="15" creationId="{60484D78-D12A-4A3E-87BC-D55DC06EC635}"/>
+          </ac:spMkLst>
+        </pc:spChg>
+        <pc:spChg chg="mod">
+          <ac:chgData name="Marcel Inowe" userId="e30247b22deb4a2e" providerId="LiveId" clId="{EF58EA81-A9C9-4C15-9933-C30D2685B90E}" dt="2020-08-25T19:41:59.004" v="3831" actId="5793"/>
+          <ac:spMkLst>
+            <pc:docMk/>
+            <pc:sldMk cId="214361932" sldId="295"/>
+            <ac:spMk id="25" creationId="{090B6596-3F83-4711-BF8E-4BC719BF7F9D}"/>
+          </ac:spMkLst>
+        </pc:spChg>
+      </pc:sldChg>
+      <pc:sldChg chg="modSp add mod">
+        <pc:chgData name="Marcel Inowe" userId="e30247b22deb4a2e" providerId="LiveId" clId="{EF58EA81-A9C9-4C15-9933-C30D2685B90E}" dt="2020-08-25T19:34:01.720" v="3318" actId="20577"/>
+        <pc:sldMkLst>
+          <pc:docMk/>
+          <pc:sldMk cId="91973026" sldId="296"/>
+        </pc:sldMkLst>
+        <pc:spChg chg="mod">
+          <ac:chgData name="Marcel Inowe" userId="e30247b22deb4a2e" providerId="LiveId" clId="{EF58EA81-A9C9-4C15-9933-C30D2685B90E}" dt="2020-08-25T19:34:01.720" v="3318" actId="20577"/>
+          <ac:spMkLst>
+            <pc:docMk/>
+            <pc:sldMk cId="91973026" sldId="296"/>
+            <ac:spMk id="23" creationId="{F96DFFD0-38BB-4CC0-9BF8-6A3D8F686A94}"/>
+          </ac:spMkLst>
+        </pc:spChg>
+      </pc:sldChg>
+      <pc:sldChg chg="delSp modSp add del mod delAnim">
+        <pc:chgData name="Marcel Inowe" userId="e30247b22deb4a2e" providerId="LiveId" clId="{EF58EA81-A9C9-4C15-9933-C30D2685B90E}" dt="2020-08-25T19:48:24.139" v="3961" actId="2696"/>
+        <pc:sldMkLst>
+          <pc:docMk/>
+          <pc:sldMk cId="2638838935" sldId="297"/>
+        </pc:sldMkLst>
+        <pc:spChg chg="del">
+          <ac:chgData name="Marcel Inowe" userId="e30247b22deb4a2e" providerId="LiveId" clId="{EF58EA81-A9C9-4C15-9933-C30D2685B90E}" dt="2020-08-25T19:46:49.834" v="3953" actId="478"/>
+          <ac:spMkLst>
+            <pc:docMk/>
+            <pc:sldMk cId="2638838935" sldId="297"/>
+            <ac:spMk id="2" creationId="{673DE885-134A-432C-A6D7-F872658F32EE}"/>
+          </ac:spMkLst>
+        </pc:spChg>
+        <pc:spChg chg="mod">
+          <ac:chgData name="Marcel Inowe" userId="e30247b22deb4a2e" providerId="LiveId" clId="{EF58EA81-A9C9-4C15-9933-C30D2685B90E}" dt="2020-08-25T19:46:44.641" v="3952" actId="20577"/>
+          <ac:spMkLst>
+            <pc:docMk/>
+            <pc:sldMk cId="2638838935" sldId="297"/>
+            <ac:spMk id="3" creationId="{00000000-0000-0000-0000-000000000000}"/>
+          </ac:spMkLst>
+        </pc:spChg>
+        <pc:spChg chg="del">
+          <ac:chgData name="Marcel Inowe" userId="e30247b22deb4a2e" providerId="LiveId" clId="{EF58EA81-A9C9-4C15-9933-C30D2685B90E}" dt="2020-08-25T19:46:51.858" v="3954" actId="478"/>
+          <ac:spMkLst>
+            <pc:docMk/>
+            <pc:sldMk cId="2638838935" sldId="297"/>
+            <ac:spMk id="4" creationId="{919FBD96-0214-451B-B602-DEBCCC68BF6E}"/>
+          </ac:spMkLst>
+        </pc:spChg>
+        <pc:spChg chg="del">
+          <ac:chgData name="Marcel Inowe" userId="e30247b22deb4a2e" providerId="LiveId" clId="{EF58EA81-A9C9-4C15-9933-C30D2685B90E}" dt="2020-08-25T19:46:53.744" v="3955" actId="478"/>
+          <ac:spMkLst>
+            <pc:docMk/>
+            <pc:sldMk cId="2638838935" sldId="297"/>
+            <ac:spMk id="6" creationId="{7569C547-4164-4459-8244-64946553C5EE}"/>
+          </ac:spMkLst>
+        </pc:spChg>
+        <pc:spChg chg="del">
+          <ac:chgData name="Marcel Inowe" userId="e30247b22deb4a2e" providerId="LiveId" clId="{EF58EA81-A9C9-4C15-9933-C30D2685B90E}" dt="2020-08-25T19:46:56.149" v="3956" actId="478"/>
+          <ac:spMkLst>
+            <pc:docMk/>
+            <pc:sldMk cId="2638838935" sldId="297"/>
+            <ac:spMk id="15" creationId="{60484D78-D12A-4A3E-87BC-D55DC06EC635}"/>
+          </ac:spMkLst>
+        </pc:spChg>
+        <pc:spChg chg="del">
+          <ac:chgData name="Marcel Inowe" userId="e30247b22deb4a2e" providerId="LiveId" clId="{EF58EA81-A9C9-4C15-9933-C30D2685B90E}" dt="2020-08-25T19:46:57.608" v="3957" actId="478"/>
+          <ac:spMkLst>
+            <pc:docMk/>
+            <pc:sldMk cId="2638838935" sldId="297"/>
+            <ac:spMk id="25" creationId="{090B6596-3F83-4711-BF8E-4BC719BF7F9D}"/>
+          </ac:spMkLst>
+        </pc:spChg>
+      </pc:sldChg>
+      <pc:sldChg chg="addSp delSp modSp add mod ord delAnim modAnim">
+        <pc:chgData name="Marcel Inowe" userId="e30247b22deb4a2e" providerId="LiveId" clId="{EF58EA81-A9C9-4C15-9933-C30D2685B90E}" dt="2020-08-25T19:59:00.322" v="4256"/>
+        <pc:sldMkLst>
+          <pc:docMk/>
+          <pc:sldMk cId="389637051" sldId="298"/>
+        </pc:sldMkLst>
+        <pc:spChg chg="mod">
+          <ac:chgData name="Marcel Inowe" userId="e30247b22deb4a2e" providerId="LiveId" clId="{EF58EA81-A9C9-4C15-9933-C30D2685B90E}" dt="2020-08-25T19:54:08.437" v="4125" actId="465"/>
+          <ac:spMkLst>
+            <pc:docMk/>
+            <pc:sldMk cId="389637051" sldId="298"/>
+            <ac:spMk id="2" creationId="{673DE885-134A-432C-A6D7-F872658F32EE}"/>
+          </ac:spMkLst>
+        </pc:spChg>
+        <pc:spChg chg="mod">
+          <ac:chgData name="Marcel Inowe" userId="e30247b22deb4a2e" providerId="LiveId" clId="{EF58EA81-A9C9-4C15-9933-C30D2685B90E}" dt="2020-08-25T19:48:28.423" v="3972" actId="20577"/>
+          <ac:spMkLst>
+            <pc:docMk/>
+            <pc:sldMk cId="389637051" sldId="298"/>
+            <ac:spMk id="3" creationId="{00000000-0000-0000-0000-000000000000}"/>
+          </ac:spMkLst>
+        </pc:spChg>
+        <pc:spChg chg="mod">
+          <ac:chgData name="Marcel Inowe" userId="e30247b22deb4a2e" providerId="LiveId" clId="{EF58EA81-A9C9-4C15-9933-C30D2685B90E}" dt="2020-08-25T19:54:08.437" v="4125" actId="465"/>
+          <ac:spMkLst>
+            <pc:docMk/>
+            <pc:sldMk cId="389637051" sldId="298"/>
+            <ac:spMk id="4" creationId="{919FBD96-0214-451B-B602-DEBCCC68BF6E}"/>
+          </ac:spMkLst>
+        </pc:spChg>
+        <pc:spChg chg="mod">
+          <ac:chgData name="Marcel Inowe" userId="e30247b22deb4a2e" providerId="LiveId" clId="{EF58EA81-A9C9-4C15-9933-C30D2685B90E}" dt="2020-08-25T19:54:08.437" v="4125" actId="465"/>
+          <ac:spMkLst>
+            <pc:docMk/>
+            <pc:sldMk cId="389637051" sldId="298"/>
+            <ac:spMk id="6" creationId="{7569C547-4164-4459-8244-64946553C5EE}"/>
+          </ac:spMkLst>
+        </pc:spChg>
+        <pc:spChg chg="add mod">
+          <ac:chgData name="Marcel Inowe" userId="e30247b22deb4a2e" providerId="LiveId" clId="{EF58EA81-A9C9-4C15-9933-C30D2685B90E}" dt="2020-08-25T19:57:49.607" v="4217" actId="552"/>
+          <ac:spMkLst>
+            <pc:docMk/>
+            <pc:sldMk cId="389637051" sldId="298"/>
+            <ac:spMk id="12" creationId="{E0605D6E-112D-48D4-B57A-FE0AAC85F722}"/>
+          </ac:spMkLst>
+        </pc:spChg>
+        <pc:spChg chg="add mod">
+          <ac:chgData name="Marcel Inowe" userId="e30247b22deb4a2e" providerId="LiveId" clId="{EF58EA81-A9C9-4C15-9933-C30D2685B90E}" dt="2020-08-25T19:58:00.607" v="4223" actId="20577"/>
+          <ac:spMkLst>
+            <pc:docMk/>
+            <pc:sldMk cId="389637051" sldId="298"/>
+            <ac:spMk id="13" creationId="{0F50C829-32EC-4E54-98E2-7B7041036B7E}"/>
+          </ac:spMkLst>
+        </pc:spChg>
+        <pc:spChg chg="add mod">
+          <ac:chgData name="Marcel Inowe" userId="e30247b22deb4a2e" providerId="LiveId" clId="{EF58EA81-A9C9-4C15-9933-C30D2685B90E}" dt="2020-08-25T19:58:07.154" v="4230" actId="20577"/>
+          <ac:spMkLst>
+            <pc:docMk/>
+            <pc:sldMk cId="389637051" sldId="298"/>
+            <ac:spMk id="14" creationId="{28E9FB5D-F28D-4409-99F3-B69BE82DC0AF}"/>
+          </ac:spMkLst>
+        </pc:spChg>
+        <pc:spChg chg="mod">
+          <ac:chgData name="Marcel Inowe" userId="e30247b22deb4a2e" providerId="LiveId" clId="{EF58EA81-A9C9-4C15-9933-C30D2685B90E}" dt="2020-08-25T19:54:08.437" v="4125" actId="465"/>
+          <ac:spMkLst>
+            <pc:docMk/>
+            <pc:sldMk cId="389637051" sldId="298"/>
+            <ac:spMk id="15" creationId="{60484D78-D12A-4A3E-87BC-D55DC06EC635}"/>
+          </ac:spMkLst>
+        </pc:spChg>
+        <pc:spChg chg="add mod">
+          <ac:chgData name="Marcel Inowe" userId="e30247b22deb4a2e" providerId="LiveId" clId="{EF58EA81-A9C9-4C15-9933-C30D2685B90E}" dt="2020-08-25T19:58:16.349" v="4246" actId="20577"/>
+          <ac:spMkLst>
+            <pc:docMk/>
+            <pc:sldMk cId="389637051" sldId="298"/>
+            <ac:spMk id="16" creationId="{990A9ADC-BEDB-434C-BB0D-D7D154A60BD3}"/>
+          </ac:spMkLst>
+        </pc:spChg>
+        <pc:spChg chg="add mod">
+          <ac:chgData name="Marcel Inowe" userId="e30247b22deb4a2e" providerId="LiveId" clId="{EF58EA81-A9C9-4C15-9933-C30D2685B90E}" dt="2020-08-25T19:58:21.910" v="4255" actId="20577"/>
+          <ac:spMkLst>
+            <pc:docMk/>
+            <pc:sldMk cId="389637051" sldId="298"/>
+            <ac:spMk id="17" creationId="{891403F3-E074-470D-92DC-9B7AB2296D9E}"/>
+          </ac:spMkLst>
+        </pc:spChg>
+        <pc:spChg chg="add del mod">
+          <ac:chgData name="Marcel Inowe" userId="e30247b22deb4a2e" providerId="LiveId" clId="{EF58EA81-A9C9-4C15-9933-C30D2685B90E}" dt="2020-08-25T19:56:37.308" v="4199" actId="478"/>
+          <ac:spMkLst>
+            <pc:docMk/>
+            <pc:sldMk cId="389637051" sldId="298"/>
+            <ac:spMk id="18" creationId="{BC7C252A-9DAF-4002-8F04-F4D6E53FD33F}"/>
+          </ac:spMkLst>
+        </pc:spChg>
+        <pc:spChg chg="add mod">
+          <ac:chgData name="Marcel Inowe" userId="e30247b22deb4a2e" providerId="LiveId" clId="{EF58EA81-A9C9-4C15-9933-C30D2685B90E}" dt="2020-08-25T19:57:49.607" v="4217" actId="552"/>
+          <ac:spMkLst>
+            <pc:docMk/>
+            <pc:sldMk cId="389637051" sldId="298"/>
+            <ac:spMk id="19" creationId="{DDBC6AFD-11C0-4DF1-9393-9F78A042B111}"/>
+          </ac:spMkLst>
+        </pc:spChg>
+        <pc:spChg chg="mod">
+          <ac:chgData name="Marcel Inowe" userId="e30247b22deb4a2e" providerId="LiveId" clId="{EF58EA81-A9C9-4C15-9933-C30D2685B90E}" dt="2020-08-25T19:52:49.591" v="4083" actId="1036"/>
+          <ac:spMkLst>
+            <pc:docMk/>
+            <pc:sldMk cId="389637051" sldId="298"/>
+            <ac:spMk id="25" creationId="{090B6596-3F83-4711-BF8E-4BC719BF7F9D}"/>
+          </ac:spMkLst>
+        </pc:spChg>
+      </pc:sldChg>
     </pc:docChg>
   </pc:docChgLst>
 </pc:chgInfo>
@@ -1171,7 +1587,7 @@
           <a:p>
             <a:fld id="{8ACB9C2F-9055-418F-8158-046E3704C7B0}" type="datetimeFigureOut">
               <a:rPr lang="pt-BR" smtClean="0"/>
-              <a:t>24/08/2020</a:t>
+              <a:t>25/08/2020</a:t>
             </a:fld>
             <a:endParaRPr lang="pt-BR"/>
           </a:p>
@@ -1587,7 +2003,7 @@
           <a:p>
             <a:fld id="{923B08BB-E180-405B-ABF5-737CAD31DD99}" type="slidenum">
               <a:rPr lang="pt-BR" smtClean="0"/>
-              <a:t>7</a:t>
+              <a:t>8</a:t>
             </a:fld>
             <a:endParaRPr lang="pt-BR"/>
           </a:p>
@@ -1597,6 +2013,258 @@
     <p:extLst>
       <p:ext uri="{BB962C8B-B14F-4D97-AF65-F5344CB8AC3E}">
         <p14:creationId xmlns:p14="http://schemas.microsoft.com/office/powerpoint/2010/main" val="2614743913"/>
+      </p:ext>
+    </p:extLst>
+  </p:cSld>
+  <p:clrMapOvr>
+    <a:masterClrMapping/>
+  </p:clrMapOvr>
+</p:notes>
+</file>
+
+<file path=ppt/notesSlides/notesSlide3.xml><?xml version="1.0" encoding="utf-8"?>
+<p:notes xmlns:a="http://schemas.openxmlformats.org/drawingml/2006/main" xmlns:r="http://schemas.openxmlformats.org/officeDocument/2006/relationships" xmlns:p="http://schemas.openxmlformats.org/presentationml/2006/main">
+  <p:cSld>
+    <p:spTree>
+      <p:nvGrpSpPr>
+        <p:cNvPr id="1" name=""/>
+        <p:cNvGrpSpPr/>
+        <p:nvPr/>
+      </p:nvGrpSpPr>
+      <p:grpSpPr>
+        <a:xfrm>
+          <a:off x="0" y="0"/>
+          <a:ext cx="0" cy="0"/>
+          <a:chOff x="0" y="0"/>
+          <a:chExt cx="0" cy="0"/>
+        </a:xfrm>
+      </p:grpSpPr>
+      <p:sp>
+        <p:nvSpPr>
+          <p:cNvPr id="2" name="Espaço Reservado para Imagem de Slide 1"/>
+          <p:cNvSpPr>
+            <a:spLocks noGrp="1" noRot="1" noChangeAspect="1"/>
+          </p:cNvSpPr>
+          <p:nvPr>
+            <p:ph type="sldImg"/>
+          </p:nvPr>
+        </p:nvSpPr>
+        <p:spPr/>
+      </p:sp>
+      <p:sp>
+        <p:nvSpPr>
+          <p:cNvPr id="3" name="Espaço Reservado para Anotações 2"/>
+          <p:cNvSpPr>
+            <a:spLocks noGrp="1"/>
+          </p:cNvSpPr>
+          <p:nvPr>
+            <p:ph type="body" idx="1"/>
+          </p:nvPr>
+        </p:nvSpPr>
+        <p:spPr/>
+        <p:txBody>
+          <a:bodyPr/>
+          <a:lstStyle/>
+          <a:p>
+            <a:endParaRPr lang="pt-BR" dirty="0"/>
+          </a:p>
+        </p:txBody>
+      </p:sp>
+      <p:sp>
+        <p:nvSpPr>
+          <p:cNvPr id="4" name="Espaço Reservado para Número de Slide 3"/>
+          <p:cNvSpPr>
+            <a:spLocks noGrp="1"/>
+          </p:cNvSpPr>
+          <p:nvPr>
+            <p:ph type="sldNum" sz="quarter" idx="5"/>
+          </p:nvPr>
+        </p:nvSpPr>
+        <p:spPr/>
+        <p:txBody>
+          <a:bodyPr/>
+          <a:lstStyle/>
+          <a:p>
+            <a:fld id="{923B08BB-E180-405B-ABF5-737CAD31DD99}" type="slidenum">
+              <a:rPr lang="pt-BR" smtClean="0"/>
+              <a:t>10</a:t>
+            </a:fld>
+            <a:endParaRPr lang="pt-BR"/>
+          </a:p>
+        </p:txBody>
+      </p:sp>
+    </p:spTree>
+    <p:extLst>
+      <p:ext uri="{BB962C8B-B14F-4D97-AF65-F5344CB8AC3E}">
+        <p14:creationId xmlns:p14="http://schemas.microsoft.com/office/powerpoint/2010/main" val="3413465819"/>
+      </p:ext>
+    </p:extLst>
+  </p:cSld>
+  <p:clrMapOvr>
+    <a:masterClrMapping/>
+  </p:clrMapOvr>
+</p:notes>
+</file>
+
+<file path=ppt/notesSlides/notesSlide4.xml><?xml version="1.0" encoding="utf-8"?>
+<p:notes xmlns:a="http://schemas.openxmlformats.org/drawingml/2006/main" xmlns:r="http://schemas.openxmlformats.org/officeDocument/2006/relationships" xmlns:p="http://schemas.openxmlformats.org/presentationml/2006/main">
+  <p:cSld>
+    <p:spTree>
+      <p:nvGrpSpPr>
+        <p:cNvPr id="1" name=""/>
+        <p:cNvGrpSpPr/>
+        <p:nvPr/>
+      </p:nvGrpSpPr>
+      <p:grpSpPr>
+        <a:xfrm>
+          <a:off x="0" y="0"/>
+          <a:ext cx="0" cy="0"/>
+          <a:chOff x="0" y="0"/>
+          <a:chExt cx="0" cy="0"/>
+        </a:xfrm>
+      </p:grpSpPr>
+      <p:sp>
+        <p:nvSpPr>
+          <p:cNvPr id="2" name="Espaço Reservado para Imagem de Slide 1"/>
+          <p:cNvSpPr>
+            <a:spLocks noGrp="1" noRot="1" noChangeAspect="1"/>
+          </p:cNvSpPr>
+          <p:nvPr>
+            <p:ph type="sldImg"/>
+          </p:nvPr>
+        </p:nvSpPr>
+        <p:spPr/>
+      </p:sp>
+      <p:sp>
+        <p:nvSpPr>
+          <p:cNvPr id="3" name="Espaço Reservado para Anotações 2"/>
+          <p:cNvSpPr>
+            <a:spLocks noGrp="1"/>
+          </p:cNvSpPr>
+          <p:nvPr>
+            <p:ph type="body" idx="1"/>
+          </p:nvPr>
+        </p:nvSpPr>
+        <p:spPr/>
+        <p:txBody>
+          <a:bodyPr/>
+          <a:lstStyle/>
+          <a:p>
+            <a:endParaRPr lang="pt-BR" dirty="0"/>
+          </a:p>
+        </p:txBody>
+      </p:sp>
+      <p:sp>
+        <p:nvSpPr>
+          <p:cNvPr id="4" name="Espaço Reservado para Número de Slide 3"/>
+          <p:cNvSpPr>
+            <a:spLocks noGrp="1"/>
+          </p:cNvSpPr>
+          <p:nvPr>
+            <p:ph type="sldNum" sz="quarter" idx="5"/>
+          </p:nvPr>
+        </p:nvSpPr>
+        <p:spPr/>
+        <p:txBody>
+          <a:bodyPr/>
+          <a:lstStyle/>
+          <a:p>
+            <a:fld id="{923B08BB-E180-405B-ABF5-737CAD31DD99}" type="slidenum">
+              <a:rPr lang="pt-BR" smtClean="0"/>
+              <a:t>11</a:t>
+            </a:fld>
+            <a:endParaRPr lang="pt-BR"/>
+          </a:p>
+        </p:txBody>
+      </p:sp>
+    </p:spTree>
+    <p:extLst>
+      <p:ext uri="{BB962C8B-B14F-4D97-AF65-F5344CB8AC3E}">
+        <p14:creationId xmlns:p14="http://schemas.microsoft.com/office/powerpoint/2010/main" val="2207187625"/>
+      </p:ext>
+    </p:extLst>
+  </p:cSld>
+  <p:clrMapOvr>
+    <a:masterClrMapping/>
+  </p:clrMapOvr>
+</p:notes>
+</file>
+
+<file path=ppt/notesSlides/notesSlide5.xml><?xml version="1.0" encoding="utf-8"?>
+<p:notes xmlns:a="http://schemas.openxmlformats.org/drawingml/2006/main" xmlns:r="http://schemas.openxmlformats.org/officeDocument/2006/relationships" xmlns:p="http://schemas.openxmlformats.org/presentationml/2006/main">
+  <p:cSld>
+    <p:spTree>
+      <p:nvGrpSpPr>
+        <p:cNvPr id="1" name=""/>
+        <p:cNvGrpSpPr/>
+        <p:nvPr/>
+      </p:nvGrpSpPr>
+      <p:grpSpPr>
+        <a:xfrm>
+          <a:off x="0" y="0"/>
+          <a:ext cx="0" cy="0"/>
+          <a:chOff x="0" y="0"/>
+          <a:chExt cx="0" cy="0"/>
+        </a:xfrm>
+      </p:grpSpPr>
+      <p:sp>
+        <p:nvSpPr>
+          <p:cNvPr id="2" name="Espaço Reservado para Imagem de Slide 1"/>
+          <p:cNvSpPr>
+            <a:spLocks noGrp="1" noRot="1" noChangeAspect="1"/>
+          </p:cNvSpPr>
+          <p:nvPr>
+            <p:ph type="sldImg"/>
+          </p:nvPr>
+        </p:nvSpPr>
+        <p:spPr/>
+      </p:sp>
+      <p:sp>
+        <p:nvSpPr>
+          <p:cNvPr id="3" name="Espaço Reservado para Anotações 2"/>
+          <p:cNvSpPr>
+            <a:spLocks noGrp="1"/>
+          </p:cNvSpPr>
+          <p:nvPr>
+            <p:ph type="body" idx="1"/>
+          </p:nvPr>
+        </p:nvSpPr>
+        <p:spPr/>
+        <p:txBody>
+          <a:bodyPr/>
+          <a:lstStyle/>
+          <a:p>
+            <a:endParaRPr lang="pt-BR" dirty="0"/>
+          </a:p>
+        </p:txBody>
+      </p:sp>
+      <p:sp>
+        <p:nvSpPr>
+          <p:cNvPr id="4" name="Espaço Reservado para Número de Slide 3"/>
+          <p:cNvSpPr>
+            <a:spLocks noGrp="1"/>
+          </p:cNvSpPr>
+          <p:nvPr>
+            <p:ph type="sldNum" sz="quarter" idx="5"/>
+          </p:nvPr>
+        </p:nvSpPr>
+        <p:spPr/>
+        <p:txBody>
+          <a:bodyPr/>
+          <a:lstStyle/>
+          <a:p>
+            <a:fld id="{923B08BB-E180-405B-ABF5-737CAD31DD99}" type="slidenum">
+              <a:rPr lang="pt-BR" smtClean="0"/>
+              <a:t>12</a:t>
+            </a:fld>
+            <a:endParaRPr lang="pt-BR"/>
+          </a:p>
+        </p:txBody>
+      </p:sp>
+    </p:spTree>
+    <p:extLst>
+      <p:ext uri="{BB962C8B-B14F-4D97-AF65-F5344CB8AC3E}">
+        <p14:creationId xmlns:p14="http://schemas.microsoft.com/office/powerpoint/2010/main" val="1453460902"/>
       </p:ext>
     </p:extLst>
   </p:cSld>
@@ -1786,7 +2454,7 @@
             <a:fld id="{1D8BD707-D9CF-40AE-B4C6-C98DA3205C09}" type="datetimeFigureOut">
               <a:rPr lang="en-US" smtClean="0"/>
               <a:pPr/>
-              <a:t>8/24/2020</a:t>
+              <a:t>8/25/2020</a:t>
             </a:fld>
             <a:endParaRPr lang="en-US"/>
           </a:p>
@@ -1951,7 +2619,7 @@
             <a:fld id="{1D8BD707-D9CF-40AE-B4C6-C98DA3205C09}" type="datetimeFigureOut">
               <a:rPr lang="en-US" smtClean="0"/>
               <a:pPr/>
-              <a:t>8/24/2020</a:t>
+              <a:t>8/25/2020</a:t>
             </a:fld>
             <a:endParaRPr lang="en-US"/>
           </a:p>
@@ -2126,7 +2794,7 @@
             <a:fld id="{1D8BD707-D9CF-40AE-B4C6-C98DA3205C09}" type="datetimeFigureOut">
               <a:rPr lang="en-US" smtClean="0"/>
               <a:pPr/>
-              <a:t>8/24/2020</a:t>
+              <a:t>8/25/2020</a:t>
             </a:fld>
             <a:endParaRPr lang="en-US"/>
           </a:p>
@@ -2291,7 +2959,7 @@
             <a:fld id="{1D8BD707-D9CF-40AE-B4C6-C98DA3205C09}" type="datetimeFigureOut">
               <a:rPr lang="en-US" smtClean="0"/>
               <a:pPr/>
-              <a:t>8/24/2020</a:t>
+              <a:t>8/25/2020</a:t>
             </a:fld>
             <a:endParaRPr lang="en-US"/>
           </a:p>
@@ -2533,7 +3201,7 @@
             <a:fld id="{1D8BD707-D9CF-40AE-B4C6-C98DA3205C09}" type="datetimeFigureOut">
               <a:rPr lang="en-US" smtClean="0"/>
               <a:pPr/>
-              <a:t>8/24/2020</a:t>
+              <a:t>8/25/2020</a:t>
             </a:fld>
             <a:endParaRPr lang="en-US"/>
           </a:p>
@@ -2815,7 +3483,7 @@
             <a:fld id="{1D8BD707-D9CF-40AE-B4C6-C98DA3205C09}" type="datetimeFigureOut">
               <a:rPr lang="en-US" smtClean="0"/>
               <a:pPr/>
-              <a:t>8/24/2020</a:t>
+              <a:t>8/25/2020</a:t>
             </a:fld>
             <a:endParaRPr lang="en-US"/>
           </a:p>
@@ -3231,7 +3899,7 @@
             <a:fld id="{1D8BD707-D9CF-40AE-B4C6-C98DA3205C09}" type="datetimeFigureOut">
               <a:rPr lang="en-US" smtClean="0"/>
               <a:pPr/>
-              <a:t>8/24/2020</a:t>
+              <a:t>8/25/2020</a:t>
             </a:fld>
             <a:endParaRPr lang="en-US"/>
           </a:p>
@@ -3345,7 +4013,7 @@
             <a:fld id="{1D8BD707-D9CF-40AE-B4C6-C98DA3205C09}" type="datetimeFigureOut">
               <a:rPr lang="en-US" smtClean="0"/>
               <a:pPr/>
-              <a:t>8/24/2020</a:t>
+              <a:t>8/25/2020</a:t>
             </a:fld>
             <a:endParaRPr lang="en-US"/>
           </a:p>
@@ -3437,7 +4105,7 @@
             <a:fld id="{1D8BD707-D9CF-40AE-B4C6-C98DA3205C09}" type="datetimeFigureOut">
               <a:rPr lang="en-US" smtClean="0"/>
               <a:pPr/>
-              <a:t>8/24/2020</a:t>
+              <a:t>8/25/2020</a:t>
             </a:fld>
             <a:endParaRPr lang="en-US"/>
           </a:p>
@@ -3709,7 +4377,7 @@
             <a:fld id="{1D8BD707-D9CF-40AE-B4C6-C98DA3205C09}" type="datetimeFigureOut">
               <a:rPr lang="en-US" smtClean="0"/>
               <a:pPr/>
-              <a:t>8/24/2020</a:t>
+              <a:t>8/25/2020</a:t>
             </a:fld>
             <a:endParaRPr lang="en-US"/>
           </a:p>
@@ -3958,7 +4626,7 @@
             <a:fld id="{1D8BD707-D9CF-40AE-B4C6-C98DA3205C09}" type="datetimeFigureOut">
               <a:rPr lang="en-US" smtClean="0"/>
               <a:pPr/>
-              <a:t>8/24/2020</a:t>
+              <a:t>8/25/2020</a:t>
             </a:fld>
             <a:endParaRPr lang="en-US"/>
           </a:p>
@@ -4166,7 +4834,7 @@
             <a:fld id="{1D8BD707-D9CF-40AE-B4C6-C98DA3205C09}" type="datetimeFigureOut">
               <a:rPr lang="en-US" smtClean="0"/>
               <a:pPr/>
-              <a:t>8/24/2020</a:t>
+              <a:t>8/25/2020</a:t>
             </a:fld>
             <a:endParaRPr lang="en-US"/>
           </a:p>
@@ -4733,15 +5401,15 @@
         </p:nvSpPr>
         <p:spPr>
           <a:xfrm>
-            <a:off x="1260869" y="808734"/>
-            <a:ext cx="10462280" cy="901272"/>
+            <a:off x="739120" y="808734"/>
+            <a:ext cx="10919480" cy="879921"/>
           </a:xfrm>
           <a:prstGeom prst="rect">
             <a:avLst/>
           </a:prstGeom>
         </p:spPr>
         <p:txBody>
-          <a:bodyPr lIns="0" tIns="0" rIns="0" bIns="0" rtlCol="0" anchor="t">
+          <a:bodyPr wrap="square" lIns="0" tIns="0" rIns="0" bIns="0" rtlCol="0" anchor="t">
             <a:spAutoFit/>
           </a:bodyPr>
           <a:lstStyle/>
@@ -4752,13 +5420,13 @@
               </a:lnSpc>
             </a:pPr>
             <a:r>
-              <a:rPr lang="en-US" sz="6400" spc="224" dirty="0">
+              <a:rPr lang="en-US" sz="5800" spc="224" dirty="0">
                 <a:solidFill>
                   <a:srgbClr val="38B6FF"/>
                 </a:solidFill>
                 <a:latin typeface="Russo One" panose="02000503050000020004" pitchFamily="2" charset="0"/>
               </a:rPr>
-              <a:t>#CASE04</a:t>
+              <a:t>AUTOMAÇÕES</a:t>
             </a:r>
           </a:p>
         </p:txBody>
@@ -4772,7 +5440,7 @@
           <p:nvPr/>
         </p:nvPicPr>
         <p:blipFill>
-          <a:blip r:embed="rId2"/>
+          <a:blip r:embed="rId3"/>
           <a:srcRect t="5831" b="2764"/>
           <a:stretch>
             <a:fillRect/>
@@ -4780,7 +5448,7 @@
         </p:blipFill>
         <p:spPr>
           <a:xfrm>
-            <a:off x="11795992" y="-161473"/>
+            <a:off x="11795992" y="2540"/>
             <a:ext cx="6206871" cy="8515350"/>
           </a:xfrm>
           <a:prstGeom prst="rect">
@@ -4788,25 +5456,6 @@
           </a:prstGeom>
         </p:spPr>
       </p:pic>
-      <p:sp>
-        <p:nvSpPr>
-          <p:cNvPr id="8" name="AutoShape 8"/>
-          <p:cNvSpPr/>
-          <p:nvPr/>
-        </p:nvSpPr>
-        <p:spPr>
-          <a:xfrm>
-            <a:off x="18002863" y="-233785"/>
-            <a:ext cx="567624" cy="10768576"/>
-          </a:xfrm>
-          <a:prstGeom prst="rect">
-            <a:avLst/>
-          </a:prstGeom>
-          <a:solidFill>
-            <a:srgbClr val="F3F5F9"/>
-          </a:solidFill>
-        </p:spPr>
-      </p:sp>
       <p:pic>
         <p:nvPicPr>
           <p:cNvPr id="9" name="Picture 9"/>
@@ -4816,7 +5465,7 @@
           <p:nvPr/>
         </p:nvPicPr>
         <p:blipFill>
-          <a:blip r:embed="rId3"/>
+          <a:blip r:embed="rId4"/>
           <a:srcRect l="3575" r="3575"/>
           <a:stretch>
             <a:fillRect/>
@@ -4834,10 +5483,35 @@
       </p:pic>
       <p:sp>
         <p:nvSpPr>
-          <p:cNvPr id="12" name="TextBox 4">
+          <p:cNvPr id="5" name="AutoShape 2">
             <a:extLst>
               <a:ext uri="{FF2B5EF4-FFF2-40B4-BE49-F238E27FC236}">
-                <a16:creationId xmlns:a16="http://schemas.microsoft.com/office/drawing/2014/main" id="{D5A67A4B-3BAE-4A9F-A06A-C1D98E699C44}"/>
+                <a16:creationId xmlns:a16="http://schemas.microsoft.com/office/drawing/2014/main" id="{67B2B86E-FE09-47B3-94F1-5E7E31BED12F}"/>
+              </a:ext>
+            </a:extLst>
+          </p:cNvPr>
+          <p:cNvSpPr/>
+          <p:nvPr/>
+        </p:nvSpPr>
+        <p:spPr>
+          <a:xfrm rot="5400000">
+            <a:off x="6017552" y="-3545547"/>
+            <a:ext cx="80694" cy="10591800"/>
+          </a:xfrm>
+          <a:prstGeom prst="rect">
+            <a:avLst/>
+          </a:prstGeom>
+          <a:solidFill>
+            <a:srgbClr val="00B0F0"/>
+          </a:solidFill>
+        </p:spPr>
+      </p:sp>
+      <p:sp>
+        <p:nvSpPr>
+          <p:cNvPr id="2" name="TextBox 4">
+            <a:extLst>
+              <a:ext uri="{FF2B5EF4-FFF2-40B4-BE49-F238E27FC236}">
+                <a16:creationId xmlns:a16="http://schemas.microsoft.com/office/drawing/2014/main" id="{673DE885-134A-432C-A6D7-F872658F32EE}"/>
               </a:ext>
             </a:extLst>
           </p:cNvPr>
@@ -4846,8 +5520,8 @@
         </p:nvSpPr>
         <p:spPr>
           <a:xfrm>
-            <a:off x="835618" y="2680135"/>
-            <a:ext cx="10462280" cy="2215991"/>
+            <a:off x="739120" y="2019300"/>
+            <a:ext cx="10462280" cy="671530"/>
           </a:xfrm>
           <a:prstGeom prst="rect">
             <a:avLst/>
@@ -4859,61 +5533,58 @@
           </a:bodyPr>
           <a:lstStyle/>
           <a:p>
-            <a:pPr algn="l"/>
-            <a:r>
-              <a:rPr lang="en-US" sz="1600" spc="151" dirty="0">
-                <a:solidFill>
-                  <a:srgbClr val="F3F5F9"/>
-                </a:solidFill>
-                <a:latin typeface="Russo One" panose="02000503050000020004" pitchFamily="2" charset="0"/>
+            <a:pPr marL="571500" indent="-571500" algn="l">
+              <a:lnSpc>
+                <a:spcPts val="5460"/>
+              </a:lnSpc>
+              <a:buFont typeface="Arial" panose="020B0604020202020204" pitchFamily="34" charset="0"/>
+              <a:buChar char="•"/>
+            </a:pPr>
+            <a:r>
+              <a:rPr lang="en-US" sz="4000" spc="151" dirty="0" err="1">
+                <a:solidFill>
+                  <a:srgbClr val="F3F5F9"/>
+                </a:solidFill>
+                <a:latin typeface="Franklin Gothic Heavy" panose="020B0903020102020204" pitchFamily="34" charset="0"/>
               </a:rPr>
-              <a:t>VOCÊ </a:t>
-            </a:r>
-            <a:r>
-              <a:rPr lang="en-US" sz="1600" spc="151">
-                <a:solidFill>
-                  <a:srgbClr val="F3F5F9"/>
-                </a:solidFill>
-                <a:latin typeface="Russo One" panose="02000503050000020004" pitchFamily="2" charset="0"/>
+              <a:t>Alertas</a:t>
+            </a:r>
+            <a:r>
+              <a:rPr lang="en-US" sz="4000" spc="151" dirty="0">
+                <a:solidFill>
+                  <a:srgbClr val="F3F5F9"/>
+                </a:solidFill>
+                <a:latin typeface="Franklin Gothic Heavy" panose="020B0903020102020204" pitchFamily="34" charset="0"/>
               </a:rPr>
-              <a:t>É CONSULTOR </a:t>
-            </a:r>
-            <a:r>
-              <a:rPr lang="en-US" sz="1600" spc="151" dirty="0">
-                <a:solidFill>
-                  <a:srgbClr val="F3F5F9"/>
-                </a:solidFill>
-                <a:latin typeface="Russo One" panose="02000503050000020004" pitchFamily="2" charset="0"/>
+              <a:t> de </a:t>
+            </a:r>
+            <a:r>
+              <a:rPr lang="en-US" sz="4000" spc="151" dirty="0" err="1">
+                <a:solidFill>
+                  <a:srgbClr val="F3F5F9"/>
+                </a:solidFill>
+                <a:latin typeface="Franklin Gothic Heavy" panose="020B0903020102020204" pitchFamily="34" charset="0"/>
               </a:rPr>
-              <a:t>DBA ESPECIALISTA EM </a:t>
-            </a:r>
-            <a:r>
-              <a:rPr lang="en-US" sz="1600" spc="151">
-                <a:solidFill>
-                  <a:srgbClr val="F3F5F9"/>
-                </a:solidFill>
-                <a:latin typeface="Russo One" panose="02000503050000020004" pitchFamily="2" charset="0"/>
+              <a:t>consumo</a:t>
+            </a:r>
+            <a:r>
+              <a:rPr lang="en-US" sz="4000" spc="151" dirty="0">
+                <a:solidFill>
+                  <a:srgbClr val="F3F5F9"/>
+                </a:solidFill>
+                <a:latin typeface="Franklin Gothic Heavy" panose="020B0903020102020204" pitchFamily="34" charset="0"/>
               </a:rPr>
-              <a:t>SQL SERVER PELA DATA TUNING. </a:t>
-            </a:r>
-            <a:r>
-              <a:rPr lang="en-US" sz="1600" spc="151" dirty="0">
-                <a:solidFill>
-                  <a:srgbClr val="F3F5F9"/>
-                </a:solidFill>
-                <a:latin typeface="Russo One" panose="02000503050000020004" pitchFamily="2" charset="0"/>
-              </a:rPr>
-              <a:t>EM UMA BELA QUINTA-FEIRA DE FERIADO PROLONGADO VOCÊ É ACIONADO PELO DIRETOR DE UMA EMPRESA DE TOTENS DE MEIO DE PAGAMENTO, ELE ESTA DESESPERADO POIS ESTA COM UM INCIDENTE DE ALTA CRITICIDADE NA EMPRESA. CHEGANDO LA TE INFORMAM QUE O STORAGE QUE CONCENTRAVA TODO AMBIENTE SQL SERVER EM CLUSTER FAILOVER FOI PERDIDO, APÓS TEREM CHAMADO UM ESPECIALISTA EM STORAGE O MESMO CONSEGUIU RECUPERAR O ARQUIVO .MDF DO PRINCIPAL BANCO DE DADOS DA EMPRESA, PORÉM, OS DISCOS DE TRANSACTION LOG FORAM TODOS PERDIDOS E OS DISCOS COM OS BACKUPS TAMBÉM.</a:t>
-            </a:r>
-          </a:p>
-        </p:txBody>
-      </p:sp>
-      <p:sp>
-        <p:nvSpPr>
-          <p:cNvPr id="10" name="TextBox 3">
+              <a:t> de FILEGROUP</a:t>
+            </a:r>
+          </a:p>
+        </p:txBody>
+      </p:sp>
+      <p:sp>
+        <p:nvSpPr>
+          <p:cNvPr id="4" name="TextBox 4">
             <a:extLst>
               <a:ext uri="{FF2B5EF4-FFF2-40B4-BE49-F238E27FC236}">
-                <a16:creationId xmlns:a16="http://schemas.microsoft.com/office/drawing/2014/main" id="{DB34E90F-D8A5-42CE-ADB8-322B461F9AC7}"/>
+                <a16:creationId xmlns:a16="http://schemas.microsoft.com/office/drawing/2014/main" id="{919FBD96-0214-451B-B602-DEBCCC68BF6E}"/>
               </a:ext>
             </a:extLst>
           </p:cNvPr>
@@ -4922,42 +5593,63 @@
         </p:nvSpPr>
         <p:spPr>
           <a:xfrm>
-            <a:off x="766088" y="1638300"/>
-            <a:ext cx="10462280" cy="801566"/>
+            <a:off x="735494" y="2725509"/>
+            <a:ext cx="10462280" cy="671530"/>
           </a:xfrm>
           <a:prstGeom prst="rect">
             <a:avLst/>
           </a:prstGeom>
         </p:spPr>
         <p:txBody>
-          <a:bodyPr lIns="0" tIns="0" rIns="0" bIns="0" rtlCol="0" anchor="t">
+          <a:bodyPr wrap="square" lIns="0" tIns="0" rIns="0" bIns="0" rtlCol="0" anchor="t">
             <a:spAutoFit/>
           </a:bodyPr>
-          <a:lstStyle/>
-          <a:p>
-            <a:pPr algn="l">
+          <a:lstStyle>
+            <a:defPPr>
+              <a:defRPr lang="en-US"/>
+            </a:defPPr>
+            <a:lvl1pPr>
               <a:lnSpc>
-                <a:spcPts val="7039"/>
+                <a:spcPts val="5460"/>
               </a:lnSpc>
+              <a:defRPr sz="4000" spc="151">
+                <a:solidFill>
+                  <a:srgbClr val="F3F5F9"/>
+                </a:solidFill>
+                <a:latin typeface="Franklin Gothic Heavy" panose="020B0903020102020204" pitchFamily="34" charset="0"/>
+              </a:defRPr>
+            </a:lvl1pPr>
+          </a:lstStyle>
+          <a:p>
+            <a:pPr marL="571500" indent="-571500">
+              <a:buFont typeface="Arial" panose="020B0604020202020204" pitchFamily="34" charset="0"/>
+              <a:buChar char="•"/>
             </a:pPr>
             <a:r>
-              <a:rPr lang="en-US" sz="3600" spc="224" dirty="0">
-                <a:solidFill>
-                  <a:srgbClr val="38B6FF"/>
-                </a:solidFill>
-                <a:latin typeface="Russo One" panose="02000503050000020004" pitchFamily="2" charset="0"/>
-              </a:rPr>
-              <a:t>CONTEXTO</a:t>
-            </a:r>
-          </a:p>
-        </p:txBody>
-      </p:sp>
-      <p:sp>
-        <p:nvSpPr>
-          <p:cNvPr id="15" name="TextBox 3">
+              <a:rPr lang="en-US" dirty="0" err="1"/>
+              <a:t>Alertas</a:t>
+            </a:r>
+            <a:r>
+              <a:rPr lang="en-US" dirty="0"/>
+              <a:t> de </a:t>
+            </a:r>
+            <a:r>
+              <a:rPr lang="en-US" dirty="0" err="1"/>
+              <a:t>consumo</a:t>
+            </a:r>
+            <a:r>
+              <a:rPr lang="en-US" dirty="0"/>
+              <a:t> de T-LOG</a:t>
+            </a:r>
+          </a:p>
+        </p:txBody>
+      </p:sp>
+      <p:sp>
+        <p:nvSpPr>
+          <p:cNvPr id="6" name="TextBox 4">
             <a:extLst>
               <a:ext uri="{FF2B5EF4-FFF2-40B4-BE49-F238E27FC236}">
-                <a16:creationId xmlns:a16="http://schemas.microsoft.com/office/drawing/2014/main" id="{F5A8F0A9-4F56-43C0-93EB-FEAF03684CFD}"/>
+                <a16:creationId xmlns:a16="http://schemas.microsoft.com/office/drawing/2014/main" id="{7569C547-4164-4459-8244-64946553C5EE}"/>
               </a:ext>
             </a:extLst>
           </p:cNvPr>
@@ -4966,42 +5658,169 @@
         </p:nvSpPr>
         <p:spPr>
           <a:xfrm>
-            <a:off x="766088" y="5605829"/>
-            <a:ext cx="10462280" cy="801566"/>
+            <a:off x="731865" y="3431718"/>
+            <a:ext cx="10462280" cy="671530"/>
           </a:xfrm>
           <a:prstGeom prst="rect">
             <a:avLst/>
           </a:prstGeom>
         </p:spPr>
         <p:txBody>
-          <a:bodyPr lIns="0" tIns="0" rIns="0" bIns="0" rtlCol="0" anchor="t">
+          <a:bodyPr wrap="square" lIns="0" tIns="0" rIns="0" bIns="0" rtlCol="0" anchor="t">
             <a:spAutoFit/>
           </a:bodyPr>
-          <a:lstStyle/>
-          <a:p>
-            <a:pPr algn="l">
+          <a:lstStyle>
+            <a:defPPr>
+              <a:defRPr lang="en-US"/>
+            </a:defPPr>
+            <a:lvl1pPr>
               <a:lnSpc>
-                <a:spcPts val="7039"/>
+                <a:spcPts val="5460"/>
               </a:lnSpc>
+              <a:defRPr sz="4000" spc="151">
+                <a:solidFill>
+                  <a:srgbClr val="F3F5F9"/>
+                </a:solidFill>
+                <a:latin typeface="Franklin Gothic Heavy" panose="020B0903020102020204" pitchFamily="34" charset="0"/>
+              </a:defRPr>
+            </a:lvl1pPr>
+          </a:lstStyle>
+          <a:p>
+            <a:pPr marL="571500" indent="-571500">
+              <a:buFont typeface="Arial" panose="020B0604020202020204" pitchFamily="34" charset="0"/>
+              <a:buChar char="•"/>
             </a:pPr>
             <a:r>
-              <a:rPr lang="en-US" sz="3600" spc="224" dirty="0">
-                <a:solidFill>
-                  <a:srgbClr val="38B6FF"/>
-                </a:solidFill>
-                <a:latin typeface="Russo One" panose="02000503050000020004" pitchFamily="2" charset="0"/>
-              </a:rPr>
-              <a:t>MISSÃO</a:t>
-            </a:r>
-          </a:p>
-        </p:txBody>
-      </p:sp>
-      <p:sp>
-        <p:nvSpPr>
-          <p:cNvPr id="4" name="Retângulo 3">
+              <a:rPr lang="en-US" dirty="0" err="1"/>
+              <a:t>Ausência</a:t>
+            </a:r>
+            <a:r>
+              <a:rPr lang="en-US" dirty="0"/>
+              <a:t> de Backups</a:t>
+            </a:r>
+          </a:p>
+        </p:txBody>
+      </p:sp>
+      <p:sp>
+        <p:nvSpPr>
+          <p:cNvPr id="15" name="TextBox 4">
             <a:extLst>
               <a:ext uri="{FF2B5EF4-FFF2-40B4-BE49-F238E27FC236}">
-                <a16:creationId xmlns:a16="http://schemas.microsoft.com/office/drawing/2014/main" id="{D2CF065A-F2F9-47E9-AE44-EF580EC15CD2}"/>
+                <a16:creationId xmlns:a16="http://schemas.microsoft.com/office/drawing/2014/main" id="{60484D78-D12A-4A3E-87BC-D55DC06EC635}"/>
+              </a:ext>
+            </a:extLst>
+          </p:cNvPr>
+          <p:cNvSpPr txBox="1"/>
+          <p:nvPr/>
+        </p:nvSpPr>
+        <p:spPr>
+          <a:xfrm>
+            <a:off x="728236" y="4137927"/>
+            <a:ext cx="10462280" cy="671530"/>
+          </a:xfrm>
+          <a:prstGeom prst="rect">
+            <a:avLst/>
+          </a:prstGeom>
+        </p:spPr>
+        <p:txBody>
+          <a:bodyPr wrap="square" lIns="0" tIns="0" rIns="0" bIns="0" rtlCol="0" anchor="t">
+            <a:spAutoFit/>
+          </a:bodyPr>
+          <a:lstStyle>
+            <a:defPPr>
+              <a:defRPr lang="en-US"/>
+            </a:defPPr>
+            <a:lvl1pPr>
+              <a:lnSpc>
+                <a:spcPts val="5460"/>
+              </a:lnSpc>
+              <a:defRPr sz="4000" spc="151">
+                <a:solidFill>
+                  <a:srgbClr val="F3F5F9"/>
+                </a:solidFill>
+                <a:latin typeface="Franklin Gothic Heavy" panose="020B0903020102020204" pitchFamily="34" charset="0"/>
+              </a:defRPr>
+            </a:lvl1pPr>
+          </a:lstStyle>
+          <a:p>
+            <a:pPr marL="571500" indent="-571500">
+              <a:buFont typeface="Arial" panose="020B0604020202020204" pitchFamily="34" charset="0"/>
+              <a:buChar char="•"/>
+            </a:pPr>
+            <a:r>
+              <a:rPr lang="en-US" dirty="0"/>
+              <a:t>Coletas de TOP Queries</a:t>
+            </a:r>
+          </a:p>
+        </p:txBody>
+      </p:sp>
+      <p:sp>
+        <p:nvSpPr>
+          <p:cNvPr id="25" name="TextBox 4">
+            <a:extLst>
+              <a:ext uri="{FF2B5EF4-FFF2-40B4-BE49-F238E27FC236}">
+                <a16:creationId xmlns:a16="http://schemas.microsoft.com/office/drawing/2014/main" id="{090B6596-3F83-4711-BF8E-4BC719BF7F9D}"/>
+              </a:ext>
+            </a:extLst>
+          </p:cNvPr>
+          <p:cNvSpPr txBox="1"/>
+          <p:nvPr/>
+        </p:nvSpPr>
+        <p:spPr>
+          <a:xfrm>
+            <a:off x="713720" y="4844136"/>
+            <a:ext cx="10462280" cy="671530"/>
+          </a:xfrm>
+          <a:prstGeom prst="rect">
+            <a:avLst/>
+          </a:prstGeom>
+        </p:spPr>
+        <p:txBody>
+          <a:bodyPr wrap="square" lIns="0" tIns="0" rIns="0" bIns="0" rtlCol="0" anchor="t">
+            <a:spAutoFit/>
+          </a:bodyPr>
+          <a:lstStyle>
+            <a:defPPr>
+              <a:defRPr lang="en-US"/>
+            </a:defPPr>
+            <a:lvl1pPr>
+              <a:lnSpc>
+                <a:spcPts val="5460"/>
+              </a:lnSpc>
+              <a:defRPr sz="4000" spc="151">
+                <a:solidFill>
+                  <a:srgbClr val="F3F5F9"/>
+                </a:solidFill>
+                <a:latin typeface="Franklin Gothic Heavy" panose="020B0903020102020204" pitchFamily="34" charset="0"/>
+              </a:defRPr>
+            </a:lvl1pPr>
+          </a:lstStyle>
+          <a:p>
+            <a:pPr marL="571500" indent="-571500">
+              <a:buFont typeface="Arial" panose="020B0604020202020204" pitchFamily="34" charset="0"/>
+              <a:buChar char="•"/>
+            </a:pPr>
+            <a:r>
+              <a:rPr lang="en-US" dirty="0"/>
+              <a:t>Alto </a:t>
+            </a:r>
+            <a:r>
+              <a:rPr lang="en-US" dirty="0" err="1"/>
+              <a:t>consumo</a:t>
+            </a:r>
+            <a:r>
+              <a:rPr lang="en-US" dirty="0"/>
+              <a:t> do TEMPDB</a:t>
+            </a:r>
+          </a:p>
+        </p:txBody>
+      </p:sp>
+      <p:sp>
+        <p:nvSpPr>
+          <p:cNvPr id="27" name="AutoShape 8">
+            <a:extLst>
+              <a:ext uri="{FF2B5EF4-FFF2-40B4-BE49-F238E27FC236}">
+                <a16:creationId xmlns:a16="http://schemas.microsoft.com/office/drawing/2014/main" id="{C0537B05-4CD3-4F87-8AA5-C2F0415B5340}"/>
               </a:ext>
             </a:extLst>
           </p:cNvPr>
@@ -5010,41 +5829,289 @@
         </p:nvSpPr>
         <p:spPr>
           <a:xfrm>
-            <a:off x="696558" y="6616125"/>
-            <a:ext cx="10462280" cy="584775"/>
+            <a:off x="18002863" y="-10159"/>
+            <a:ext cx="567624" cy="10325100"/>
           </a:xfrm>
           <a:prstGeom prst="rect">
             <a:avLst/>
           </a:prstGeom>
-        </p:spPr>
-        <p:txBody>
-          <a:bodyPr wrap="square">
-            <a:spAutoFit/>
-          </a:bodyPr>
-          <a:lstStyle/>
-          <a:p>
-            <a:r>
-              <a:rPr lang="en-US" sz="1600" spc="151" dirty="0">
-                <a:solidFill>
-                  <a:srgbClr val="F3F5F9"/>
-                </a:solidFill>
-                <a:latin typeface="Russo One" panose="02000503050000020004" pitchFamily="2" charset="0"/>
-              </a:rPr>
-              <a:t>COLOCAR O PRINCIPAL BANCO DE DADOS DA EMPRESA ONLINE NOVAMENTE NA INSTANCIA E VERIFICAR A CONSISTENCIA DOS DADOS.</a:t>
-            </a:r>
-          </a:p>
-        </p:txBody>
+          <a:solidFill>
+            <a:srgbClr val="F3F5F9"/>
+          </a:solidFill>
+        </p:spPr>
       </p:sp>
     </p:spTree>
     <p:extLst>
       <p:ext uri="{BB962C8B-B14F-4D97-AF65-F5344CB8AC3E}">
-        <p14:creationId xmlns:p14="http://schemas.microsoft.com/office/powerpoint/2010/main" val="1026760127"/>
+        <p14:creationId xmlns:p14="http://schemas.microsoft.com/office/powerpoint/2010/main" val="2573025929"/>
       </p:ext>
     </p:extLst>
   </p:cSld>
   <p:clrMapOvr>
     <a:masterClrMapping/>
   </p:clrMapOvr>
+  <p:timing>
+    <p:tnLst>
+      <p:par>
+        <p:cTn id="1" dur="indefinite" restart="never" nodeType="tmRoot">
+          <p:childTnLst>
+            <p:seq concurrent="1" nextAc="seek">
+              <p:cTn id="2" dur="indefinite" nodeType="mainSeq">
+                <p:childTnLst>
+                  <p:par>
+                    <p:cTn id="3" fill="hold">
+                      <p:stCondLst>
+                        <p:cond delay="indefinite"/>
+                      </p:stCondLst>
+                      <p:childTnLst>
+                        <p:par>
+                          <p:cTn id="4" fill="hold">
+                            <p:stCondLst>
+                              <p:cond delay="0"/>
+                            </p:stCondLst>
+                            <p:childTnLst>
+                              <p:par>
+                                <p:cTn id="5" presetID="1" presetClass="entr" presetSubtype="0" fill="hold" grpId="0" nodeType="clickEffect">
+                                  <p:stCondLst>
+                                    <p:cond delay="0"/>
+                                  </p:stCondLst>
+                                  <p:childTnLst>
+                                    <p:set>
+                                      <p:cBhvr>
+                                        <p:cTn id="6" dur="1" fill="hold">
+                                          <p:stCondLst>
+                                            <p:cond delay="0"/>
+                                          </p:stCondLst>
+                                        </p:cTn>
+                                        <p:tgtEl>
+                                          <p:spTgt spid="2"/>
+                                        </p:tgtEl>
+                                        <p:attrNameLst>
+                                          <p:attrName>style.visibility</p:attrName>
+                                        </p:attrNameLst>
+                                      </p:cBhvr>
+                                      <p:to>
+                                        <p:strVal val="visible"/>
+                                      </p:to>
+                                    </p:set>
+                                  </p:childTnLst>
+                                </p:cTn>
+                              </p:par>
+                            </p:childTnLst>
+                          </p:cTn>
+                        </p:par>
+                      </p:childTnLst>
+                    </p:cTn>
+                  </p:par>
+                  <p:par>
+                    <p:cTn id="7" fill="hold">
+                      <p:stCondLst>
+                        <p:cond delay="indefinite"/>
+                      </p:stCondLst>
+                      <p:childTnLst>
+                        <p:par>
+                          <p:cTn id="8" fill="hold">
+                            <p:stCondLst>
+                              <p:cond delay="0"/>
+                            </p:stCondLst>
+                            <p:childTnLst>
+                              <p:par>
+                                <p:cTn id="9" presetID="1" presetClass="entr" presetSubtype="0" fill="hold" grpId="0" nodeType="clickEffect">
+                                  <p:stCondLst>
+                                    <p:cond delay="0"/>
+                                  </p:stCondLst>
+                                  <p:childTnLst>
+                                    <p:set>
+                                      <p:cBhvr>
+                                        <p:cTn id="10" dur="1" fill="hold">
+                                          <p:stCondLst>
+                                            <p:cond delay="0"/>
+                                          </p:stCondLst>
+                                        </p:cTn>
+                                        <p:tgtEl>
+                                          <p:spTgt spid="4"/>
+                                        </p:tgtEl>
+                                        <p:attrNameLst>
+                                          <p:attrName>style.visibility</p:attrName>
+                                        </p:attrNameLst>
+                                      </p:cBhvr>
+                                      <p:to>
+                                        <p:strVal val="visible"/>
+                                      </p:to>
+                                    </p:set>
+                                  </p:childTnLst>
+                                </p:cTn>
+                              </p:par>
+                            </p:childTnLst>
+                          </p:cTn>
+                        </p:par>
+                      </p:childTnLst>
+                    </p:cTn>
+                  </p:par>
+                  <p:par>
+                    <p:cTn id="11" fill="hold">
+                      <p:stCondLst>
+                        <p:cond delay="indefinite"/>
+                      </p:stCondLst>
+                      <p:childTnLst>
+                        <p:par>
+                          <p:cTn id="12" fill="hold">
+                            <p:stCondLst>
+                              <p:cond delay="0"/>
+                            </p:stCondLst>
+                            <p:childTnLst>
+                              <p:par>
+                                <p:cTn id="13" presetID="1" presetClass="entr" presetSubtype="0" fill="hold" grpId="0" nodeType="clickEffect">
+                                  <p:stCondLst>
+                                    <p:cond delay="0"/>
+                                  </p:stCondLst>
+                                  <p:childTnLst>
+                                    <p:set>
+                                      <p:cBhvr>
+                                        <p:cTn id="14" dur="1" fill="hold">
+                                          <p:stCondLst>
+                                            <p:cond delay="0"/>
+                                          </p:stCondLst>
+                                        </p:cTn>
+                                        <p:tgtEl>
+                                          <p:spTgt spid="6"/>
+                                        </p:tgtEl>
+                                        <p:attrNameLst>
+                                          <p:attrName>style.visibility</p:attrName>
+                                        </p:attrNameLst>
+                                      </p:cBhvr>
+                                      <p:to>
+                                        <p:strVal val="visible"/>
+                                      </p:to>
+                                    </p:set>
+                                  </p:childTnLst>
+                                </p:cTn>
+                              </p:par>
+                            </p:childTnLst>
+                          </p:cTn>
+                        </p:par>
+                      </p:childTnLst>
+                    </p:cTn>
+                  </p:par>
+                  <p:par>
+                    <p:cTn id="15" fill="hold">
+                      <p:stCondLst>
+                        <p:cond delay="indefinite"/>
+                      </p:stCondLst>
+                      <p:childTnLst>
+                        <p:par>
+                          <p:cTn id="16" fill="hold">
+                            <p:stCondLst>
+                              <p:cond delay="0"/>
+                            </p:stCondLst>
+                            <p:childTnLst>
+                              <p:par>
+                                <p:cTn id="17" presetID="1" presetClass="entr" presetSubtype="0" fill="hold" grpId="0" nodeType="clickEffect">
+                                  <p:stCondLst>
+                                    <p:cond delay="0"/>
+                                  </p:stCondLst>
+                                  <p:childTnLst>
+                                    <p:set>
+                                      <p:cBhvr>
+                                        <p:cTn id="18" dur="1" fill="hold">
+                                          <p:stCondLst>
+                                            <p:cond delay="0"/>
+                                          </p:stCondLst>
+                                        </p:cTn>
+                                        <p:tgtEl>
+                                          <p:spTgt spid="15"/>
+                                        </p:tgtEl>
+                                        <p:attrNameLst>
+                                          <p:attrName>style.visibility</p:attrName>
+                                        </p:attrNameLst>
+                                      </p:cBhvr>
+                                      <p:to>
+                                        <p:strVal val="visible"/>
+                                      </p:to>
+                                    </p:set>
+                                  </p:childTnLst>
+                                </p:cTn>
+                              </p:par>
+                            </p:childTnLst>
+                          </p:cTn>
+                        </p:par>
+                      </p:childTnLst>
+                    </p:cTn>
+                  </p:par>
+                  <p:par>
+                    <p:cTn id="19" fill="hold">
+                      <p:stCondLst>
+                        <p:cond delay="indefinite"/>
+                      </p:stCondLst>
+                      <p:childTnLst>
+                        <p:par>
+                          <p:cTn id="20" fill="hold">
+                            <p:stCondLst>
+                              <p:cond delay="0"/>
+                            </p:stCondLst>
+                            <p:childTnLst>
+                              <p:par>
+                                <p:cTn id="21" presetID="1" presetClass="entr" presetSubtype="0" fill="hold" grpId="0" nodeType="clickEffect">
+                                  <p:stCondLst>
+                                    <p:cond delay="0"/>
+                                  </p:stCondLst>
+                                  <p:childTnLst>
+                                    <p:set>
+                                      <p:cBhvr>
+                                        <p:cTn id="22" dur="1" fill="hold">
+                                          <p:stCondLst>
+                                            <p:cond delay="0"/>
+                                          </p:stCondLst>
+                                        </p:cTn>
+                                        <p:tgtEl>
+                                          <p:spTgt spid="25"/>
+                                        </p:tgtEl>
+                                        <p:attrNameLst>
+                                          <p:attrName>style.visibility</p:attrName>
+                                        </p:attrNameLst>
+                                      </p:cBhvr>
+                                      <p:to>
+                                        <p:strVal val="visible"/>
+                                      </p:to>
+                                    </p:set>
+                                  </p:childTnLst>
+                                </p:cTn>
+                              </p:par>
+                            </p:childTnLst>
+                          </p:cTn>
+                        </p:par>
+                      </p:childTnLst>
+                    </p:cTn>
+                  </p:par>
+                </p:childTnLst>
+              </p:cTn>
+              <p:prevCondLst>
+                <p:cond evt="onPrev" delay="0">
+                  <p:tgtEl>
+                    <p:sldTgt/>
+                  </p:tgtEl>
+                </p:cond>
+              </p:prevCondLst>
+              <p:nextCondLst>
+                <p:cond evt="onNext" delay="0">
+                  <p:tgtEl>
+                    <p:sldTgt/>
+                  </p:tgtEl>
+                </p:cond>
+              </p:nextCondLst>
+            </p:seq>
+          </p:childTnLst>
+        </p:cTn>
+      </p:par>
+    </p:tnLst>
+    <p:bldLst>
+      <p:bldP spid="2" grpId="0"/>
+      <p:bldP spid="4" grpId="0"/>
+      <p:bldP spid="6" grpId="0"/>
+      <p:bldP spid="15" grpId="0"/>
+      <p:bldP spid="25" grpId="0"/>
+    </p:bldLst>
+  </p:timing>
 </p:sld>
 </file>
 
@@ -5081,15 +6148,15 @@
         </p:nvSpPr>
         <p:spPr>
           <a:xfrm>
-            <a:off x="1260869" y="808734"/>
-            <a:ext cx="10462280" cy="901272"/>
+            <a:off x="739120" y="808734"/>
+            <a:ext cx="10919480" cy="879921"/>
           </a:xfrm>
           <a:prstGeom prst="rect">
             <a:avLst/>
           </a:prstGeom>
         </p:spPr>
         <p:txBody>
-          <a:bodyPr lIns="0" tIns="0" rIns="0" bIns="0" rtlCol="0" anchor="t">
+          <a:bodyPr wrap="square" lIns="0" tIns="0" rIns="0" bIns="0" rtlCol="0" anchor="t">
             <a:spAutoFit/>
           </a:bodyPr>
           <a:lstStyle/>
@@ -5100,13 +6167,13 @@
               </a:lnSpc>
             </a:pPr>
             <a:r>
-              <a:rPr lang="en-US" sz="6400" spc="224" dirty="0">
+              <a:rPr lang="en-US" sz="5800" spc="224" dirty="0">
                 <a:solidFill>
                   <a:srgbClr val="38B6FF"/>
                 </a:solidFill>
                 <a:latin typeface="Russo One" panose="02000503050000020004" pitchFamily="2" charset="0"/>
               </a:rPr>
-              <a:t>#CASE04</a:t>
+              <a:t>ITENS DE UM BASELINE</a:t>
             </a:r>
           </a:p>
         </p:txBody>
@@ -5120,7 +6187,7 @@
           <p:nvPr/>
         </p:nvPicPr>
         <p:blipFill>
-          <a:blip r:embed="rId2"/>
+          <a:blip r:embed="rId3"/>
           <a:srcRect t="5831" b="2764"/>
           <a:stretch>
             <a:fillRect/>
@@ -5128,7 +6195,7 @@
         </p:blipFill>
         <p:spPr>
           <a:xfrm>
-            <a:off x="11795992" y="-161473"/>
+            <a:off x="11795992" y="2540"/>
             <a:ext cx="6206871" cy="8515350"/>
           </a:xfrm>
           <a:prstGeom prst="rect">
@@ -5136,25 +6203,6 @@
           </a:prstGeom>
         </p:spPr>
       </p:pic>
-      <p:sp>
-        <p:nvSpPr>
-          <p:cNvPr id="8" name="AutoShape 8"/>
-          <p:cNvSpPr/>
-          <p:nvPr/>
-        </p:nvSpPr>
-        <p:spPr>
-          <a:xfrm>
-            <a:off x="18002863" y="-233785"/>
-            <a:ext cx="567624" cy="10768576"/>
-          </a:xfrm>
-          <a:prstGeom prst="rect">
-            <a:avLst/>
-          </a:prstGeom>
-          <a:solidFill>
-            <a:srgbClr val="F3F5F9"/>
-          </a:solidFill>
-        </p:spPr>
-      </p:sp>
       <p:pic>
         <p:nvPicPr>
           <p:cNvPr id="9" name="Picture 9"/>
@@ -5164,7 +6212,7 @@
           <p:nvPr/>
         </p:nvPicPr>
         <p:blipFill>
-          <a:blip r:embed="rId3"/>
+          <a:blip r:embed="rId4"/>
           <a:srcRect l="3575" r="3575"/>
           <a:stretch>
             <a:fillRect/>
@@ -5182,10 +6230,35 @@
       </p:pic>
       <p:sp>
         <p:nvSpPr>
-          <p:cNvPr id="12" name="TextBox 4">
+          <p:cNvPr id="5" name="AutoShape 2">
             <a:extLst>
               <a:ext uri="{FF2B5EF4-FFF2-40B4-BE49-F238E27FC236}">
-                <a16:creationId xmlns:a16="http://schemas.microsoft.com/office/drawing/2014/main" id="{D5A67A4B-3BAE-4A9F-A06A-C1D98E699C44}"/>
+                <a16:creationId xmlns:a16="http://schemas.microsoft.com/office/drawing/2014/main" id="{67B2B86E-FE09-47B3-94F1-5E7E31BED12F}"/>
+              </a:ext>
+            </a:extLst>
+          </p:cNvPr>
+          <p:cNvSpPr/>
+          <p:nvPr/>
+        </p:nvSpPr>
+        <p:spPr>
+          <a:xfrm rot="5400000">
+            <a:off x="6017552" y="-3545547"/>
+            <a:ext cx="80694" cy="10591800"/>
+          </a:xfrm>
+          <a:prstGeom prst="rect">
+            <a:avLst/>
+          </a:prstGeom>
+          <a:solidFill>
+            <a:srgbClr val="00B0F0"/>
+          </a:solidFill>
+        </p:spPr>
+      </p:sp>
+      <p:sp>
+        <p:nvSpPr>
+          <p:cNvPr id="2" name="TextBox 4">
+            <a:extLst>
+              <a:ext uri="{FF2B5EF4-FFF2-40B4-BE49-F238E27FC236}">
+                <a16:creationId xmlns:a16="http://schemas.microsoft.com/office/drawing/2014/main" id="{673DE885-134A-432C-A6D7-F872658F32EE}"/>
               </a:ext>
             </a:extLst>
           </p:cNvPr>
@@ -5194,8 +6267,8 @@
         </p:nvSpPr>
         <p:spPr>
           <a:xfrm>
-            <a:off x="858078" y="2781300"/>
-            <a:ext cx="10462280" cy="614464"/>
+            <a:off x="739120" y="2019300"/>
+            <a:ext cx="10462280" cy="671530"/>
           </a:xfrm>
           <a:prstGeom prst="rect">
             <a:avLst/>
@@ -5207,31 +6280,40 @@
           </a:bodyPr>
           <a:lstStyle/>
           <a:p>
-            <a:pPr marL="342900" indent="-342900" algn="l">
+            <a:pPr marL="571500" indent="-571500" algn="l">
               <a:lnSpc>
                 <a:spcPts val="5460"/>
               </a:lnSpc>
-              <a:buFontTx/>
-              <a:buChar char="-"/>
+              <a:buFont typeface="Arial" panose="020B0604020202020204" pitchFamily="34" charset="0"/>
+              <a:buChar char="•"/>
             </a:pPr>
             <a:r>
-              <a:rPr lang="en-US" sz="2400" spc="151" dirty="0">
-                <a:solidFill>
-                  <a:srgbClr val="F3F5F9"/>
-                </a:solidFill>
-                <a:latin typeface="Russo One" panose="02000503050000020004" pitchFamily="2" charset="0"/>
+              <a:rPr lang="en-US" sz="4000" spc="151" dirty="0" err="1">
+                <a:solidFill>
+                  <a:srgbClr val="F3F5F9"/>
+                </a:solidFill>
+                <a:latin typeface="Franklin Gothic Heavy" panose="020B0903020102020204" pitchFamily="34" charset="0"/>
               </a:rPr>
-              <a:t>O ARQUIVO MDF ESTA EM: D:\DADOS01\Northwind</a:t>
-            </a:r>
-          </a:p>
-        </p:txBody>
-      </p:sp>
-      <p:sp>
-        <p:nvSpPr>
-          <p:cNvPr id="10" name="TextBox 3">
+              <a:t>Consumo</a:t>
+            </a:r>
+            <a:r>
+              <a:rPr lang="en-US" sz="4000" spc="151" dirty="0">
+                <a:solidFill>
+                  <a:srgbClr val="F3F5F9"/>
+                </a:solidFill>
+                <a:latin typeface="Franklin Gothic Heavy" panose="020B0903020102020204" pitchFamily="34" charset="0"/>
+              </a:rPr>
+              <a:t> de CPU</a:t>
+            </a:r>
+          </a:p>
+        </p:txBody>
+      </p:sp>
+      <p:sp>
+        <p:nvSpPr>
+          <p:cNvPr id="4" name="TextBox 4">
             <a:extLst>
               <a:ext uri="{FF2B5EF4-FFF2-40B4-BE49-F238E27FC236}">
-                <a16:creationId xmlns:a16="http://schemas.microsoft.com/office/drawing/2014/main" id="{DB34E90F-D8A5-42CE-ADB8-322B461F9AC7}"/>
+                <a16:creationId xmlns:a16="http://schemas.microsoft.com/office/drawing/2014/main" id="{919FBD96-0214-451B-B602-DEBCCC68BF6E}"/>
               </a:ext>
             </a:extLst>
           </p:cNvPr>
@@ -5240,42 +6322,84 @@
         </p:nvSpPr>
         <p:spPr>
           <a:xfrm>
-            <a:off x="766088" y="2007895"/>
-            <a:ext cx="10462280" cy="801566"/>
+            <a:off x="735494" y="2705100"/>
+            <a:ext cx="10462280" cy="2762936"/>
           </a:xfrm>
           <a:prstGeom prst="rect">
             <a:avLst/>
           </a:prstGeom>
         </p:spPr>
         <p:txBody>
-          <a:bodyPr lIns="0" tIns="0" rIns="0" bIns="0" rtlCol="0" anchor="t">
+          <a:bodyPr wrap="square" lIns="0" tIns="0" rIns="0" bIns="0" rtlCol="0" anchor="t">
             <a:spAutoFit/>
           </a:bodyPr>
-          <a:lstStyle/>
-          <a:p>
-            <a:pPr algn="l">
+          <a:lstStyle>
+            <a:defPPr>
+              <a:defRPr lang="en-US"/>
+            </a:defPPr>
+            <a:lvl1pPr>
               <a:lnSpc>
-                <a:spcPts val="7039"/>
+                <a:spcPts val="5460"/>
               </a:lnSpc>
+              <a:defRPr sz="4000" spc="151">
+                <a:solidFill>
+                  <a:srgbClr val="F3F5F9"/>
+                </a:solidFill>
+                <a:latin typeface="Franklin Gothic Heavy" panose="020B0903020102020204" pitchFamily="34" charset="0"/>
+              </a:defRPr>
+            </a:lvl1pPr>
+          </a:lstStyle>
+          <a:p>
+            <a:pPr marL="571500" indent="-571500">
+              <a:buFont typeface="Arial" panose="020B0604020202020204" pitchFamily="34" charset="0"/>
+              <a:buChar char="•"/>
             </a:pPr>
             <a:r>
-              <a:rPr lang="en-US" sz="3600" spc="224" dirty="0">
-                <a:solidFill>
-                  <a:srgbClr val="38B6FF"/>
-                </a:solidFill>
-                <a:latin typeface="Russo One" panose="02000503050000020004" pitchFamily="2" charset="0"/>
-              </a:rPr>
-              <a:t>INICIALIZAR</a:t>
-            </a:r>
-          </a:p>
-        </p:txBody>
-      </p:sp>
-      <p:sp>
-        <p:nvSpPr>
-          <p:cNvPr id="15" name="TextBox 3">
+              <a:rPr lang="en-US" dirty="0" err="1"/>
+              <a:t>Contadores</a:t>
+            </a:r>
+            <a:r>
+              <a:rPr lang="en-US" dirty="0"/>
+              <a:t> de discos:</a:t>
+            </a:r>
+            <a:br>
+              <a:rPr lang="en-US" dirty="0"/>
+            </a:br>
+            <a:r>
+              <a:rPr lang="en-US" dirty="0"/>
+              <a:t> </a:t>
+            </a:r>
+            <a:r>
+              <a:rPr lang="en-US" sz="3200" dirty="0"/>
+              <a:t>- </a:t>
+            </a:r>
+            <a:r>
+              <a:rPr lang="en-US" sz="3200" dirty="0" err="1"/>
+              <a:t>Latência</a:t>
+            </a:r>
+            <a:br>
+              <a:rPr lang="en-US" sz="3200" dirty="0"/>
+            </a:br>
+            <a:r>
+              <a:rPr lang="en-US" sz="3200" dirty="0"/>
+              <a:t> - Throughput</a:t>
+            </a:r>
+            <a:br>
+              <a:rPr lang="en-US" sz="3200" dirty="0"/>
+            </a:br>
+            <a:r>
+              <a:rPr lang="en-US" sz="3200" dirty="0"/>
+              <a:t> - IOPS</a:t>
+            </a:r>
+          </a:p>
+        </p:txBody>
+      </p:sp>
+      <p:sp>
+        <p:nvSpPr>
+          <p:cNvPr id="6" name="TextBox 4">
             <a:extLst>
               <a:ext uri="{FF2B5EF4-FFF2-40B4-BE49-F238E27FC236}">
-                <a16:creationId xmlns:a16="http://schemas.microsoft.com/office/drawing/2014/main" id="{F5A8F0A9-4F56-43C0-93EB-FEAF03684CFD}"/>
+                <a16:creationId xmlns:a16="http://schemas.microsoft.com/office/drawing/2014/main" id="{7569C547-4164-4459-8244-64946553C5EE}"/>
               </a:ext>
             </a:extLst>
           </p:cNvPr>
@@ -5284,42 +6408,80 @@
         </p:nvSpPr>
         <p:spPr>
           <a:xfrm>
-            <a:off x="766088" y="4991100"/>
-            <a:ext cx="10462280" cy="801566"/>
+            <a:off x="731865" y="5448300"/>
+            <a:ext cx="10462280" cy="2762936"/>
           </a:xfrm>
           <a:prstGeom prst="rect">
             <a:avLst/>
           </a:prstGeom>
         </p:spPr>
         <p:txBody>
-          <a:bodyPr lIns="0" tIns="0" rIns="0" bIns="0" rtlCol="0" anchor="t">
+          <a:bodyPr wrap="square" lIns="0" tIns="0" rIns="0" bIns="0" rtlCol="0" anchor="t">
             <a:spAutoFit/>
           </a:bodyPr>
-          <a:lstStyle/>
-          <a:p>
-            <a:pPr algn="l">
+          <a:lstStyle>
+            <a:defPPr>
+              <a:defRPr lang="en-US"/>
+            </a:defPPr>
+            <a:lvl1pPr>
               <a:lnSpc>
-                <a:spcPts val="7039"/>
+                <a:spcPts val="5460"/>
               </a:lnSpc>
+              <a:defRPr sz="4000" spc="151">
+                <a:solidFill>
+                  <a:srgbClr val="F3F5F9"/>
+                </a:solidFill>
+                <a:latin typeface="Franklin Gothic Heavy" panose="020B0903020102020204" pitchFamily="34" charset="0"/>
+              </a:defRPr>
+            </a:lvl1pPr>
+          </a:lstStyle>
+          <a:p>
+            <a:pPr marL="571500" indent="-571500">
+              <a:buFont typeface="Arial" panose="020B0604020202020204" pitchFamily="34" charset="0"/>
+              <a:buChar char="•"/>
             </a:pPr>
             <a:r>
-              <a:rPr lang="en-US" sz="3600" spc="224" dirty="0">
-                <a:solidFill>
-                  <a:srgbClr val="38B6FF"/>
-                </a:solidFill>
-                <a:latin typeface="Russo One" panose="02000503050000020004" pitchFamily="2" charset="0"/>
-              </a:rPr>
-              <a:t>DESAFIO</a:t>
-            </a:r>
-          </a:p>
-        </p:txBody>
-      </p:sp>
-      <p:sp>
-        <p:nvSpPr>
-          <p:cNvPr id="16" name="TextBox 4">
+              <a:rPr lang="en-US" dirty="0" err="1"/>
+              <a:t>Contadores</a:t>
+            </a:r>
+            <a:r>
+              <a:rPr lang="en-US" dirty="0"/>
+              <a:t> de SQL: </a:t>
+            </a:r>
+            <a:br>
+              <a:rPr lang="en-US" dirty="0"/>
+            </a:br>
+            <a:r>
+              <a:rPr lang="en-US" dirty="0"/>
+              <a:t> </a:t>
+            </a:r>
+            <a:r>
+              <a:rPr lang="en-US" sz="3200" dirty="0"/>
+              <a:t>- PLE </a:t>
+            </a:r>
+            <a:br>
+              <a:rPr lang="en-US" sz="3200" dirty="0"/>
+            </a:br>
+            <a:r>
+              <a:rPr lang="en-US" sz="3200" dirty="0"/>
+              <a:t> - Batch Requests</a:t>
+            </a:r>
+            <a:br>
+              <a:rPr lang="en-US" sz="3200" dirty="0"/>
+            </a:br>
+            <a:r>
+              <a:rPr lang="en-US" sz="3200" dirty="0"/>
+              <a:t> - Transactions/sec</a:t>
+            </a:r>
+          </a:p>
+        </p:txBody>
+      </p:sp>
+      <p:sp>
+        <p:nvSpPr>
+          <p:cNvPr id="15" name="TextBox 4">
             <a:extLst>
               <a:ext uri="{FF2B5EF4-FFF2-40B4-BE49-F238E27FC236}">
-                <a16:creationId xmlns:a16="http://schemas.microsoft.com/office/drawing/2014/main" id="{626A745D-84A3-4ADF-98F3-535AB32B2875}"/>
+                <a16:creationId xmlns:a16="http://schemas.microsoft.com/office/drawing/2014/main" id="{60484D78-D12A-4A3E-87BC-D55DC06EC635}"/>
               </a:ext>
             </a:extLst>
           </p:cNvPr>
@@ -5328,8 +6490,8 @@
         </p:nvSpPr>
         <p:spPr>
           <a:xfrm>
-            <a:off x="838931" y="5792666"/>
-            <a:ext cx="10462280" cy="614464"/>
+            <a:off x="728236" y="8191500"/>
+            <a:ext cx="10462280" cy="671530"/>
           </a:xfrm>
           <a:prstGeom prst="rect">
             <a:avLst/>
@@ -5339,100 +6501,392 @@
           <a:bodyPr wrap="square" lIns="0" tIns="0" rIns="0" bIns="0" rtlCol="0" anchor="t">
             <a:spAutoFit/>
           </a:bodyPr>
-          <a:lstStyle/>
-          <a:p>
-            <a:pPr marL="342900" indent="-342900">
+          <a:lstStyle>
+            <a:defPPr>
+              <a:defRPr lang="en-US"/>
+            </a:defPPr>
+            <a:lvl1pPr>
               <a:lnSpc>
                 <a:spcPts val="5460"/>
               </a:lnSpc>
-              <a:buFontTx/>
-              <a:buChar char="-"/>
+              <a:defRPr sz="4000" spc="151">
+                <a:solidFill>
+                  <a:srgbClr val="F3F5F9"/>
+                </a:solidFill>
+                <a:latin typeface="Franklin Gothic Heavy" panose="020B0903020102020204" pitchFamily="34" charset="0"/>
+              </a:defRPr>
+            </a:lvl1pPr>
+          </a:lstStyle>
+          <a:p>
+            <a:pPr marL="571500" indent="-571500">
+              <a:buFont typeface="Arial" panose="020B0604020202020204" pitchFamily="34" charset="0"/>
+              <a:buChar char="•"/>
             </a:pPr>
             <a:r>
-              <a:rPr lang="en-US" sz="2400" spc="151" dirty="0" err="1">
-                <a:solidFill>
-                  <a:srgbClr val="F3F5F9"/>
-                </a:solidFill>
-                <a:latin typeface="Russo One" panose="02000503050000020004" pitchFamily="2" charset="0"/>
-              </a:rPr>
-              <a:t>Tente</a:t>
-            </a:r>
-            <a:r>
-              <a:rPr lang="en-US" sz="2400" spc="151" dirty="0">
-                <a:solidFill>
-                  <a:srgbClr val="F3F5F9"/>
-                </a:solidFill>
-                <a:latin typeface="Russo One" panose="02000503050000020004" pitchFamily="2" charset="0"/>
-              </a:rPr>
-              <a:t> resolver </a:t>
-            </a:r>
-            <a:r>
-              <a:rPr lang="en-US" sz="2400" spc="151" dirty="0" err="1">
-                <a:solidFill>
-                  <a:srgbClr val="F3F5F9"/>
-                </a:solidFill>
-                <a:latin typeface="Russo One" panose="02000503050000020004" pitchFamily="2" charset="0"/>
-              </a:rPr>
-              <a:t>sem</a:t>
-            </a:r>
-            <a:r>
-              <a:rPr lang="en-US" sz="2400" spc="151" dirty="0">
-                <a:solidFill>
-                  <a:srgbClr val="F3F5F9"/>
-                </a:solidFill>
-                <a:latin typeface="Russo One" panose="02000503050000020004" pitchFamily="2" charset="0"/>
-              </a:rPr>
-              <a:t> </a:t>
-            </a:r>
-            <a:r>
-              <a:rPr lang="en-US" sz="2400" spc="151" dirty="0" err="1">
-                <a:solidFill>
-                  <a:srgbClr val="F3F5F9"/>
-                </a:solidFill>
-                <a:latin typeface="Russo One" panose="02000503050000020004" pitchFamily="2" charset="0"/>
-              </a:rPr>
-              <a:t>olhar</a:t>
-            </a:r>
-            <a:r>
-              <a:rPr lang="en-US" sz="2400" spc="151" dirty="0">
-                <a:solidFill>
-                  <a:srgbClr val="F3F5F9"/>
-                </a:solidFill>
-                <a:latin typeface="Russo One" panose="02000503050000020004" pitchFamily="2" charset="0"/>
-              </a:rPr>
-              <a:t> </a:t>
-            </a:r>
-            <a:r>
-              <a:rPr lang="en-US" sz="2400" spc="151" dirty="0" err="1">
-                <a:solidFill>
-                  <a:srgbClr val="F3F5F9"/>
-                </a:solidFill>
-                <a:latin typeface="Russo One" panose="02000503050000020004" pitchFamily="2" charset="0"/>
-              </a:rPr>
-              <a:t>na</a:t>
-            </a:r>
-            <a:r>
-              <a:rPr lang="en-US" sz="2400" spc="151" dirty="0">
-                <a:solidFill>
-                  <a:srgbClr val="F3F5F9"/>
-                </a:solidFill>
-                <a:latin typeface="Russo One" panose="02000503050000020004" pitchFamily="2" charset="0"/>
-              </a:rPr>
-              <a:t> internet.</a:t>
-            </a:r>
-          </a:p>
-        </p:txBody>
+              <a:rPr lang="en-US" dirty="0"/>
+              <a:t>Top Queries</a:t>
+            </a:r>
+          </a:p>
+        </p:txBody>
+      </p:sp>
+      <p:sp>
+        <p:nvSpPr>
+          <p:cNvPr id="25" name="TextBox 4">
+            <a:extLst>
+              <a:ext uri="{FF2B5EF4-FFF2-40B4-BE49-F238E27FC236}">
+                <a16:creationId xmlns:a16="http://schemas.microsoft.com/office/drawing/2014/main" id="{090B6596-3F83-4711-BF8E-4BC719BF7F9D}"/>
+              </a:ext>
+            </a:extLst>
+          </p:cNvPr>
+          <p:cNvSpPr txBox="1"/>
+          <p:nvPr/>
+        </p:nvSpPr>
+        <p:spPr>
+          <a:xfrm>
+            <a:off x="713720" y="8897709"/>
+            <a:ext cx="10462280" cy="671530"/>
+          </a:xfrm>
+          <a:prstGeom prst="rect">
+            <a:avLst/>
+          </a:prstGeom>
+        </p:spPr>
+        <p:txBody>
+          <a:bodyPr wrap="square" lIns="0" tIns="0" rIns="0" bIns="0" rtlCol="0" anchor="t">
+            <a:spAutoFit/>
+          </a:bodyPr>
+          <a:lstStyle>
+            <a:defPPr>
+              <a:defRPr lang="en-US"/>
+            </a:defPPr>
+            <a:lvl1pPr>
+              <a:lnSpc>
+                <a:spcPts val="5460"/>
+              </a:lnSpc>
+              <a:defRPr sz="4000" spc="151">
+                <a:solidFill>
+                  <a:srgbClr val="F3F5F9"/>
+                </a:solidFill>
+                <a:latin typeface="Franklin Gothic Heavy" panose="020B0903020102020204" pitchFamily="34" charset="0"/>
+              </a:defRPr>
+            </a:lvl1pPr>
+          </a:lstStyle>
+          <a:p>
+            <a:pPr marL="571500" indent="-571500">
+              <a:buFont typeface="Arial" panose="020B0604020202020204" pitchFamily="34" charset="0"/>
+              <a:buChar char="•"/>
+            </a:pPr>
+            <a:r>
+              <a:rPr lang="en-US" dirty="0"/>
+              <a:t>Requests, </a:t>
+            </a:r>
+            <a:r>
+              <a:rPr lang="en-US" dirty="0" err="1"/>
+              <a:t>etc</a:t>
+            </a:r>
+            <a:r>
+              <a:rPr lang="en-US" dirty="0"/>
+              <a:t>…</a:t>
+            </a:r>
+          </a:p>
+        </p:txBody>
+      </p:sp>
+      <p:sp>
+        <p:nvSpPr>
+          <p:cNvPr id="27" name="AutoShape 8">
+            <a:extLst>
+              <a:ext uri="{FF2B5EF4-FFF2-40B4-BE49-F238E27FC236}">
+                <a16:creationId xmlns:a16="http://schemas.microsoft.com/office/drawing/2014/main" id="{C0537B05-4CD3-4F87-8AA5-C2F0415B5340}"/>
+              </a:ext>
+            </a:extLst>
+          </p:cNvPr>
+          <p:cNvSpPr/>
+          <p:nvPr/>
+        </p:nvSpPr>
+        <p:spPr>
+          <a:xfrm>
+            <a:off x="18002863" y="-10159"/>
+            <a:ext cx="567624" cy="10325100"/>
+          </a:xfrm>
+          <a:prstGeom prst="rect">
+            <a:avLst/>
+          </a:prstGeom>
+          <a:solidFill>
+            <a:srgbClr val="F3F5F9"/>
+          </a:solidFill>
+        </p:spPr>
       </p:sp>
     </p:spTree>
     <p:extLst>
       <p:ext uri="{BB962C8B-B14F-4D97-AF65-F5344CB8AC3E}">
-        <p14:creationId xmlns:p14="http://schemas.microsoft.com/office/powerpoint/2010/main" val="886425597"/>
+        <p14:creationId xmlns:p14="http://schemas.microsoft.com/office/powerpoint/2010/main" val="214361932"/>
       </p:ext>
     </p:extLst>
   </p:cSld>
   <p:clrMapOvr>
     <a:masterClrMapping/>
   </p:clrMapOvr>
+  <p:timing>
+    <p:tnLst>
+      <p:par>
+        <p:cTn id="1" dur="indefinite" restart="never" nodeType="tmRoot">
+          <p:childTnLst>
+            <p:seq concurrent="1" nextAc="seek">
+              <p:cTn id="2" dur="indefinite" nodeType="mainSeq">
+                <p:childTnLst>
+                  <p:par>
+                    <p:cTn id="3" fill="hold">
+                      <p:stCondLst>
+                        <p:cond delay="indefinite"/>
+                      </p:stCondLst>
+                      <p:childTnLst>
+                        <p:par>
+                          <p:cTn id="4" fill="hold">
+                            <p:stCondLst>
+                              <p:cond delay="0"/>
+                            </p:stCondLst>
+                            <p:childTnLst>
+                              <p:par>
+                                <p:cTn id="5" presetID="1" presetClass="entr" presetSubtype="0" fill="hold" grpId="0" nodeType="clickEffect">
+                                  <p:stCondLst>
+                                    <p:cond delay="0"/>
+                                  </p:stCondLst>
+                                  <p:childTnLst>
+                                    <p:set>
+                                      <p:cBhvr>
+                                        <p:cTn id="6" dur="1" fill="hold">
+                                          <p:stCondLst>
+                                            <p:cond delay="0"/>
+                                          </p:stCondLst>
+                                        </p:cTn>
+                                        <p:tgtEl>
+                                          <p:spTgt spid="2"/>
+                                        </p:tgtEl>
+                                        <p:attrNameLst>
+                                          <p:attrName>style.visibility</p:attrName>
+                                        </p:attrNameLst>
+                                      </p:cBhvr>
+                                      <p:to>
+                                        <p:strVal val="visible"/>
+                                      </p:to>
+                                    </p:set>
+                                  </p:childTnLst>
+                                </p:cTn>
+                              </p:par>
+                            </p:childTnLst>
+                          </p:cTn>
+                        </p:par>
+                      </p:childTnLst>
+                    </p:cTn>
+                  </p:par>
+                  <p:par>
+                    <p:cTn id="7" fill="hold">
+                      <p:stCondLst>
+                        <p:cond delay="indefinite"/>
+                      </p:stCondLst>
+                      <p:childTnLst>
+                        <p:par>
+                          <p:cTn id="8" fill="hold">
+                            <p:stCondLst>
+                              <p:cond delay="0"/>
+                            </p:stCondLst>
+                            <p:childTnLst>
+                              <p:par>
+                                <p:cTn id="9" presetID="1" presetClass="entr" presetSubtype="0" fill="hold" grpId="0" nodeType="clickEffect">
+                                  <p:stCondLst>
+                                    <p:cond delay="0"/>
+                                  </p:stCondLst>
+                                  <p:childTnLst>
+                                    <p:set>
+                                      <p:cBhvr>
+                                        <p:cTn id="10" dur="1" fill="hold">
+                                          <p:stCondLst>
+                                            <p:cond delay="0"/>
+                                          </p:stCondLst>
+                                        </p:cTn>
+                                        <p:tgtEl>
+                                          <p:spTgt spid="4"/>
+                                        </p:tgtEl>
+                                        <p:attrNameLst>
+                                          <p:attrName>style.visibility</p:attrName>
+                                        </p:attrNameLst>
+                                      </p:cBhvr>
+                                      <p:to>
+                                        <p:strVal val="visible"/>
+                                      </p:to>
+                                    </p:set>
+                                  </p:childTnLst>
+                                </p:cTn>
+                              </p:par>
+                            </p:childTnLst>
+                          </p:cTn>
+                        </p:par>
+                      </p:childTnLst>
+                    </p:cTn>
+                  </p:par>
+                  <p:par>
+                    <p:cTn id="11" fill="hold">
+                      <p:stCondLst>
+                        <p:cond delay="indefinite"/>
+                      </p:stCondLst>
+                      <p:childTnLst>
+                        <p:par>
+                          <p:cTn id="12" fill="hold">
+                            <p:stCondLst>
+                              <p:cond delay="0"/>
+                            </p:stCondLst>
+                            <p:childTnLst>
+                              <p:par>
+                                <p:cTn id="13" presetID="1" presetClass="entr" presetSubtype="0" fill="hold" grpId="0" nodeType="clickEffect">
+                                  <p:stCondLst>
+                                    <p:cond delay="0"/>
+                                  </p:stCondLst>
+                                  <p:childTnLst>
+                                    <p:set>
+                                      <p:cBhvr>
+                                        <p:cTn id="14" dur="1" fill="hold">
+                                          <p:stCondLst>
+                                            <p:cond delay="0"/>
+                                          </p:stCondLst>
+                                        </p:cTn>
+                                        <p:tgtEl>
+                                          <p:spTgt spid="6"/>
+                                        </p:tgtEl>
+                                        <p:attrNameLst>
+                                          <p:attrName>style.visibility</p:attrName>
+                                        </p:attrNameLst>
+                                      </p:cBhvr>
+                                      <p:to>
+                                        <p:strVal val="visible"/>
+                                      </p:to>
+                                    </p:set>
+                                  </p:childTnLst>
+                                </p:cTn>
+                              </p:par>
+                            </p:childTnLst>
+                          </p:cTn>
+                        </p:par>
+                      </p:childTnLst>
+                    </p:cTn>
+                  </p:par>
+                  <p:par>
+                    <p:cTn id="15" fill="hold">
+                      <p:stCondLst>
+                        <p:cond delay="indefinite"/>
+                      </p:stCondLst>
+                      <p:childTnLst>
+                        <p:par>
+                          <p:cTn id="16" fill="hold">
+                            <p:stCondLst>
+                              <p:cond delay="0"/>
+                            </p:stCondLst>
+                            <p:childTnLst>
+                              <p:par>
+                                <p:cTn id="17" presetID="1" presetClass="entr" presetSubtype="0" fill="hold" grpId="0" nodeType="clickEffect">
+                                  <p:stCondLst>
+                                    <p:cond delay="0"/>
+                                  </p:stCondLst>
+                                  <p:childTnLst>
+                                    <p:set>
+                                      <p:cBhvr>
+                                        <p:cTn id="18" dur="1" fill="hold">
+                                          <p:stCondLst>
+                                            <p:cond delay="0"/>
+                                          </p:stCondLst>
+                                        </p:cTn>
+                                        <p:tgtEl>
+                                          <p:spTgt spid="15"/>
+                                        </p:tgtEl>
+                                        <p:attrNameLst>
+                                          <p:attrName>style.visibility</p:attrName>
+                                        </p:attrNameLst>
+                                      </p:cBhvr>
+                                      <p:to>
+                                        <p:strVal val="visible"/>
+                                      </p:to>
+                                    </p:set>
+                                  </p:childTnLst>
+                                </p:cTn>
+                              </p:par>
+                            </p:childTnLst>
+                          </p:cTn>
+                        </p:par>
+                      </p:childTnLst>
+                    </p:cTn>
+                  </p:par>
+                  <p:par>
+                    <p:cTn id="19" fill="hold">
+                      <p:stCondLst>
+                        <p:cond delay="indefinite"/>
+                      </p:stCondLst>
+                      <p:childTnLst>
+                        <p:par>
+                          <p:cTn id="20" fill="hold">
+                            <p:stCondLst>
+                              <p:cond delay="0"/>
+                            </p:stCondLst>
+                            <p:childTnLst>
+                              <p:par>
+                                <p:cTn id="21" presetID="1" presetClass="entr" presetSubtype="0" fill="hold" grpId="0" nodeType="clickEffect">
+                                  <p:stCondLst>
+                                    <p:cond delay="0"/>
+                                  </p:stCondLst>
+                                  <p:childTnLst>
+                                    <p:set>
+                                      <p:cBhvr>
+                                        <p:cTn id="22" dur="1" fill="hold">
+                                          <p:stCondLst>
+                                            <p:cond delay="0"/>
+                                          </p:stCondLst>
+                                        </p:cTn>
+                                        <p:tgtEl>
+                                          <p:spTgt spid="25"/>
+                                        </p:tgtEl>
+                                        <p:attrNameLst>
+                                          <p:attrName>style.visibility</p:attrName>
+                                        </p:attrNameLst>
+                                      </p:cBhvr>
+                                      <p:to>
+                                        <p:strVal val="visible"/>
+                                      </p:to>
+                                    </p:set>
+                                  </p:childTnLst>
+                                </p:cTn>
+                              </p:par>
+                            </p:childTnLst>
+                          </p:cTn>
+                        </p:par>
+                      </p:childTnLst>
+                    </p:cTn>
+                  </p:par>
+                </p:childTnLst>
+              </p:cTn>
+              <p:prevCondLst>
+                <p:cond evt="onPrev" delay="0">
+                  <p:tgtEl>
+                    <p:sldTgt/>
+                  </p:tgtEl>
+                </p:cond>
+              </p:prevCondLst>
+              <p:nextCondLst>
+                <p:cond evt="onNext" delay="0">
+                  <p:tgtEl>
+                    <p:sldTgt/>
+                  </p:tgtEl>
+                </p:cond>
+              </p:nextCondLst>
+            </p:seq>
+          </p:childTnLst>
+        </p:cTn>
+      </p:par>
+    </p:tnLst>
+    <p:bldLst>
+      <p:bldP spid="2" grpId="0"/>
+      <p:bldP spid="4" grpId="0"/>
+      <p:bldP spid="6" grpId="0"/>
+      <p:bldP spid="15" grpId="0"/>
+      <p:bldP spid="25" grpId="0"/>
+    </p:bldLst>
+  </p:timing>
 </p:sld>
 </file>
 
@@ -5469,36 +6923,741 @@
         </p:nvSpPr>
         <p:spPr>
           <a:xfrm>
-            <a:off x="1028700" y="1046180"/>
-            <a:ext cx="9357380" cy="901272"/>
+            <a:off x="739120" y="808734"/>
+            <a:ext cx="10919480" cy="879921"/>
           </a:xfrm>
           <a:prstGeom prst="rect">
             <a:avLst/>
           </a:prstGeom>
         </p:spPr>
         <p:txBody>
-          <a:bodyPr lIns="0" tIns="0" rIns="0" bIns="0" rtlCol="0" anchor="t">
+          <a:bodyPr wrap="square" lIns="0" tIns="0" rIns="0" bIns="0" rtlCol="0" anchor="t">
             <a:spAutoFit/>
           </a:bodyPr>
           <a:lstStyle/>
           <a:p>
             <a:pPr algn="l">
               <a:lnSpc>
-                <a:spcPts val="7040"/>
+                <a:spcPts val="7039"/>
               </a:lnSpc>
             </a:pPr>
             <a:r>
-              <a:rPr lang="en-US" sz="6400" spc="224" dirty="0">
+              <a:rPr lang="en-US" sz="5800" spc="224" dirty="0">
                 <a:solidFill>
                   <a:srgbClr val="38B6FF"/>
                 </a:solidFill>
                 <a:latin typeface="Russo One" panose="02000503050000020004" pitchFamily="2" charset="0"/>
               </a:rPr>
-              <a:t>E POR HOJE É SÓ!</a:t>
-            </a:r>
-          </a:p>
-        </p:txBody>
-      </p:sp>
+              <a:t>FERRAMENTAS</a:t>
+            </a:r>
+          </a:p>
+        </p:txBody>
+      </p:sp>
+      <p:pic>
+        <p:nvPicPr>
+          <p:cNvPr id="7" name="Picture 7"/>
+          <p:cNvPicPr>
+            <a:picLocks noChangeAspect="1"/>
+          </p:cNvPicPr>
+          <p:nvPr/>
+        </p:nvPicPr>
+        <p:blipFill>
+          <a:blip r:embed="rId3"/>
+          <a:srcRect t="5831" b="2764"/>
+          <a:stretch>
+            <a:fillRect/>
+          </a:stretch>
+        </p:blipFill>
+        <p:spPr>
+          <a:xfrm>
+            <a:off x="11795992" y="2540"/>
+            <a:ext cx="6206871" cy="8515350"/>
+          </a:xfrm>
+          <a:prstGeom prst="rect">
+            <a:avLst/>
+          </a:prstGeom>
+        </p:spPr>
+      </p:pic>
+      <p:pic>
+        <p:nvPicPr>
+          <p:cNvPr id="9" name="Picture 9"/>
+          <p:cNvPicPr>
+            <a:picLocks noChangeAspect="1"/>
+          </p:cNvPicPr>
+          <p:nvPr/>
+        </p:nvPicPr>
+        <p:blipFill>
+          <a:blip r:embed="rId4"/>
+          <a:srcRect l="3575" r="3575"/>
+          <a:stretch>
+            <a:fillRect/>
+          </a:stretch>
+        </p:blipFill>
+        <p:spPr>
+          <a:xfrm>
+            <a:off x="15500524" y="9521739"/>
+            <a:ext cx="2363316" cy="649053"/>
+          </a:xfrm>
+          <a:prstGeom prst="rect">
+            <a:avLst/>
+          </a:prstGeom>
+        </p:spPr>
+      </p:pic>
+      <p:sp>
+        <p:nvSpPr>
+          <p:cNvPr id="5" name="AutoShape 2">
+            <a:extLst>
+              <a:ext uri="{FF2B5EF4-FFF2-40B4-BE49-F238E27FC236}">
+                <a16:creationId xmlns:a16="http://schemas.microsoft.com/office/drawing/2014/main" id="{67B2B86E-FE09-47B3-94F1-5E7E31BED12F}"/>
+              </a:ext>
+            </a:extLst>
+          </p:cNvPr>
+          <p:cNvSpPr/>
+          <p:nvPr/>
+        </p:nvSpPr>
+        <p:spPr>
+          <a:xfrm rot="5400000">
+            <a:off x="6017552" y="-3545547"/>
+            <a:ext cx="80694" cy="10591800"/>
+          </a:xfrm>
+          <a:prstGeom prst="rect">
+            <a:avLst/>
+          </a:prstGeom>
+          <a:solidFill>
+            <a:srgbClr val="00B0F0"/>
+          </a:solidFill>
+        </p:spPr>
+      </p:sp>
+      <p:sp>
+        <p:nvSpPr>
+          <p:cNvPr id="2" name="TextBox 4">
+            <a:extLst>
+              <a:ext uri="{FF2B5EF4-FFF2-40B4-BE49-F238E27FC236}">
+                <a16:creationId xmlns:a16="http://schemas.microsoft.com/office/drawing/2014/main" id="{673DE885-134A-432C-A6D7-F872658F32EE}"/>
+              </a:ext>
+            </a:extLst>
+          </p:cNvPr>
+          <p:cNvSpPr txBox="1"/>
+          <p:nvPr/>
+        </p:nvSpPr>
+        <p:spPr>
+          <a:xfrm>
+            <a:off x="739120" y="2658410"/>
+            <a:ext cx="10462280" cy="671530"/>
+          </a:xfrm>
+          <a:prstGeom prst="rect">
+            <a:avLst/>
+          </a:prstGeom>
+        </p:spPr>
+        <p:txBody>
+          <a:bodyPr wrap="square" lIns="0" tIns="0" rIns="0" bIns="0" rtlCol="0" anchor="t">
+            <a:spAutoFit/>
+          </a:bodyPr>
+          <a:lstStyle/>
+          <a:p>
+            <a:pPr marL="571500" indent="-571500" algn="l">
+              <a:lnSpc>
+                <a:spcPts val="5460"/>
+              </a:lnSpc>
+              <a:buFont typeface="Arial" panose="020B0604020202020204" pitchFamily="34" charset="0"/>
+              <a:buChar char="•"/>
+            </a:pPr>
+            <a:r>
+              <a:rPr lang="en-US" sz="4000" spc="151" dirty="0">
+                <a:solidFill>
+                  <a:srgbClr val="F3F5F9"/>
+                </a:solidFill>
+                <a:latin typeface="Franklin Gothic Heavy" panose="020B0903020102020204" pitchFamily="34" charset="0"/>
+              </a:rPr>
+              <a:t>Red-Gate SQL Monitor</a:t>
+            </a:r>
+          </a:p>
+        </p:txBody>
+      </p:sp>
+      <p:sp>
+        <p:nvSpPr>
+          <p:cNvPr id="4" name="TextBox 4">
+            <a:extLst>
+              <a:ext uri="{FF2B5EF4-FFF2-40B4-BE49-F238E27FC236}">
+                <a16:creationId xmlns:a16="http://schemas.microsoft.com/office/drawing/2014/main" id="{919FBD96-0214-451B-B602-DEBCCC68BF6E}"/>
+              </a:ext>
+            </a:extLst>
+          </p:cNvPr>
+          <p:cNvSpPr txBox="1"/>
+          <p:nvPr/>
+        </p:nvSpPr>
+        <p:spPr>
+          <a:xfrm>
+            <a:off x="735494" y="3359450"/>
+            <a:ext cx="10462280" cy="671530"/>
+          </a:xfrm>
+          <a:prstGeom prst="rect">
+            <a:avLst/>
+          </a:prstGeom>
+        </p:spPr>
+        <p:txBody>
+          <a:bodyPr wrap="square" lIns="0" tIns="0" rIns="0" bIns="0" rtlCol="0" anchor="t">
+            <a:spAutoFit/>
+          </a:bodyPr>
+          <a:lstStyle>
+            <a:defPPr>
+              <a:defRPr lang="en-US"/>
+            </a:defPPr>
+            <a:lvl1pPr>
+              <a:lnSpc>
+                <a:spcPts val="5460"/>
+              </a:lnSpc>
+              <a:defRPr sz="4000" spc="151">
+                <a:solidFill>
+                  <a:srgbClr val="F3F5F9"/>
+                </a:solidFill>
+                <a:latin typeface="Franklin Gothic Heavy" panose="020B0903020102020204" pitchFamily="34" charset="0"/>
+              </a:defRPr>
+            </a:lvl1pPr>
+          </a:lstStyle>
+          <a:p>
+            <a:pPr marL="571500" indent="-571500">
+              <a:buFont typeface="Arial" panose="020B0604020202020204" pitchFamily="34" charset="0"/>
+              <a:buChar char="•"/>
+            </a:pPr>
+            <a:r>
+              <a:rPr lang="en-US" dirty="0"/>
+              <a:t>Quest Spotlight</a:t>
+            </a:r>
+          </a:p>
+        </p:txBody>
+      </p:sp>
+      <p:sp>
+        <p:nvSpPr>
+          <p:cNvPr id="6" name="TextBox 4">
+            <a:extLst>
+              <a:ext uri="{FF2B5EF4-FFF2-40B4-BE49-F238E27FC236}">
+                <a16:creationId xmlns:a16="http://schemas.microsoft.com/office/drawing/2014/main" id="{7569C547-4164-4459-8244-64946553C5EE}"/>
+              </a:ext>
+            </a:extLst>
+          </p:cNvPr>
+          <p:cNvSpPr txBox="1"/>
+          <p:nvPr/>
+        </p:nvSpPr>
+        <p:spPr>
+          <a:xfrm>
+            <a:off x="731865" y="4060490"/>
+            <a:ext cx="10462280" cy="671530"/>
+          </a:xfrm>
+          <a:prstGeom prst="rect">
+            <a:avLst/>
+          </a:prstGeom>
+        </p:spPr>
+        <p:txBody>
+          <a:bodyPr wrap="square" lIns="0" tIns="0" rIns="0" bIns="0" rtlCol="0" anchor="t">
+            <a:spAutoFit/>
+          </a:bodyPr>
+          <a:lstStyle>
+            <a:defPPr>
+              <a:defRPr lang="en-US"/>
+            </a:defPPr>
+            <a:lvl1pPr>
+              <a:lnSpc>
+                <a:spcPts val="5460"/>
+              </a:lnSpc>
+              <a:defRPr sz="4000" spc="151">
+                <a:solidFill>
+                  <a:srgbClr val="F3F5F9"/>
+                </a:solidFill>
+                <a:latin typeface="Franklin Gothic Heavy" panose="020B0903020102020204" pitchFamily="34" charset="0"/>
+              </a:defRPr>
+            </a:lvl1pPr>
+          </a:lstStyle>
+          <a:p>
+            <a:pPr marL="571500" indent="-571500">
+              <a:buFont typeface="Arial" panose="020B0604020202020204" pitchFamily="34" charset="0"/>
+              <a:buChar char="•"/>
+            </a:pPr>
+            <a:r>
+              <a:rPr lang="en-US" dirty="0"/>
+              <a:t>System Center Operations Manager</a:t>
+            </a:r>
+          </a:p>
+        </p:txBody>
+      </p:sp>
+      <p:sp>
+        <p:nvSpPr>
+          <p:cNvPr id="15" name="TextBox 4">
+            <a:extLst>
+              <a:ext uri="{FF2B5EF4-FFF2-40B4-BE49-F238E27FC236}">
+                <a16:creationId xmlns:a16="http://schemas.microsoft.com/office/drawing/2014/main" id="{60484D78-D12A-4A3E-87BC-D55DC06EC635}"/>
+              </a:ext>
+            </a:extLst>
+          </p:cNvPr>
+          <p:cNvSpPr txBox="1"/>
+          <p:nvPr/>
+        </p:nvSpPr>
+        <p:spPr>
+          <a:xfrm>
+            <a:off x="728236" y="4761530"/>
+            <a:ext cx="10462280" cy="671530"/>
+          </a:xfrm>
+          <a:prstGeom prst="rect">
+            <a:avLst/>
+          </a:prstGeom>
+        </p:spPr>
+        <p:txBody>
+          <a:bodyPr wrap="square" lIns="0" tIns="0" rIns="0" bIns="0" rtlCol="0" anchor="t">
+            <a:spAutoFit/>
+          </a:bodyPr>
+          <a:lstStyle>
+            <a:defPPr>
+              <a:defRPr lang="en-US"/>
+            </a:defPPr>
+            <a:lvl1pPr>
+              <a:lnSpc>
+                <a:spcPts val="5460"/>
+              </a:lnSpc>
+              <a:defRPr sz="4000" spc="151">
+                <a:solidFill>
+                  <a:srgbClr val="F3F5F9"/>
+                </a:solidFill>
+                <a:latin typeface="Franklin Gothic Heavy" panose="020B0903020102020204" pitchFamily="34" charset="0"/>
+              </a:defRPr>
+            </a:lvl1pPr>
+          </a:lstStyle>
+          <a:p>
+            <a:pPr marL="571500" indent="-571500">
+              <a:buFont typeface="Arial" panose="020B0604020202020204" pitchFamily="34" charset="0"/>
+              <a:buChar char="•"/>
+            </a:pPr>
+            <a:r>
+              <a:rPr lang="en-US" dirty="0"/>
+              <a:t>Zabbix</a:t>
+            </a:r>
+          </a:p>
+        </p:txBody>
+      </p:sp>
+      <p:sp>
+        <p:nvSpPr>
+          <p:cNvPr id="25" name="TextBox 4">
+            <a:extLst>
+              <a:ext uri="{FF2B5EF4-FFF2-40B4-BE49-F238E27FC236}">
+                <a16:creationId xmlns:a16="http://schemas.microsoft.com/office/drawing/2014/main" id="{090B6596-3F83-4711-BF8E-4BC719BF7F9D}"/>
+              </a:ext>
+            </a:extLst>
+          </p:cNvPr>
+          <p:cNvSpPr txBox="1"/>
+          <p:nvPr/>
+        </p:nvSpPr>
+        <p:spPr>
+          <a:xfrm>
+            <a:off x="713720" y="5462570"/>
+            <a:ext cx="10462280" cy="671530"/>
+          </a:xfrm>
+          <a:prstGeom prst="rect">
+            <a:avLst/>
+          </a:prstGeom>
+        </p:spPr>
+        <p:txBody>
+          <a:bodyPr wrap="square" lIns="0" tIns="0" rIns="0" bIns="0" rtlCol="0" anchor="t">
+            <a:spAutoFit/>
+          </a:bodyPr>
+          <a:lstStyle>
+            <a:defPPr>
+              <a:defRPr lang="en-US"/>
+            </a:defPPr>
+            <a:lvl1pPr>
+              <a:lnSpc>
+                <a:spcPts val="5460"/>
+              </a:lnSpc>
+              <a:defRPr sz="4000" spc="151">
+                <a:solidFill>
+                  <a:srgbClr val="F3F5F9"/>
+                </a:solidFill>
+                <a:latin typeface="Franklin Gothic Heavy" panose="020B0903020102020204" pitchFamily="34" charset="0"/>
+              </a:defRPr>
+            </a:lvl1pPr>
+          </a:lstStyle>
+          <a:p>
+            <a:pPr marL="571500" indent="-571500">
+              <a:buFont typeface="Arial" panose="020B0604020202020204" pitchFamily="34" charset="0"/>
+              <a:buChar char="•"/>
+            </a:pPr>
+            <a:r>
+              <a:rPr lang="en-US" dirty="0"/>
+              <a:t>Prometheus</a:t>
+            </a:r>
+          </a:p>
+        </p:txBody>
+      </p:sp>
+      <p:sp>
+        <p:nvSpPr>
+          <p:cNvPr id="27" name="AutoShape 8">
+            <a:extLst>
+              <a:ext uri="{FF2B5EF4-FFF2-40B4-BE49-F238E27FC236}">
+                <a16:creationId xmlns:a16="http://schemas.microsoft.com/office/drawing/2014/main" id="{C0537B05-4CD3-4F87-8AA5-C2F0415B5340}"/>
+              </a:ext>
+            </a:extLst>
+          </p:cNvPr>
+          <p:cNvSpPr/>
+          <p:nvPr/>
+        </p:nvSpPr>
+        <p:spPr>
+          <a:xfrm>
+            <a:off x="18002863" y="-10159"/>
+            <a:ext cx="567624" cy="10325100"/>
+          </a:xfrm>
+          <a:prstGeom prst="rect">
+            <a:avLst/>
+          </a:prstGeom>
+          <a:solidFill>
+            <a:srgbClr val="F3F5F9"/>
+          </a:solidFill>
+        </p:spPr>
+      </p:sp>
+      <p:sp>
+        <p:nvSpPr>
+          <p:cNvPr id="12" name="TextBox 4">
+            <a:extLst>
+              <a:ext uri="{FF2B5EF4-FFF2-40B4-BE49-F238E27FC236}">
+                <a16:creationId xmlns:a16="http://schemas.microsoft.com/office/drawing/2014/main" id="{E0605D6E-112D-48D4-B57A-FE0AAC85F722}"/>
+              </a:ext>
+            </a:extLst>
+          </p:cNvPr>
+          <p:cNvSpPr txBox="1"/>
+          <p:nvPr/>
+        </p:nvSpPr>
+        <p:spPr>
+          <a:xfrm>
+            <a:off x="739120" y="1957370"/>
+            <a:ext cx="10462280" cy="671530"/>
+          </a:xfrm>
+          <a:prstGeom prst="rect">
+            <a:avLst/>
+          </a:prstGeom>
+        </p:spPr>
+        <p:txBody>
+          <a:bodyPr wrap="square" lIns="0" tIns="0" rIns="0" bIns="0" rtlCol="0" anchor="t">
+            <a:spAutoFit/>
+          </a:bodyPr>
+          <a:lstStyle/>
+          <a:p>
+            <a:pPr algn="l">
+              <a:lnSpc>
+                <a:spcPts val="5460"/>
+              </a:lnSpc>
+            </a:pPr>
+            <a:r>
+              <a:rPr lang="en-US" sz="4400" spc="151" dirty="0" err="1">
+                <a:solidFill>
+                  <a:srgbClr val="F3F5F9"/>
+                </a:solidFill>
+                <a:latin typeface="Franklin Gothic Heavy" panose="020B0903020102020204" pitchFamily="34" charset="0"/>
+              </a:rPr>
+              <a:t>Monitoria</a:t>
+            </a:r>
+            <a:r>
+              <a:rPr lang="en-US" sz="4400" spc="151" dirty="0">
+                <a:solidFill>
+                  <a:srgbClr val="F3F5F9"/>
+                </a:solidFill>
+                <a:latin typeface="Franklin Gothic Heavy" panose="020B0903020102020204" pitchFamily="34" charset="0"/>
+              </a:rPr>
+              <a:t> e Baseline</a:t>
+            </a:r>
+          </a:p>
+        </p:txBody>
+      </p:sp>
+      <p:sp>
+        <p:nvSpPr>
+          <p:cNvPr id="13" name="TextBox 4">
+            <a:extLst>
+              <a:ext uri="{FF2B5EF4-FFF2-40B4-BE49-F238E27FC236}">
+                <a16:creationId xmlns:a16="http://schemas.microsoft.com/office/drawing/2014/main" id="{0F50C829-32EC-4E54-98E2-7B7041036B7E}"/>
+              </a:ext>
+            </a:extLst>
+          </p:cNvPr>
+          <p:cNvSpPr txBox="1"/>
+          <p:nvPr/>
+        </p:nvSpPr>
+        <p:spPr>
+          <a:xfrm>
+            <a:off x="739120" y="6835140"/>
+            <a:ext cx="10462280" cy="671530"/>
+          </a:xfrm>
+          <a:prstGeom prst="rect">
+            <a:avLst/>
+          </a:prstGeom>
+        </p:spPr>
+        <p:txBody>
+          <a:bodyPr wrap="square" lIns="0" tIns="0" rIns="0" bIns="0" rtlCol="0" anchor="t">
+            <a:spAutoFit/>
+          </a:bodyPr>
+          <a:lstStyle/>
+          <a:p>
+            <a:pPr marL="571500" indent="-571500" algn="l">
+              <a:lnSpc>
+                <a:spcPts val="5460"/>
+              </a:lnSpc>
+              <a:buFont typeface="Arial" panose="020B0604020202020204" pitchFamily="34" charset="0"/>
+              <a:buChar char="•"/>
+            </a:pPr>
+            <a:r>
+              <a:rPr lang="en-US" sz="4000" spc="151" dirty="0">
+                <a:solidFill>
+                  <a:srgbClr val="F3F5F9"/>
+                </a:solidFill>
+                <a:latin typeface="Franklin Gothic Heavy" panose="020B0903020102020204" pitchFamily="34" charset="0"/>
+              </a:rPr>
+              <a:t>Splunk</a:t>
+            </a:r>
+          </a:p>
+        </p:txBody>
+      </p:sp>
+      <p:sp>
+        <p:nvSpPr>
+          <p:cNvPr id="14" name="TextBox 4">
+            <a:extLst>
+              <a:ext uri="{FF2B5EF4-FFF2-40B4-BE49-F238E27FC236}">
+                <a16:creationId xmlns:a16="http://schemas.microsoft.com/office/drawing/2014/main" id="{28E9FB5D-F28D-4409-99F3-B69BE82DC0AF}"/>
+              </a:ext>
+            </a:extLst>
+          </p:cNvPr>
+          <p:cNvSpPr txBox="1"/>
+          <p:nvPr/>
+        </p:nvSpPr>
+        <p:spPr>
+          <a:xfrm>
+            <a:off x="735494" y="7536180"/>
+            <a:ext cx="10462280" cy="671530"/>
+          </a:xfrm>
+          <a:prstGeom prst="rect">
+            <a:avLst/>
+          </a:prstGeom>
+        </p:spPr>
+        <p:txBody>
+          <a:bodyPr wrap="square" lIns="0" tIns="0" rIns="0" bIns="0" rtlCol="0" anchor="t">
+            <a:spAutoFit/>
+          </a:bodyPr>
+          <a:lstStyle>
+            <a:defPPr>
+              <a:defRPr lang="en-US"/>
+            </a:defPPr>
+            <a:lvl1pPr>
+              <a:lnSpc>
+                <a:spcPts val="5460"/>
+              </a:lnSpc>
+              <a:defRPr sz="4000" spc="151">
+                <a:solidFill>
+                  <a:srgbClr val="F3F5F9"/>
+                </a:solidFill>
+                <a:latin typeface="Franklin Gothic Heavy" panose="020B0903020102020204" pitchFamily="34" charset="0"/>
+              </a:defRPr>
+            </a:lvl1pPr>
+          </a:lstStyle>
+          <a:p>
+            <a:pPr marL="571500" indent="-571500">
+              <a:buFont typeface="Arial" panose="020B0604020202020204" pitchFamily="34" charset="0"/>
+              <a:buChar char="•"/>
+            </a:pPr>
+            <a:r>
+              <a:rPr lang="en-US" dirty="0" err="1"/>
+              <a:t>Graylog</a:t>
+            </a:r>
+            <a:endParaRPr lang="en-US" dirty="0"/>
+          </a:p>
+        </p:txBody>
+      </p:sp>
+      <p:sp>
+        <p:nvSpPr>
+          <p:cNvPr id="16" name="TextBox 4">
+            <a:extLst>
+              <a:ext uri="{FF2B5EF4-FFF2-40B4-BE49-F238E27FC236}">
+                <a16:creationId xmlns:a16="http://schemas.microsoft.com/office/drawing/2014/main" id="{990A9ADC-BEDB-434C-BB0D-D7D154A60BD3}"/>
+              </a:ext>
+            </a:extLst>
+          </p:cNvPr>
+          <p:cNvSpPr txBox="1"/>
+          <p:nvPr/>
+        </p:nvSpPr>
+        <p:spPr>
+          <a:xfrm>
+            <a:off x="731865" y="8237220"/>
+            <a:ext cx="10462280" cy="671530"/>
+          </a:xfrm>
+          <a:prstGeom prst="rect">
+            <a:avLst/>
+          </a:prstGeom>
+        </p:spPr>
+        <p:txBody>
+          <a:bodyPr wrap="square" lIns="0" tIns="0" rIns="0" bIns="0" rtlCol="0" anchor="t">
+            <a:spAutoFit/>
+          </a:bodyPr>
+          <a:lstStyle>
+            <a:defPPr>
+              <a:defRPr lang="en-US"/>
+            </a:defPPr>
+            <a:lvl1pPr>
+              <a:lnSpc>
+                <a:spcPts val="5460"/>
+              </a:lnSpc>
+              <a:defRPr sz="4000" spc="151">
+                <a:solidFill>
+                  <a:srgbClr val="F3F5F9"/>
+                </a:solidFill>
+                <a:latin typeface="Franklin Gothic Heavy" panose="020B0903020102020204" pitchFamily="34" charset="0"/>
+              </a:defRPr>
+            </a:lvl1pPr>
+          </a:lstStyle>
+          <a:p>
+            <a:pPr marL="571500" indent="-571500">
+              <a:buFont typeface="Arial" panose="020B0604020202020204" pitchFamily="34" charset="0"/>
+              <a:buChar char="•"/>
+            </a:pPr>
+            <a:r>
+              <a:rPr lang="en-US" dirty="0"/>
+              <a:t>App Dynamics</a:t>
+            </a:r>
+          </a:p>
+        </p:txBody>
+      </p:sp>
+      <p:sp>
+        <p:nvSpPr>
+          <p:cNvPr id="17" name="TextBox 4">
+            <a:extLst>
+              <a:ext uri="{FF2B5EF4-FFF2-40B4-BE49-F238E27FC236}">
+                <a16:creationId xmlns:a16="http://schemas.microsoft.com/office/drawing/2014/main" id="{891403F3-E074-470D-92DC-9B7AB2296D9E}"/>
+              </a:ext>
+            </a:extLst>
+          </p:cNvPr>
+          <p:cNvSpPr txBox="1"/>
+          <p:nvPr/>
+        </p:nvSpPr>
+        <p:spPr>
+          <a:xfrm>
+            <a:off x="728236" y="8938260"/>
+            <a:ext cx="10462280" cy="671530"/>
+          </a:xfrm>
+          <a:prstGeom prst="rect">
+            <a:avLst/>
+          </a:prstGeom>
+        </p:spPr>
+        <p:txBody>
+          <a:bodyPr wrap="square" lIns="0" tIns="0" rIns="0" bIns="0" rtlCol="0" anchor="t">
+            <a:spAutoFit/>
+          </a:bodyPr>
+          <a:lstStyle>
+            <a:defPPr>
+              <a:defRPr lang="en-US"/>
+            </a:defPPr>
+            <a:lvl1pPr>
+              <a:lnSpc>
+                <a:spcPts val="5460"/>
+              </a:lnSpc>
+              <a:defRPr sz="4000" spc="151">
+                <a:solidFill>
+                  <a:srgbClr val="F3F5F9"/>
+                </a:solidFill>
+                <a:latin typeface="Franklin Gothic Heavy" panose="020B0903020102020204" pitchFamily="34" charset="0"/>
+              </a:defRPr>
+            </a:lvl1pPr>
+          </a:lstStyle>
+          <a:p>
+            <a:pPr marL="571500" indent="-571500">
+              <a:buFont typeface="Arial" panose="020B0604020202020204" pitchFamily="34" charset="0"/>
+              <a:buChar char="•"/>
+            </a:pPr>
+            <a:r>
+              <a:rPr lang="en-US" dirty="0"/>
+              <a:t>Dynatrace</a:t>
+            </a:r>
+          </a:p>
+        </p:txBody>
+      </p:sp>
+      <p:sp>
+        <p:nvSpPr>
+          <p:cNvPr id="19" name="TextBox 4">
+            <a:extLst>
+              <a:ext uri="{FF2B5EF4-FFF2-40B4-BE49-F238E27FC236}">
+                <a16:creationId xmlns:a16="http://schemas.microsoft.com/office/drawing/2014/main" id="{DDBC6AFD-11C0-4DF1-9393-9F78A042B111}"/>
+              </a:ext>
+            </a:extLst>
+          </p:cNvPr>
+          <p:cNvSpPr txBox="1"/>
+          <p:nvPr/>
+        </p:nvSpPr>
+        <p:spPr>
+          <a:xfrm>
+            <a:off x="739120" y="6134100"/>
+            <a:ext cx="10462280" cy="671530"/>
+          </a:xfrm>
+          <a:prstGeom prst="rect">
+            <a:avLst/>
+          </a:prstGeom>
+        </p:spPr>
+        <p:txBody>
+          <a:bodyPr wrap="square" lIns="0" tIns="0" rIns="0" bIns="0" rtlCol="0" anchor="t">
+            <a:spAutoFit/>
+          </a:bodyPr>
+          <a:lstStyle/>
+          <a:p>
+            <a:pPr algn="l">
+              <a:lnSpc>
+                <a:spcPts val="5460"/>
+              </a:lnSpc>
+            </a:pPr>
+            <a:r>
+              <a:rPr lang="en-US" sz="4400" spc="151" dirty="0">
+                <a:solidFill>
+                  <a:srgbClr val="F3F5F9"/>
+                </a:solidFill>
+                <a:latin typeface="Franklin Gothic Heavy" panose="020B0903020102020204" pitchFamily="34" charset="0"/>
+              </a:rPr>
+              <a:t>Observability</a:t>
+            </a:r>
+            <a:endParaRPr lang="en-US" sz="4000" spc="151" dirty="0">
+              <a:solidFill>
+                <a:srgbClr val="F3F5F9"/>
+              </a:solidFill>
+              <a:latin typeface="Franklin Gothic Heavy" panose="020B0903020102020204" pitchFamily="34" charset="0"/>
+            </a:endParaRPr>
+          </a:p>
+        </p:txBody>
+      </p:sp>
+    </p:spTree>
+    <p:extLst>
+      <p:ext uri="{BB962C8B-B14F-4D97-AF65-F5344CB8AC3E}">
+        <p14:creationId xmlns:p14="http://schemas.microsoft.com/office/powerpoint/2010/main" val="389637051"/>
+      </p:ext>
+    </p:extLst>
+  </p:cSld>
+  <p:clrMapOvr>
+    <a:masterClrMapping/>
+  </p:clrMapOvr>
+</p:sld>
+</file>
+
+<file path=ppt/slides/slide13.xml><?xml version="1.0" encoding="utf-8"?>
+<p:sld xmlns:a="http://schemas.openxmlformats.org/drawingml/2006/main" xmlns:r="http://schemas.openxmlformats.org/officeDocument/2006/relationships" xmlns:p="http://schemas.openxmlformats.org/presentationml/2006/main">
+  <p:cSld>
+    <p:bg>
+      <p:bgPr>
+        <a:solidFill>
+          <a:srgbClr val="020301"/>
+        </a:solidFill>
+        <a:effectLst/>
+      </p:bgPr>
+    </p:bg>
+    <p:spTree>
+      <p:nvGrpSpPr>
+        <p:cNvPr id="1" name=""/>
+        <p:cNvGrpSpPr/>
+        <p:nvPr/>
+      </p:nvGrpSpPr>
+      <p:grpSpPr>
+        <a:xfrm>
+          <a:off x="0" y="0"/>
+          <a:ext cx="0" cy="0"/>
+          <a:chOff x="0" y="0"/>
+          <a:chExt cx="0" cy="0"/>
+        </a:xfrm>
+      </p:grpSpPr>
       <p:sp>
         <p:nvSpPr>
           <p:cNvPr id="12" name="AutoShape 12"/>
@@ -5563,8 +7722,52 @@
         </p:nvSpPr>
         <p:spPr>
           <a:xfrm>
-            <a:off x="11741721" y="8115300"/>
-            <a:ext cx="7517606" cy="990015"/>
+            <a:off x="381000" y="4229100"/>
+            <a:ext cx="17373600" cy="1050609"/>
+          </a:xfrm>
+          <a:prstGeom prst="rect">
+            <a:avLst/>
+          </a:prstGeom>
+        </p:spPr>
+        <p:txBody>
+          <a:bodyPr wrap="square">
+            <a:spAutoFit/>
+          </a:bodyPr>
+          <a:lstStyle/>
+          <a:p>
+            <a:pPr algn="ctr">
+              <a:lnSpc>
+                <a:spcPts val="7040"/>
+              </a:lnSpc>
+            </a:pPr>
+            <a:r>
+              <a:rPr lang="en-US" sz="8000" spc="224" dirty="0">
+                <a:solidFill>
+                  <a:srgbClr val="38B6FF"/>
+                </a:solidFill>
+                <a:latin typeface="Russo One" panose="02000503050000020004" pitchFamily="2" charset="0"/>
+              </a:rPr>
+              <a:t>DÚVIDAS?</a:t>
+            </a:r>
+          </a:p>
+        </p:txBody>
+      </p:sp>
+      <p:sp>
+        <p:nvSpPr>
+          <p:cNvPr id="4" name="Retângulo 3">
+            <a:extLst>
+              <a:ext uri="{FF2B5EF4-FFF2-40B4-BE49-F238E27FC236}">
+                <a16:creationId xmlns:a16="http://schemas.microsoft.com/office/drawing/2014/main" id="{ACD4F819-D05F-4E6D-AA8A-09E899FC522F}"/>
+              </a:ext>
+            </a:extLst>
+          </p:cNvPr>
+          <p:cNvSpPr/>
+          <p:nvPr/>
+        </p:nvSpPr>
+        <p:spPr>
+          <a:xfrm>
+            <a:off x="76200" y="9296985"/>
+            <a:ext cx="11734800" cy="990015"/>
           </a:xfrm>
           <a:prstGeom prst="rect">
             <a:avLst/>
@@ -5582,13 +7785,13 @@
               </a:lnSpc>
             </a:pPr>
             <a:r>
-              <a:rPr lang="en-US" sz="6000" spc="224" dirty="0">
+              <a:rPr lang="en-US" sz="5400" spc="224" dirty="0">
                 <a:solidFill>
                   <a:srgbClr val="38B6FF"/>
                 </a:solidFill>
                 <a:latin typeface="Russo One" panose="02000503050000020004" pitchFamily="2" charset="0"/>
               </a:rPr>
-              <a:t>BORA BEBER!</a:t>
+              <a:t>contato@datatuning.com.br</a:t>
             </a:r>
           </a:p>
         </p:txBody>
@@ -6571,579 +8774,6 @@
       </p:grpSpPr>
       <p:sp>
         <p:nvSpPr>
-          <p:cNvPr id="3" name="TextBox 3"/>
-          <p:cNvSpPr txBox="1"/>
-          <p:nvPr/>
-        </p:nvSpPr>
-        <p:spPr>
-          <a:xfrm>
-            <a:off x="739120" y="808734"/>
-            <a:ext cx="10462280" cy="901272"/>
-          </a:xfrm>
-          <a:prstGeom prst="rect">
-            <a:avLst/>
-          </a:prstGeom>
-        </p:spPr>
-        <p:txBody>
-          <a:bodyPr lIns="0" tIns="0" rIns="0" bIns="0" rtlCol="0" anchor="t">
-            <a:spAutoFit/>
-          </a:bodyPr>
-          <a:lstStyle/>
-          <a:p>
-            <a:pPr algn="l">
-              <a:lnSpc>
-                <a:spcPts val="7039"/>
-              </a:lnSpc>
-            </a:pPr>
-            <a:r>
-              <a:rPr lang="en-US" sz="6400" spc="224" dirty="0">
-                <a:solidFill>
-                  <a:srgbClr val="38B6FF"/>
-                </a:solidFill>
-                <a:latin typeface="Russo One" panose="02000503050000020004" pitchFamily="2" charset="0"/>
-              </a:rPr>
-              <a:t>AGENDA</a:t>
-            </a:r>
-          </a:p>
-        </p:txBody>
-      </p:sp>
-      <p:pic>
-        <p:nvPicPr>
-          <p:cNvPr id="7" name="Picture 7"/>
-          <p:cNvPicPr>
-            <a:picLocks noChangeAspect="1"/>
-          </p:cNvPicPr>
-          <p:nvPr/>
-        </p:nvPicPr>
-        <p:blipFill>
-          <a:blip r:embed="rId2"/>
-          <a:srcRect t="5831" b="2764"/>
-          <a:stretch>
-            <a:fillRect/>
-          </a:stretch>
-        </p:blipFill>
-        <p:spPr>
-          <a:xfrm>
-            <a:off x="11795992" y="2540"/>
-            <a:ext cx="6206871" cy="8515350"/>
-          </a:xfrm>
-          <a:prstGeom prst="rect">
-            <a:avLst/>
-          </a:prstGeom>
-        </p:spPr>
-      </p:pic>
-      <p:pic>
-        <p:nvPicPr>
-          <p:cNvPr id="9" name="Picture 9"/>
-          <p:cNvPicPr>
-            <a:picLocks noChangeAspect="1"/>
-          </p:cNvPicPr>
-          <p:nvPr/>
-        </p:nvPicPr>
-        <p:blipFill>
-          <a:blip r:embed="rId3"/>
-          <a:srcRect l="3575" r="3575"/>
-          <a:stretch>
-            <a:fillRect/>
-          </a:stretch>
-        </p:blipFill>
-        <p:spPr>
-          <a:xfrm>
-            <a:off x="15500524" y="9521739"/>
-            <a:ext cx="2363316" cy="649053"/>
-          </a:xfrm>
-          <a:prstGeom prst="rect">
-            <a:avLst/>
-          </a:prstGeom>
-        </p:spPr>
-      </p:pic>
-      <p:sp>
-        <p:nvSpPr>
-          <p:cNvPr id="12" name="TextBox 4">
-            <a:extLst>
-              <a:ext uri="{FF2B5EF4-FFF2-40B4-BE49-F238E27FC236}">
-                <a16:creationId xmlns:a16="http://schemas.microsoft.com/office/drawing/2014/main" id="{D5A67A4B-3BAE-4A9F-A06A-C1D98E699C44}"/>
-              </a:ext>
-            </a:extLst>
-          </p:cNvPr>
-          <p:cNvSpPr txBox="1"/>
-          <p:nvPr/>
-        </p:nvSpPr>
-        <p:spPr>
-          <a:xfrm>
-            <a:off x="739120" y="1943100"/>
-            <a:ext cx="10462280" cy="671530"/>
-          </a:xfrm>
-          <a:prstGeom prst="rect">
-            <a:avLst/>
-          </a:prstGeom>
-        </p:spPr>
-        <p:txBody>
-          <a:bodyPr wrap="square" lIns="0" tIns="0" rIns="0" bIns="0" rtlCol="0" anchor="t">
-            <a:spAutoFit/>
-          </a:bodyPr>
-          <a:lstStyle/>
-          <a:p>
-            <a:pPr algn="l">
-              <a:lnSpc>
-                <a:spcPts val="5460"/>
-              </a:lnSpc>
-            </a:pPr>
-            <a:r>
-              <a:rPr lang="en-US" sz="4000" spc="151" dirty="0">
-                <a:solidFill>
-                  <a:srgbClr val="F3F5F9"/>
-                </a:solidFill>
-                <a:latin typeface="Franklin Gothic Heavy" panose="020B0903020102020204" pitchFamily="34" charset="0"/>
-              </a:rPr>
-              <a:t>1. O que é </a:t>
-            </a:r>
-            <a:r>
-              <a:rPr lang="en-US" sz="4000" spc="151" dirty="0" err="1">
-                <a:solidFill>
-                  <a:srgbClr val="F3F5F9"/>
-                </a:solidFill>
-                <a:latin typeface="Franklin Gothic Heavy" panose="020B0903020102020204" pitchFamily="34" charset="0"/>
-              </a:rPr>
-              <a:t>uma</a:t>
-            </a:r>
-            <a:r>
-              <a:rPr lang="en-US" sz="4000" spc="151" dirty="0">
-                <a:solidFill>
-                  <a:srgbClr val="F3F5F9"/>
-                </a:solidFill>
-                <a:latin typeface="Franklin Gothic Heavy" panose="020B0903020102020204" pitchFamily="34" charset="0"/>
-              </a:rPr>
-              <a:t> </a:t>
-            </a:r>
-            <a:r>
-              <a:rPr lang="en-US" sz="4000" spc="151" dirty="0" err="1">
-                <a:solidFill>
-                  <a:srgbClr val="F3F5F9"/>
-                </a:solidFill>
-                <a:latin typeface="Franklin Gothic Heavy" panose="020B0903020102020204" pitchFamily="34" charset="0"/>
-              </a:rPr>
-              <a:t>monitoria</a:t>
-            </a:r>
-            <a:r>
-              <a:rPr lang="en-US" sz="4000" spc="151" dirty="0">
-                <a:solidFill>
-                  <a:srgbClr val="F3F5F9"/>
-                </a:solidFill>
-                <a:latin typeface="Franklin Gothic Heavy" panose="020B0903020102020204" pitchFamily="34" charset="0"/>
-              </a:rPr>
-              <a:t>?</a:t>
-            </a:r>
-          </a:p>
-        </p:txBody>
-      </p:sp>
-      <p:sp>
-        <p:nvSpPr>
-          <p:cNvPr id="5" name="TextBox 4">
-            <a:extLst>
-              <a:ext uri="{FF2B5EF4-FFF2-40B4-BE49-F238E27FC236}">
-                <a16:creationId xmlns:a16="http://schemas.microsoft.com/office/drawing/2014/main" id="{86D3A749-D8BA-4B5D-8C7B-2E689C18A337}"/>
-              </a:ext>
-            </a:extLst>
-          </p:cNvPr>
-          <p:cNvSpPr txBox="1"/>
-          <p:nvPr/>
-        </p:nvSpPr>
-        <p:spPr>
-          <a:xfrm>
-            <a:off x="735494" y="2640428"/>
-            <a:ext cx="10462280" cy="671530"/>
-          </a:xfrm>
-          <a:prstGeom prst="rect">
-            <a:avLst/>
-          </a:prstGeom>
-        </p:spPr>
-        <p:txBody>
-          <a:bodyPr wrap="square" lIns="0" tIns="0" rIns="0" bIns="0" rtlCol="0" anchor="t">
-            <a:spAutoFit/>
-          </a:bodyPr>
-          <a:lstStyle>
-            <a:defPPr>
-              <a:defRPr lang="en-US"/>
-            </a:defPPr>
-            <a:lvl1pPr>
-              <a:lnSpc>
-                <a:spcPts val="5460"/>
-              </a:lnSpc>
-              <a:defRPr sz="4000" spc="151">
-                <a:solidFill>
-                  <a:srgbClr val="F3F5F9"/>
-                </a:solidFill>
-                <a:latin typeface="Franklin Gothic Heavy" panose="020B0903020102020204" pitchFamily="34" charset="0"/>
-              </a:defRPr>
-            </a:lvl1pPr>
-          </a:lstStyle>
-          <a:p>
-            <a:r>
-              <a:rPr lang="en-US" dirty="0"/>
-              <a:t>2. O que é observability?</a:t>
-            </a:r>
-          </a:p>
-        </p:txBody>
-      </p:sp>
-      <p:sp>
-        <p:nvSpPr>
-          <p:cNvPr id="6" name="TextBox 4">
-            <a:extLst>
-              <a:ext uri="{FF2B5EF4-FFF2-40B4-BE49-F238E27FC236}">
-                <a16:creationId xmlns:a16="http://schemas.microsoft.com/office/drawing/2014/main" id="{2407C838-5901-48A9-8009-1105085969E8}"/>
-              </a:ext>
-            </a:extLst>
-          </p:cNvPr>
-          <p:cNvSpPr txBox="1"/>
-          <p:nvPr/>
-        </p:nvSpPr>
-        <p:spPr>
-          <a:xfrm>
-            <a:off x="731865" y="3337756"/>
-            <a:ext cx="10462280" cy="671530"/>
-          </a:xfrm>
-          <a:prstGeom prst="rect">
-            <a:avLst/>
-          </a:prstGeom>
-        </p:spPr>
-        <p:txBody>
-          <a:bodyPr wrap="square" lIns="0" tIns="0" rIns="0" bIns="0" rtlCol="0" anchor="t">
-            <a:spAutoFit/>
-          </a:bodyPr>
-          <a:lstStyle>
-            <a:defPPr>
-              <a:defRPr lang="en-US"/>
-            </a:defPPr>
-            <a:lvl1pPr>
-              <a:lnSpc>
-                <a:spcPts val="5460"/>
-              </a:lnSpc>
-              <a:defRPr sz="4000" spc="151">
-                <a:solidFill>
-                  <a:srgbClr val="F3F5F9"/>
-                </a:solidFill>
-                <a:latin typeface="Franklin Gothic Heavy" panose="020B0903020102020204" pitchFamily="34" charset="0"/>
-              </a:defRPr>
-            </a:lvl1pPr>
-          </a:lstStyle>
-          <a:p>
-            <a:r>
-              <a:rPr lang="en-US" dirty="0"/>
-              <a:t>3. O que é um baseline?</a:t>
-            </a:r>
-          </a:p>
-        </p:txBody>
-      </p:sp>
-      <p:sp>
-        <p:nvSpPr>
-          <p:cNvPr id="11" name="TextBox 4">
-            <a:extLst>
-              <a:ext uri="{FF2B5EF4-FFF2-40B4-BE49-F238E27FC236}">
-                <a16:creationId xmlns:a16="http://schemas.microsoft.com/office/drawing/2014/main" id="{31111057-9AD4-4115-A7BE-4C40C7357804}"/>
-              </a:ext>
-            </a:extLst>
-          </p:cNvPr>
-          <p:cNvSpPr txBox="1"/>
-          <p:nvPr/>
-        </p:nvSpPr>
-        <p:spPr>
-          <a:xfrm>
-            <a:off x="728236" y="4035084"/>
-            <a:ext cx="10462280" cy="671530"/>
-          </a:xfrm>
-          <a:prstGeom prst="rect">
-            <a:avLst/>
-          </a:prstGeom>
-        </p:spPr>
-        <p:txBody>
-          <a:bodyPr wrap="square" lIns="0" tIns="0" rIns="0" bIns="0" rtlCol="0" anchor="t">
-            <a:spAutoFit/>
-          </a:bodyPr>
-          <a:lstStyle>
-            <a:defPPr>
-              <a:defRPr lang="en-US"/>
-            </a:defPPr>
-            <a:lvl1pPr>
-              <a:lnSpc>
-                <a:spcPts val="5460"/>
-              </a:lnSpc>
-              <a:defRPr sz="4000" spc="151">
-                <a:solidFill>
-                  <a:srgbClr val="F3F5F9"/>
-                </a:solidFill>
-                <a:latin typeface="Franklin Gothic Heavy" panose="020B0903020102020204" pitchFamily="34" charset="0"/>
-              </a:defRPr>
-            </a:lvl1pPr>
-          </a:lstStyle>
-          <a:p>
-            <a:r>
-              <a:rPr lang="en-US" dirty="0"/>
-              <a:t>4. O que </a:t>
-            </a:r>
-            <a:r>
-              <a:rPr lang="en-US" dirty="0" err="1"/>
-              <a:t>monitorar</a:t>
-            </a:r>
-            <a:r>
-              <a:rPr lang="en-US" dirty="0"/>
-              <a:t>?</a:t>
-            </a:r>
-          </a:p>
-        </p:txBody>
-      </p:sp>
-      <p:sp>
-        <p:nvSpPr>
-          <p:cNvPr id="19" name="TextBox 4">
-            <a:extLst>
-              <a:ext uri="{FF2B5EF4-FFF2-40B4-BE49-F238E27FC236}">
-                <a16:creationId xmlns:a16="http://schemas.microsoft.com/office/drawing/2014/main" id="{50CF6E0E-261A-4A81-A66C-4D3EDBD9D2EA}"/>
-              </a:ext>
-            </a:extLst>
-          </p:cNvPr>
-          <p:cNvSpPr txBox="1"/>
-          <p:nvPr/>
-        </p:nvSpPr>
-        <p:spPr>
-          <a:xfrm>
-            <a:off x="724607" y="4732412"/>
-            <a:ext cx="10462280" cy="671530"/>
-          </a:xfrm>
-          <a:prstGeom prst="rect">
-            <a:avLst/>
-          </a:prstGeom>
-        </p:spPr>
-        <p:txBody>
-          <a:bodyPr wrap="square" lIns="0" tIns="0" rIns="0" bIns="0" rtlCol="0" anchor="t">
-            <a:spAutoFit/>
-          </a:bodyPr>
-          <a:lstStyle>
-            <a:defPPr>
-              <a:defRPr lang="en-US"/>
-            </a:defPPr>
-            <a:lvl1pPr>
-              <a:lnSpc>
-                <a:spcPts val="5460"/>
-              </a:lnSpc>
-              <a:defRPr sz="4000" spc="151">
-                <a:solidFill>
-                  <a:srgbClr val="F3F5F9"/>
-                </a:solidFill>
-                <a:latin typeface="Franklin Gothic Heavy" panose="020B0903020102020204" pitchFamily="34" charset="0"/>
-              </a:defRPr>
-            </a:lvl1pPr>
-          </a:lstStyle>
-          <a:p>
-            <a:r>
-              <a:rPr lang="en-US" dirty="0"/>
-              <a:t>5. O NÃO </a:t>
-            </a:r>
-            <a:r>
-              <a:rPr lang="en-US" dirty="0" err="1"/>
-              <a:t>monitorar</a:t>
-            </a:r>
-            <a:r>
-              <a:rPr lang="en-US" dirty="0"/>
-              <a:t>?</a:t>
-            </a:r>
-          </a:p>
-        </p:txBody>
-      </p:sp>
-      <p:sp>
-        <p:nvSpPr>
-          <p:cNvPr id="21" name="TextBox 4">
-            <a:extLst>
-              <a:ext uri="{FF2B5EF4-FFF2-40B4-BE49-F238E27FC236}">
-                <a16:creationId xmlns:a16="http://schemas.microsoft.com/office/drawing/2014/main" id="{083AC17F-6C7C-477A-948D-05B7CF82DF8B}"/>
-              </a:ext>
-            </a:extLst>
-          </p:cNvPr>
-          <p:cNvSpPr txBox="1"/>
-          <p:nvPr/>
-        </p:nvSpPr>
-        <p:spPr>
-          <a:xfrm>
-            <a:off x="720978" y="5429740"/>
-            <a:ext cx="10462280" cy="671530"/>
-          </a:xfrm>
-          <a:prstGeom prst="rect">
-            <a:avLst/>
-          </a:prstGeom>
-        </p:spPr>
-        <p:txBody>
-          <a:bodyPr wrap="square" lIns="0" tIns="0" rIns="0" bIns="0" rtlCol="0" anchor="t">
-            <a:spAutoFit/>
-          </a:bodyPr>
-          <a:lstStyle>
-            <a:defPPr>
-              <a:defRPr lang="en-US"/>
-            </a:defPPr>
-            <a:lvl1pPr>
-              <a:lnSpc>
-                <a:spcPts val="5460"/>
-              </a:lnSpc>
-              <a:defRPr sz="4000" spc="151">
-                <a:solidFill>
-                  <a:srgbClr val="F3F5F9"/>
-                </a:solidFill>
-                <a:latin typeface="Franklin Gothic Heavy" panose="020B0903020102020204" pitchFamily="34" charset="0"/>
-              </a:defRPr>
-            </a:lvl1pPr>
-          </a:lstStyle>
-          <a:p>
-            <a:r>
-              <a:rPr lang="en-US" dirty="0"/>
-              <a:t>6. </a:t>
-            </a:r>
-            <a:r>
-              <a:rPr lang="en-US" dirty="0" err="1"/>
-              <a:t>Automações</a:t>
-            </a:r>
-            <a:endParaRPr lang="en-US" dirty="0"/>
-          </a:p>
-        </p:txBody>
-      </p:sp>
-      <p:sp>
-        <p:nvSpPr>
-          <p:cNvPr id="23" name="TextBox 4">
-            <a:extLst>
-              <a:ext uri="{FF2B5EF4-FFF2-40B4-BE49-F238E27FC236}">
-                <a16:creationId xmlns:a16="http://schemas.microsoft.com/office/drawing/2014/main" id="{F96DFFD0-38BB-4CC0-9BF8-6A3D8F686A94}"/>
-              </a:ext>
-            </a:extLst>
-          </p:cNvPr>
-          <p:cNvSpPr txBox="1"/>
-          <p:nvPr/>
-        </p:nvSpPr>
-        <p:spPr>
-          <a:xfrm>
-            <a:off x="717349" y="6127068"/>
-            <a:ext cx="10462280" cy="671530"/>
-          </a:xfrm>
-          <a:prstGeom prst="rect">
-            <a:avLst/>
-          </a:prstGeom>
-        </p:spPr>
-        <p:txBody>
-          <a:bodyPr wrap="square" lIns="0" tIns="0" rIns="0" bIns="0" rtlCol="0" anchor="t">
-            <a:spAutoFit/>
-          </a:bodyPr>
-          <a:lstStyle>
-            <a:defPPr>
-              <a:defRPr lang="en-US"/>
-            </a:defPPr>
-            <a:lvl1pPr>
-              <a:lnSpc>
-                <a:spcPts val="5460"/>
-              </a:lnSpc>
-              <a:defRPr sz="4000" spc="151">
-                <a:solidFill>
-                  <a:srgbClr val="F3F5F9"/>
-                </a:solidFill>
-                <a:latin typeface="Franklin Gothic Heavy" panose="020B0903020102020204" pitchFamily="34" charset="0"/>
-              </a:defRPr>
-            </a:lvl1pPr>
-          </a:lstStyle>
-          <a:p>
-            <a:r>
-              <a:rPr lang="en-US" dirty="0"/>
-              <a:t>7. </a:t>
-            </a:r>
-            <a:r>
-              <a:rPr lang="en-US" dirty="0" err="1"/>
-              <a:t>Principais</a:t>
-            </a:r>
-            <a:r>
-              <a:rPr lang="en-US" dirty="0"/>
-              <a:t> </a:t>
-            </a:r>
-            <a:r>
-              <a:rPr lang="en-US" dirty="0" err="1"/>
-              <a:t>itens</a:t>
-            </a:r>
-            <a:r>
-              <a:rPr lang="en-US" dirty="0"/>
-              <a:t> de um baseline</a:t>
-            </a:r>
-          </a:p>
-        </p:txBody>
-      </p:sp>
-      <p:sp>
-        <p:nvSpPr>
-          <p:cNvPr id="25" name="TextBox 4">
-            <a:extLst>
-              <a:ext uri="{FF2B5EF4-FFF2-40B4-BE49-F238E27FC236}">
-                <a16:creationId xmlns:a16="http://schemas.microsoft.com/office/drawing/2014/main" id="{737F8D40-86ED-4E1E-BB8A-1DE586A8EB67}"/>
-              </a:ext>
-            </a:extLst>
-          </p:cNvPr>
-          <p:cNvSpPr txBox="1"/>
-          <p:nvPr/>
-        </p:nvSpPr>
-        <p:spPr>
-          <a:xfrm>
-            <a:off x="713720" y="6824394"/>
-            <a:ext cx="10462280" cy="671530"/>
-          </a:xfrm>
-          <a:prstGeom prst="rect">
-            <a:avLst/>
-          </a:prstGeom>
-        </p:spPr>
-        <p:txBody>
-          <a:bodyPr wrap="square" lIns="0" tIns="0" rIns="0" bIns="0" rtlCol="0" anchor="t">
-            <a:spAutoFit/>
-          </a:bodyPr>
-          <a:lstStyle>
-            <a:defPPr>
-              <a:defRPr lang="en-US"/>
-            </a:defPPr>
-            <a:lvl1pPr>
-              <a:lnSpc>
-                <a:spcPts val="5460"/>
-              </a:lnSpc>
-              <a:defRPr sz="4000" spc="151">
-                <a:solidFill>
-                  <a:srgbClr val="F3F5F9"/>
-                </a:solidFill>
-                <a:latin typeface="Franklin Gothic Heavy" panose="020B0903020102020204" pitchFamily="34" charset="0"/>
-              </a:defRPr>
-            </a:lvl1pPr>
-          </a:lstStyle>
-          <a:p>
-            <a:r>
-              <a:rPr lang="en-US" dirty="0"/>
-              <a:t>8. Ferramentas</a:t>
-            </a:r>
-          </a:p>
-        </p:txBody>
-      </p:sp>
-      <p:sp>
-        <p:nvSpPr>
-          <p:cNvPr id="27" name="AutoShape 2">
-            <a:extLst>
-              <a:ext uri="{FF2B5EF4-FFF2-40B4-BE49-F238E27FC236}">
-                <a16:creationId xmlns:a16="http://schemas.microsoft.com/office/drawing/2014/main" id="{CD42392D-5AC9-49E0-ADAE-86A029019477}"/>
-              </a:ext>
-            </a:extLst>
-          </p:cNvPr>
-          <p:cNvSpPr/>
-          <p:nvPr/>
-        </p:nvSpPr>
-        <p:spPr>
-          <a:xfrm rot="5400000">
-            <a:off x="6017552" y="-3545547"/>
-            <a:ext cx="80694" cy="10591800"/>
-          </a:xfrm>
-          <a:prstGeom prst="rect">
-            <a:avLst/>
-          </a:prstGeom>
-          <a:solidFill>
-            <a:srgbClr val="00B0F0"/>
-          </a:solidFill>
-        </p:spPr>
-      </p:sp>
-      <p:sp>
-        <p:nvSpPr>
           <p:cNvPr id="29" name="AutoShape 8">
             <a:extLst>
               <a:ext uri="{FF2B5EF4-FFF2-40B4-BE49-F238E27FC236}">
@@ -7167,11 +8797,177 @@
           </a:solidFill>
         </p:spPr>
       </p:sp>
+      <p:pic>
+        <p:nvPicPr>
+          <p:cNvPr id="10" name="Imagem 9">
+            <a:extLst>
+              <a:ext uri="{FF2B5EF4-FFF2-40B4-BE49-F238E27FC236}">
+                <a16:creationId xmlns:a16="http://schemas.microsoft.com/office/drawing/2014/main" id="{3470D411-931D-45D4-874B-7D4D679B2832}"/>
+              </a:ext>
+            </a:extLst>
+          </p:cNvPr>
+          <p:cNvPicPr>
+            <a:picLocks noChangeAspect="1"/>
+          </p:cNvPicPr>
+          <p:nvPr/>
+        </p:nvPicPr>
+        <p:blipFill>
+          <a:blip r:embed="rId2">
+            <a:extLst>
+              <a:ext uri="{28A0092B-C50C-407E-A947-70E740481C1C}">
+                <a14:useLocalDpi xmlns:a14="http://schemas.microsoft.com/office/drawing/2010/main" val="0"/>
+              </a:ext>
+            </a:extLst>
+          </a:blip>
+          <a:stretch>
+            <a:fillRect/>
+          </a:stretch>
+        </p:blipFill>
+        <p:spPr>
+          <a:xfrm>
+            <a:off x="10160" y="-38100"/>
+            <a:ext cx="17953377" cy="9403080"/>
+          </a:xfrm>
+          <a:prstGeom prst="rect">
+            <a:avLst/>
+          </a:prstGeom>
+        </p:spPr>
+      </p:pic>
+      <p:sp>
+        <p:nvSpPr>
+          <p:cNvPr id="13" name="TextBox 3">
+            <a:extLst>
+              <a:ext uri="{FF2B5EF4-FFF2-40B4-BE49-F238E27FC236}">
+                <a16:creationId xmlns:a16="http://schemas.microsoft.com/office/drawing/2014/main" id="{22D7653F-4B54-4578-AD18-5A71F589B87F}"/>
+              </a:ext>
+            </a:extLst>
+          </p:cNvPr>
+          <p:cNvSpPr txBox="1"/>
+          <p:nvPr/>
+        </p:nvSpPr>
+        <p:spPr>
+          <a:xfrm>
+            <a:off x="228600" y="1562100"/>
+            <a:ext cx="17526000" cy="958276"/>
+          </a:xfrm>
+          <a:prstGeom prst="rect">
+            <a:avLst/>
+          </a:prstGeom>
+        </p:spPr>
+        <p:txBody>
+          <a:bodyPr wrap="square" lIns="0" tIns="0" rIns="0" bIns="0" rtlCol="0" anchor="t">
+            <a:spAutoFit/>
+          </a:bodyPr>
+          <a:lstStyle/>
+          <a:p>
+            <a:pPr algn="ctr">
+              <a:lnSpc>
+                <a:spcPts val="7039"/>
+              </a:lnSpc>
+            </a:pPr>
+            <a:r>
+              <a:rPr lang="en-US" sz="7200" b="1" spc="224" dirty="0">
+                <a:solidFill>
+                  <a:srgbClr val="002060"/>
+                </a:solidFill>
+                <a:latin typeface="Russo One" panose="02000503050000020004" pitchFamily="2" charset="0"/>
+              </a:rPr>
+              <a:t>CUPOM: 17MEETUPDATATUNING</a:t>
+            </a:r>
+          </a:p>
+        </p:txBody>
+      </p:sp>
     </p:spTree>
   </p:cSld>
   <p:clrMapOvr>
     <a:masterClrMapping/>
   </p:clrMapOvr>
+  <p:timing>
+    <p:tnLst>
+      <p:par>
+        <p:cTn id="1" dur="indefinite" restart="never" nodeType="tmRoot">
+          <p:childTnLst>
+            <p:seq concurrent="1" nextAc="seek">
+              <p:cTn id="2" dur="indefinite" nodeType="mainSeq">
+                <p:childTnLst>
+                  <p:par>
+                    <p:cTn id="3" fill="hold">
+                      <p:stCondLst>
+                        <p:cond delay="indefinite"/>
+                      </p:stCondLst>
+                      <p:childTnLst>
+                        <p:par>
+                          <p:cTn id="4" fill="hold">
+                            <p:stCondLst>
+                              <p:cond delay="0"/>
+                            </p:stCondLst>
+                            <p:childTnLst>
+                              <p:par>
+                                <p:cTn id="5" presetID="10" presetClass="entr" presetSubtype="0" fill="hold" grpId="0" nodeType="clickEffect">
+                                  <p:stCondLst>
+                                    <p:cond delay="0"/>
+                                  </p:stCondLst>
+                                  <p:childTnLst>
+                                    <p:set>
+                                      <p:cBhvr>
+                                        <p:cTn id="6" dur="1" fill="hold">
+                                          <p:stCondLst>
+                                            <p:cond delay="0"/>
+                                          </p:stCondLst>
+                                        </p:cTn>
+                                        <p:tgtEl>
+                                          <p:spTgt spid="13"/>
+                                        </p:tgtEl>
+                                        <p:attrNameLst>
+                                          <p:attrName>style.visibility</p:attrName>
+                                        </p:attrNameLst>
+                                      </p:cBhvr>
+                                      <p:to>
+                                        <p:strVal val="visible"/>
+                                      </p:to>
+                                    </p:set>
+                                    <p:animEffect transition="in" filter="fade">
+                                      <p:cBhvr>
+                                        <p:cTn id="7" dur="500"/>
+                                        <p:tgtEl>
+                                          <p:spTgt spid="13"/>
+                                        </p:tgtEl>
+                                      </p:cBhvr>
+                                    </p:animEffect>
+                                  </p:childTnLst>
+                                </p:cTn>
+                              </p:par>
+                            </p:childTnLst>
+                          </p:cTn>
+                        </p:par>
+                      </p:childTnLst>
+                    </p:cTn>
+                  </p:par>
+                </p:childTnLst>
+              </p:cTn>
+              <p:prevCondLst>
+                <p:cond evt="onPrev" delay="0">
+                  <p:tgtEl>
+                    <p:sldTgt/>
+                  </p:tgtEl>
+                </p:cond>
+              </p:prevCondLst>
+              <p:nextCondLst>
+                <p:cond evt="onNext" delay="0">
+                  <p:tgtEl>
+                    <p:sldTgt/>
+                  </p:tgtEl>
+                </p:cond>
+              </p:nextCondLst>
+            </p:seq>
+          </p:childTnLst>
+        </p:cTn>
+      </p:par>
+    </p:tnLst>
+    <p:bldLst>
+      <p:bldP spid="13" grpId="0"/>
+    </p:bldLst>
+  </p:timing>
 </p:sld>
 </file>
 
@@ -7209,14 +9005,14 @@
         <p:spPr>
           <a:xfrm>
             <a:off x="739120" y="808734"/>
-            <a:ext cx="11376680" cy="897682"/>
+            <a:ext cx="10462280" cy="901272"/>
           </a:xfrm>
           <a:prstGeom prst="rect">
             <a:avLst/>
           </a:prstGeom>
         </p:spPr>
         <p:txBody>
-          <a:bodyPr wrap="square" lIns="0" tIns="0" rIns="0" bIns="0" rtlCol="0" anchor="t">
+          <a:bodyPr lIns="0" tIns="0" rIns="0" bIns="0" rtlCol="0" anchor="t">
             <a:spAutoFit/>
           </a:bodyPr>
           <a:lstStyle/>
@@ -7233,7 +9029,7 @@
                 </a:solidFill>
                 <a:latin typeface="Russo One" panose="02000503050000020004" pitchFamily="2" charset="0"/>
               </a:rPr>
-              <a:t>O QUE É MONITORIA?</a:t>
+              <a:t>AGENDA</a:t>
             </a:r>
           </a:p>
         </p:txBody>
@@ -7303,7 +9099,7 @@
         <p:spPr>
           <a:xfrm>
             <a:off x="739120" y="1943100"/>
-            <a:ext cx="10462280" cy="5584221"/>
+            <a:ext cx="10462280" cy="671530"/>
           </a:xfrm>
           <a:prstGeom prst="rect">
             <a:avLst/>
@@ -7321,67 +9117,22 @@
               </a:lnSpc>
             </a:pPr>
             <a:r>
+              <a:rPr lang="en-US" sz="4000" spc="151" dirty="0">
+                <a:solidFill>
+                  <a:srgbClr val="F3F5F9"/>
+                </a:solidFill>
+                <a:latin typeface="Franklin Gothic Heavy" panose="020B0903020102020204" pitchFamily="34" charset="0"/>
+              </a:rPr>
+              <a:t>1. O que é </a:t>
+            </a:r>
+            <a:r>
               <a:rPr lang="en-US" sz="4000" spc="151" dirty="0" err="1">
                 <a:solidFill>
                   <a:srgbClr val="F3F5F9"/>
                 </a:solidFill>
                 <a:latin typeface="Franklin Gothic Heavy" panose="020B0903020102020204" pitchFamily="34" charset="0"/>
               </a:rPr>
-              <a:t>Análise</a:t>
-            </a:r>
-            <a:r>
-              <a:rPr lang="en-US" sz="4000" spc="151" dirty="0">
-                <a:solidFill>
-                  <a:srgbClr val="F3F5F9"/>
-                </a:solidFill>
-                <a:latin typeface="Franklin Gothic Heavy" panose="020B0903020102020204" pitchFamily="34" charset="0"/>
-              </a:rPr>
-              <a:t> da </a:t>
-            </a:r>
-            <a:r>
-              <a:rPr lang="en-US" sz="4000" spc="151" dirty="0" err="1">
-                <a:solidFill>
-                  <a:srgbClr val="F3F5F9"/>
-                </a:solidFill>
-                <a:latin typeface="Franklin Gothic Heavy" panose="020B0903020102020204" pitchFamily="34" charset="0"/>
-              </a:rPr>
-              <a:t>infraestrutura</a:t>
-            </a:r>
-            <a:r>
-              <a:rPr lang="en-US" sz="4000" spc="151" dirty="0">
-                <a:solidFill>
-                  <a:srgbClr val="F3F5F9"/>
-                </a:solidFill>
-                <a:latin typeface="Franklin Gothic Heavy" panose="020B0903020102020204" pitchFamily="34" charset="0"/>
-              </a:rPr>
-              <a:t> que </a:t>
-            </a:r>
-            <a:r>
-              <a:rPr lang="en-US" sz="4000" spc="151" dirty="0" err="1">
-                <a:solidFill>
-                  <a:srgbClr val="F3F5F9"/>
-                </a:solidFill>
-                <a:latin typeface="Franklin Gothic Heavy" panose="020B0903020102020204" pitchFamily="34" charset="0"/>
-              </a:rPr>
-              <a:t>tem</a:t>
-            </a:r>
-            <a:r>
-              <a:rPr lang="en-US" sz="4000" spc="151" dirty="0">
-                <a:solidFill>
-                  <a:srgbClr val="F3F5F9"/>
-                </a:solidFill>
-                <a:latin typeface="Franklin Gothic Heavy" panose="020B0903020102020204" pitchFamily="34" charset="0"/>
-              </a:rPr>
-              <a:t> por </a:t>
-            </a:r>
-            <a:r>
-              <a:rPr lang="en-US" sz="4000" spc="151" dirty="0" err="1">
-                <a:solidFill>
-                  <a:srgbClr val="F3F5F9"/>
-                </a:solidFill>
-                <a:latin typeface="Franklin Gothic Heavy" panose="020B0903020102020204" pitchFamily="34" charset="0"/>
-              </a:rPr>
-              <a:t>objetivo</a:t>
+              <a:t>uma</a:t>
             </a:r>
             <a:r>
               <a:rPr lang="en-US" sz="4000" spc="151" dirty="0">
@@ -7399,7 +9150,7 @@
                 </a:solidFill>
                 <a:latin typeface="Franklin Gothic Heavy" panose="020B0903020102020204" pitchFamily="34" charset="0"/>
               </a:rPr>
-              <a:t>identificar</a:t>
+              <a:t>monitoria</a:t>
             </a:r>
             <a:r>
               <a:rPr lang="en-US" sz="4000" spc="151" dirty="0">
@@ -7408,305 +9159,389 @@
                 </a:solidFill>
                 <a:latin typeface="Franklin Gothic Heavy" panose="020B0903020102020204" pitchFamily="34" charset="0"/>
               </a:rPr>
-              <a:t> </a:t>
-            </a:r>
-            <a:r>
-              <a:rPr lang="en-US" sz="4000" spc="151" dirty="0" err="1">
-                <a:solidFill>
-                  <a:srgbClr val="F3F5F9"/>
-                </a:solidFill>
-                <a:latin typeface="Franklin Gothic Heavy" panose="020B0903020102020204" pitchFamily="34" charset="0"/>
-              </a:rPr>
-              <a:t>problemas</a:t>
-            </a:r>
-            <a:r>
-              <a:rPr lang="en-US" sz="4000" spc="151" dirty="0">
-                <a:solidFill>
-                  <a:srgbClr val="F3F5F9"/>
-                </a:solidFill>
-                <a:latin typeface="Franklin Gothic Heavy" panose="020B0903020102020204" pitchFamily="34" charset="0"/>
-              </a:rPr>
-              <a:t> </a:t>
-            </a:r>
-            <a:r>
-              <a:rPr lang="en-US" sz="4000" spc="151" dirty="0" err="1">
-                <a:solidFill>
-                  <a:srgbClr val="F3F5F9"/>
-                </a:solidFill>
-                <a:latin typeface="Franklin Gothic Heavy" panose="020B0903020102020204" pitchFamily="34" charset="0"/>
-              </a:rPr>
-              <a:t>ou</a:t>
-            </a:r>
-            <a:r>
-              <a:rPr lang="en-US" sz="4000" spc="151" dirty="0">
-                <a:solidFill>
-                  <a:srgbClr val="F3F5F9"/>
-                </a:solidFill>
-                <a:latin typeface="Franklin Gothic Heavy" panose="020B0903020102020204" pitchFamily="34" charset="0"/>
-              </a:rPr>
-              <a:t> </a:t>
-            </a:r>
-            <a:r>
-              <a:rPr lang="en-US" sz="4000" spc="151" dirty="0" err="1">
-                <a:solidFill>
-                  <a:srgbClr val="F3F5F9"/>
-                </a:solidFill>
-                <a:latin typeface="Franklin Gothic Heavy" panose="020B0903020102020204" pitchFamily="34" charset="0"/>
-              </a:rPr>
-              <a:t>comportamentos</a:t>
-            </a:r>
-            <a:r>
-              <a:rPr lang="en-US" sz="4000" spc="151" dirty="0">
-                <a:solidFill>
-                  <a:srgbClr val="F3F5F9"/>
-                </a:solidFill>
-                <a:latin typeface="Franklin Gothic Heavy" panose="020B0903020102020204" pitchFamily="34" charset="0"/>
-              </a:rPr>
-              <a:t> </a:t>
-            </a:r>
-            <a:r>
-              <a:rPr lang="en-US" sz="4000" spc="151" dirty="0" err="1">
-                <a:solidFill>
-                  <a:srgbClr val="F3F5F9"/>
-                </a:solidFill>
-                <a:latin typeface="Franklin Gothic Heavy" panose="020B0903020102020204" pitchFamily="34" charset="0"/>
-              </a:rPr>
-              <a:t>anômalos</a:t>
-            </a:r>
-            <a:r>
-              <a:rPr lang="en-US" sz="4000" spc="151" dirty="0">
-                <a:solidFill>
-                  <a:srgbClr val="F3F5F9"/>
-                </a:solidFill>
-                <a:latin typeface="Franklin Gothic Heavy" panose="020B0903020102020204" pitchFamily="34" charset="0"/>
-              </a:rPr>
-              <a:t>, </a:t>
-            </a:r>
-            <a:r>
-              <a:rPr lang="en-US" sz="4000" spc="151" dirty="0" err="1">
-                <a:solidFill>
-                  <a:srgbClr val="F3F5F9"/>
-                </a:solidFill>
-                <a:latin typeface="Franklin Gothic Heavy" panose="020B0903020102020204" pitchFamily="34" charset="0"/>
-              </a:rPr>
-              <a:t>preferencialmente</a:t>
-            </a:r>
-            <a:r>
-              <a:rPr lang="en-US" sz="4000" spc="151" dirty="0">
-                <a:solidFill>
-                  <a:srgbClr val="F3F5F9"/>
-                </a:solidFill>
-                <a:latin typeface="Franklin Gothic Heavy" panose="020B0903020102020204" pitchFamily="34" charset="0"/>
-              </a:rPr>
-              <a:t> de forma </a:t>
-            </a:r>
-            <a:r>
-              <a:rPr lang="en-US" sz="4000" spc="151" dirty="0" err="1">
-                <a:solidFill>
-                  <a:srgbClr val="F3F5F9"/>
-                </a:solidFill>
-                <a:latin typeface="Franklin Gothic Heavy" panose="020B0903020102020204" pitchFamily="34" charset="0"/>
-              </a:rPr>
-              <a:t>automática</a:t>
-            </a:r>
-            <a:r>
-              <a:rPr lang="en-US" sz="4000" spc="151" dirty="0">
-                <a:solidFill>
-                  <a:srgbClr val="F3F5F9"/>
-                </a:solidFill>
-                <a:latin typeface="Franklin Gothic Heavy" panose="020B0903020102020204" pitchFamily="34" charset="0"/>
-              </a:rPr>
-              <a:t> com a </a:t>
-            </a:r>
-            <a:r>
-              <a:rPr lang="en-US" sz="4000" spc="151" dirty="0" err="1">
-                <a:solidFill>
-                  <a:srgbClr val="F3F5F9"/>
-                </a:solidFill>
-                <a:latin typeface="Franklin Gothic Heavy" panose="020B0903020102020204" pitchFamily="34" charset="0"/>
-              </a:rPr>
-              <a:t>geração</a:t>
-            </a:r>
-            <a:r>
-              <a:rPr lang="en-US" sz="4000" spc="151" dirty="0">
-                <a:solidFill>
-                  <a:srgbClr val="F3F5F9"/>
-                </a:solidFill>
-                <a:latin typeface="Franklin Gothic Heavy" panose="020B0903020102020204" pitchFamily="34" charset="0"/>
-              </a:rPr>
-              <a:t> de </a:t>
-            </a:r>
-            <a:r>
-              <a:rPr lang="en-US" sz="4000" spc="151" dirty="0" err="1">
-                <a:solidFill>
-                  <a:srgbClr val="F3F5F9"/>
-                </a:solidFill>
-                <a:latin typeface="Franklin Gothic Heavy" panose="020B0903020102020204" pitchFamily="34" charset="0"/>
-              </a:rPr>
-              <a:t>alertas</a:t>
-            </a:r>
-            <a:r>
-              <a:rPr lang="en-US" sz="4000" spc="151" dirty="0">
-                <a:solidFill>
-                  <a:srgbClr val="F3F5F9"/>
-                </a:solidFill>
-                <a:latin typeface="Franklin Gothic Heavy" panose="020B0903020102020204" pitchFamily="34" charset="0"/>
-              </a:rPr>
-              <a:t> para que </a:t>
-            </a:r>
-            <a:r>
-              <a:rPr lang="en-US" sz="4000" spc="151" dirty="0" err="1">
-                <a:solidFill>
-                  <a:srgbClr val="F3F5F9"/>
-                </a:solidFill>
-                <a:latin typeface="Franklin Gothic Heavy" panose="020B0903020102020204" pitchFamily="34" charset="0"/>
-              </a:rPr>
-              <a:t>decisões</a:t>
-            </a:r>
-            <a:r>
-              <a:rPr lang="en-US" sz="4000" spc="151" dirty="0">
-                <a:solidFill>
-                  <a:srgbClr val="F3F5F9"/>
-                </a:solidFill>
-                <a:latin typeface="Franklin Gothic Heavy" panose="020B0903020102020204" pitchFamily="34" charset="0"/>
-              </a:rPr>
-              <a:t> </a:t>
-            </a:r>
-            <a:r>
-              <a:rPr lang="en-US" sz="4000" spc="151" dirty="0" err="1">
-                <a:solidFill>
-                  <a:srgbClr val="F3F5F9"/>
-                </a:solidFill>
-                <a:latin typeface="Franklin Gothic Heavy" panose="020B0903020102020204" pitchFamily="34" charset="0"/>
-              </a:rPr>
-              <a:t>sejam</a:t>
-            </a:r>
-            <a:r>
-              <a:rPr lang="en-US" sz="4000" spc="151" dirty="0">
-                <a:solidFill>
-                  <a:srgbClr val="F3F5F9"/>
-                </a:solidFill>
-                <a:latin typeface="Franklin Gothic Heavy" panose="020B0903020102020204" pitchFamily="34" charset="0"/>
-              </a:rPr>
-              <a:t> </a:t>
-            </a:r>
-            <a:r>
-              <a:rPr lang="en-US" sz="4000" spc="151" dirty="0" err="1">
-                <a:solidFill>
-                  <a:srgbClr val="F3F5F9"/>
-                </a:solidFill>
-                <a:latin typeface="Franklin Gothic Heavy" panose="020B0903020102020204" pitchFamily="34" charset="0"/>
-              </a:rPr>
-              <a:t>tomadas</a:t>
-            </a:r>
-            <a:r>
-              <a:rPr lang="en-US" sz="4000" spc="151" dirty="0">
-                <a:solidFill>
-                  <a:srgbClr val="F3F5F9"/>
-                </a:solidFill>
-                <a:latin typeface="Franklin Gothic Heavy" panose="020B0903020102020204" pitchFamily="34" charset="0"/>
-              </a:rPr>
-              <a:t> a </a:t>
-            </a:r>
-            <a:r>
-              <a:rPr lang="en-US" sz="4000" spc="151" dirty="0" err="1">
-                <a:solidFill>
-                  <a:srgbClr val="F3F5F9"/>
-                </a:solidFill>
-                <a:latin typeface="Franklin Gothic Heavy" panose="020B0903020102020204" pitchFamily="34" charset="0"/>
-              </a:rPr>
-              <a:t>fim</a:t>
-            </a:r>
-            <a:r>
-              <a:rPr lang="en-US" sz="4000" spc="151" dirty="0">
-                <a:solidFill>
-                  <a:srgbClr val="F3F5F9"/>
-                </a:solidFill>
-                <a:latin typeface="Franklin Gothic Heavy" panose="020B0903020102020204" pitchFamily="34" charset="0"/>
-              </a:rPr>
-              <a:t> de </a:t>
-            </a:r>
-            <a:r>
-              <a:rPr lang="en-US" sz="4000" spc="151" dirty="0" err="1">
-                <a:solidFill>
-                  <a:srgbClr val="F3F5F9"/>
-                </a:solidFill>
-                <a:latin typeface="Franklin Gothic Heavy" panose="020B0903020102020204" pitchFamily="34" charset="0"/>
-              </a:rPr>
-              <a:t>evitar</a:t>
-            </a:r>
-            <a:r>
-              <a:rPr lang="en-US" sz="4000" spc="151" dirty="0">
-                <a:solidFill>
-                  <a:srgbClr val="F3F5F9"/>
-                </a:solidFill>
-                <a:latin typeface="Franklin Gothic Heavy" panose="020B0903020102020204" pitchFamily="34" charset="0"/>
-              </a:rPr>
-              <a:t> </a:t>
-            </a:r>
-            <a:r>
-              <a:rPr lang="en-US" sz="4000" spc="151" dirty="0" err="1">
-                <a:solidFill>
-                  <a:srgbClr val="F3F5F9"/>
-                </a:solidFill>
-                <a:latin typeface="Franklin Gothic Heavy" panose="020B0903020102020204" pitchFamily="34" charset="0"/>
-              </a:rPr>
-              <a:t>interrupções</a:t>
-            </a:r>
-            <a:r>
-              <a:rPr lang="en-US" sz="4000" spc="151" dirty="0">
-                <a:solidFill>
-                  <a:srgbClr val="F3F5F9"/>
-                </a:solidFill>
-                <a:latin typeface="Franklin Gothic Heavy" panose="020B0903020102020204" pitchFamily="34" charset="0"/>
-              </a:rPr>
-              <a:t> dos </a:t>
-            </a:r>
-            <a:r>
-              <a:rPr lang="en-US" sz="4000" spc="151" dirty="0" err="1">
-                <a:solidFill>
-                  <a:srgbClr val="F3F5F9"/>
-                </a:solidFill>
-                <a:latin typeface="Franklin Gothic Heavy" panose="020B0903020102020204" pitchFamily="34" charset="0"/>
-              </a:rPr>
-              <a:t>serviços</a:t>
-            </a:r>
-            <a:r>
-              <a:rPr lang="en-US" sz="4000" spc="151" dirty="0">
-                <a:solidFill>
-                  <a:srgbClr val="F3F5F9"/>
-                </a:solidFill>
-                <a:latin typeface="Franklin Gothic Heavy" panose="020B0903020102020204" pitchFamily="34" charset="0"/>
-              </a:rPr>
-              <a:t> </a:t>
-            </a:r>
-            <a:r>
-              <a:rPr lang="en-US" sz="4000" spc="151" dirty="0" err="1">
-                <a:solidFill>
-                  <a:srgbClr val="F3F5F9"/>
-                </a:solidFill>
-                <a:latin typeface="Franklin Gothic Heavy" panose="020B0903020102020204" pitchFamily="34" charset="0"/>
-              </a:rPr>
-              <a:t>computacionais</a:t>
-            </a:r>
-            <a:r>
-              <a:rPr lang="en-US" sz="4000" spc="151" dirty="0">
-                <a:solidFill>
-                  <a:srgbClr val="F3F5F9"/>
-                </a:solidFill>
-                <a:latin typeface="Franklin Gothic Heavy" panose="020B0903020102020204" pitchFamily="34" charset="0"/>
-              </a:rPr>
-              <a:t>.</a:t>
-            </a:r>
-          </a:p>
-        </p:txBody>
-      </p:sp>
-      <p:sp>
-        <p:nvSpPr>
-          <p:cNvPr id="2" name="AutoShape 2">
+              <a:t>?</a:t>
+            </a:r>
+          </a:p>
+        </p:txBody>
+      </p:sp>
+      <p:sp>
+        <p:nvSpPr>
+          <p:cNvPr id="5" name="TextBox 4">
             <a:extLst>
               <a:ext uri="{FF2B5EF4-FFF2-40B4-BE49-F238E27FC236}">
-                <a16:creationId xmlns:a16="http://schemas.microsoft.com/office/drawing/2014/main" id="{67662AD4-CC5D-4EAB-BBD0-9F8E19FAD0D9}"/>
+                <a16:creationId xmlns:a16="http://schemas.microsoft.com/office/drawing/2014/main" id="{86D3A749-D8BA-4B5D-8C7B-2E689C18A337}"/>
+              </a:ext>
+            </a:extLst>
+          </p:cNvPr>
+          <p:cNvSpPr txBox="1"/>
+          <p:nvPr/>
+        </p:nvSpPr>
+        <p:spPr>
+          <a:xfrm>
+            <a:off x="735494" y="2640428"/>
+            <a:ext cx="10462280" cy="671530"/>
+          </a:xfrm>
+          <a:prstGeom prst="rect">
+            <a:avLst/>
+          </a:prstGeom>
+        </p:spPr>
+        <p:txBody>
+          <a:bodyPr wrap="square" lIns="0" tIns="0" rIns="0" bIns="0" rtlCol="0" anchor="t">
+            <a:spAutoFit/>
+          </a:bodyPr>
+          <a:lstStyle>
+            <a:defPPr>
+              <a:defRPr lang="en-US"/>
+            </a:defPPr>
+            <a:lvl1pPr>
+              <a:lnSpc>
+                <a:spcPts val="5460"/>
+              </a:lnSpc>
+              <a:defRPr sz="4000" spc="151">
+                <a:solidFill>
+                  <a:srgbClr val="F3F5F9"/>
+                </a:solidFill>
+                <a:latin typeface="Franklin Gothic Heavy" panose="020B0903020102020204" pitchFamily="34" charset="0"/>
+              </a:defRPr>
+            </a:lvl1pPr>
+          </a:lstStyle>
+          <a:p>
+            <a:r>
+              <a:rPr lang="en-US" dirty="0"/>
+              <a:t>2. O que é observability?</a:t>
+            </a:r>
+          </a:p>
+        </p:txBody>
+      </p:sp>
+      <p:sp>
+        <p:nvSpPr>
+          <p:cNvPr id="6" name="TextBox 4">
+            <a:extLst>
+              <a:ext uri="{FF2B5EF4-FFF2-40B4-BE49-F238E27FC236}">
+                <a16:creationId xmlns:a16="http://schemas.microsoft.com/office/drawing/2014/main" id="{2407C838-5901-48A9-8009-1105085969E8}"/>
+              </a:ext>
+            </a:extLst>
+          </p:cNvPr>
+          <p:cNvSpPr txBox="1"/>
+          <p:nvPr/>
+        </p:nvSpPr>
+        <p:spPr>
+          <a:xfrm>
+            <a:off x="731865" y="3337756"/>
+            <a:ext cx="10462280" cy="671530"/>
+          </a:xfrm>
+          <a:prstGeom prst="rect">
+            <a:avLst/>
+          </a:prstGeom>
+        </p:spPr>
+        <p:txBody>
+          <a:bodyPr wrap="square" lIns="0" tIns="0" rIns="0" bIns="0" rtlCol="0" anchor="t">
+            <a:spAutoFit/>
+          </a:bodyPr>
+          <a:lstStyle>
+            <a:defPPr>
+              <a:defRPr lang="en-US"/>
+            </a:defPPr>
+            <a:lvl1pPr>
+              <a:lnSpc>
+                <a:spcPts val="5460"/>
+              </a:lnSpc>
+              <a:defRPr sz="4000" spc="151">
+                <a:solidFill>
+                  <a:srgbClr val="F3F5F9"/>
+                </a:solidFill>
+                <a:latin typeface="Franklin Gothic Heavy" panose="020B0903020102020204" pitchFamily="34" charset="0"/>
+              </a:defRPr>
+            </a:lvl1pPr>
+          </a:lstStyle>
+          <a:p>
+            <a:r>
+              <a:rPr lang="en-US" dirty="0"/>
+              <a:t>3. O que é um baseline?</a:t>
+            </a:r>
+          </a:p>
+        </p:txBody>
+      </p:sp>
+      <p:sp>
+        <p:nvSpPr>
+          <p:cNvPr id="11" name="TextBox 4">
+            <a:extLst>
+              <a:ext uri="{FF2B5EF4-FFF2-40B4-BE49-F238E27FC236}">
+                <a16:creationId xmlns:a16="http://schemas.microsoft.com/office/drawing/2014/main" id="{31111057-9AD4-4115-A7BE-4C40C7357804}"/>
+              </a:ext>
+            </a:extLst>
+          </p:cNvPr>
+          <p:cNvSpPr txBox="1"/>
+          <p:nvPr/>
+        </p:nvSpPr>
+        <p:spPr>
+          <a:xfrm>
+            <a:off x="728236" y="4035084"/>
+            <a:ext cx="10462280" cy="671530"/>
+          </a:xfrm>
+          <a:prstGeom prst="rect">
+            <a:avLst/>
+          </a:prstGeom>
+        </p:spPr>
+        <p:txBody>
+          <a:bodyPr wrap="square" lIns="0" tIns="0" rIns="0" bIns="0" rtlCol="0" anchor="t">
+            <a:spAutoFit/>
+          </a:bodyPr>
+          <a:lstStyle>
+            <a:defPPr>
+              <a:defRPr lang="en-US"/>
+            </a:defPPr>
+            <a:lvl1pPr>
+              <a:lnSpc>
+                <a:spcPts val="5460"/>
+              </a:lnSpc>
+              <a:defRPr sz="4000" spc="151">
+                <a:solidFill>
+                  <a:srgbClr val="F3F5F9"/>
+                </a:solidFill>
+                <a:latin typeface="Franklin Gothic Heavy" panose="020B0903020102020204" pitchFamily="34" charset="0"/>
+              </a:defRPr>
+            </a:lvl1pPr>
+          </a:lstStyle>
+          <a:p>
+            <a:r>
+              <a:rPr lang="en-US" dirty="0"/>
+              <a:t>4. O que </a:t>
+            </a:r>
+            <a:r>
+              <a:rPr lang="en-US" dirty="0" err="1"/>
+              <a:t>monitorar</a:t>
+            </a:r>
+            <a:r>
+              <a:rPr lang="en-US" dirty="0"/>
+              <a:t>?</a:t>
+            </a:r>
+          </a:p>
+        </p:txBody>
+      </p:sp>
+      <p:sp>
+        <p:nvSpPr>
+          <p:cNvPr id="19" name="TextBox 4">
+            <a:extLst>
+              <a:ext uri="{FF2B5EF4-FFF2-40B4-BE49-F238E27FC236}">
+                <a16:creationId xmlns:a16="http://schemas.microsoft.com/office/drawing/2014/main" id="{50CF6E0E-261A-4A81-A66C-4D3EDBD9D2EA}"/>
+              </a:ext>
+            </a:extLst>
+          </p:cNvPr>
+          <p:cNvSpPr txBox="1"/>
+          <p:nvPr/>
+        </p:nvSpPr>
+        <p:spPr>
+          <a:xfrm>
+            <a:off x="724607" y="4732412"/>
+            <a:ext cx="10462280" cy="671530"/>
+          </a:xfrm>
+          <a:prstGeom prst="rect">
+            <a:avLst/>
+          </a:prstGeom>
+        </p:spPr>
+        <p:txBody>
+          <a:bodyPr wrap="square" lIns="0" tIns="0" rIns="0" bIns="0" rtlCol="0" anchor="t">
+            <a:spAutoFit/>
+          </a:bodyPr>
+          <a:lstStyle>
+            <a:defPPr>
+              <a:defRPr lang="en-US"/>
+            </a:defPPr>
+            <a:lvl1pPr>
+              <a:lnSpc>
+                <a:spcPts val="5460"/>
+              </a:lnSpc>
+              <a:defRPr sz="4000" spc="151">
+                <a:solidFill>
+                  <a:srgbClr val="F3F5F9"/>
+                </a:solidFill>
+                <a:latin typeface="Franklin Gothic Heavy" panose="020B0903020102020204" pitchFamily="34" charset="0"/>
+              </a:defRPr>
+            </a:lvl1pPr>
+          </a:lstStyle>
+          <a:p>
+            <a:r>
+              <a:rPr lang="en-US" dirty="0"/>
+              <a:t>5. O NÃO </a:t>
+            </a:r>
+            <a:r>
+              <a:rPr lang="en-US" dirty="0" err="1"/>
+              <a:t>monitorar</a:t>
+            </a:r>
+            <a:r>
+              <a:rPr lang="en-US" dirty="0"/>
+              <a:t>?</a:t>
+            </a:r>
+          </a:p>
+        </p:txBody>
+      </p:sp>
+      <p:sp>
+        <p:nvSpPr>
+          <p:cNvPr id="21" name="TextBox 4">
+            <a:extLst>
+              <a:ext uri="{FF2B5EF4-FFF2-40B4-BE49-F238E27FC236}">
+                <a16:creationId xmlns:a16="http://schemas.microsoft.com/office/drawing/2014/main" id="{083AC17F-6C7C-477A-948D-05B7CF82DF8B}"/>
+              </a:ext>
+            </a:extLst>
+          </p:cNvPr>
+          <p:cNvSpPr txBox="1"/>
+          <p:nvPr/>
+        </p:nvSpPr>
+        <p:spPr>
+          <a:xfrm>
+            <a:off x="720978" y="5429740"/>
+            <a:ext cx="10462280" cy="671530"/>
+          </a:xfrm>
+          <a:prstGeom prst="rect">
+            <a:avLst/>
+          </a:prstGeom>
+        </p:spPr>
+        <p:txBody>
+          <a:bodyPr wrap="square" lIns="0" tIns="0" rIns="0" bIns="0" rtlCol="0" anchor="t">
+            <a:spAutoFit/>
+          </a:bodyPr>
+          <a:lstStyle>
+            <a:defPPr>
+              <a:defRPr lang="en-US"/>
+            </a:defPPr>
+            <a:lvl1pPr>
+              <a:lnSpc>
+                <a:spcPts val="5460"/>
+              </a:lnSpc>
+              <a:defRPr sz="4000" spc="151">
+                <a:solidFill>
+                  <a:srgbClr val="F3F5F9"/>
+                </a:solidFill>
+                <a:latin typeface="Franklin Gothic Heavy" panose="020B0903020102020204" pitchFamily="34" charset="0"/>
+              </a:defRPr>
+            </a:lvl1pPr>
+          </a:lstStyle>
+          <a:p>
+            <a:r>
+              <a:rPr lang="en-US" dirty="0"/>
+              <a:t>6. </a:t>
+            </a:r>
+            <a:r>
+              <a:rPr lang="en-US" dirty="0" err="1"/>
+              <a:t>Automações</a:t>
+            </a:r>
+            <a:endParaRPr lang="en-US" dirty="0"/>
+          </a:p>
+        </p:txBody>
+      </p:sp>
+      <p:sp>
+        <p:nvSpPr>
+          <p:cNvPr id="23" name="TextBox 4">
+            <a:extLst>
+              <a:ext uri="{FF2B5EF4-FFF2-40B4-BE49-F238E27FC236}">
+                <a16:creationId xmlns:a16="http://schemas.microsoft.com/office/drawing/2014/main" id="{F96DFFD0-38BB-4CC0-9BF8-6A3D8F686A94}"/>
+              </a:ext>
+            </a:extLst>
+          </p:cNvPr>
+          <p:cNvSpPr txBox="1"/>
+          <p:nvPr/>
+        </p:nvSpPr>
+        <p:spPr>
+          <a:xfrm>
+            <a:off x="717349" y="6127068"/>
+            <a:ext cx="10462280" cy="671530"/>
+          </a:xfrm>
+          <a:prstGeom prst="rect">
+            <a:avLst/>
+          </a:prstGeom>
+        </p:spPr>
+        <p:txBody>
+          <a:bodyPr wrap="square" lIns="0" tIns="0" rIns="0" bIns="0" rtlCol="0" anchor="t">
+            <a:spAutoFit/>
+          </a:bodyPr>
+          <a:lstStyle>
+            <a:defPPr>
+              <a:defRPr lang="en-US"/>
+            </a:defPPr>
+            <a:lvl1pPr>
+              <a:lnSpc>
+                <a:spcPts val="5460"/>
+              </a:lnSpc>
+              <a:defRPr sz="4000" spc="151">
+                <a:solidFill>
+                  <a:srgbClr val="F3F5F9"/>
+                </a:solidFill>
+                <a:latin typeface="Franklin Gothic Heavy" panose="020B0903020102020204" pitchFamily="34" charset="0"/>
+              </a:defRPr>
+            </a:lvl1pPr>
+          </a:lstStyle>
+          <a:p>
+            <a:r>
+              <a:rPr lang="en-US" dirty="0"/>
+              <a:t>7. </a:t>
+            </a:r>
+            <a:r>
+              <a:rPr lang="en-US" dirty="0" err="1"/>
+              <a:t>Itens</a:t>
+            </a:r>
+            <a:r>
+              <a:rPr lang="en-US" dirty="0"/>
+              <a:t> de um baseline</a:t>
+            </a:r>
+          </a:p>
+        </p:txBody>
+      </p:sp>
+      <p:sp>
+        <p:nvSpPr>
+          <p:cNvPr id="25" name="TextBox 4">
+            <a:extLst>
+              <a:ext uri="{FF2B5EF4-FFF2-40B4-BE49-F238E27FC236}">
+                <a16:creationId xmlns:a16="http://schemas.microsoft.com/office/drawing/2014/main" id="{737F8D40-86ED-4E1E-BB8A-1DE586A8EB67}"/>
+              </a:ext>
+            </a:extLst>
+          </p:cNvPr>
+          <p:cNvSpPr txBox="1"/>
+          <p:nvPr/>
+        </p:nvSpPr>
+        <p:spPr>
+          <a:xfrm>
+            <a:off x="713720" y="6824394"/>
+            <a:ext cx="10462280" cy="671530"/>
+          </a:xfrm>
+          <a:prstGeom prst="rect">
+            <a:avLst/>
+          </a:prstGeom>
+        </p:spPr>
+        <p:txBody>
+          <a:bodyPr wrap="square" lIns="0" tIns="0" rIns="0" bIns="0" rtlCol="0" anchor="t">
+            <a:spAutoFit/>
+          </a:bodyPr>
+          <a:lstStyle>
+            <a:defPPr>
+              <a:defRPr lang="en-US"/>
+            </a:defPPr>
+            <a:lvl1pPr>
+              <a:lnSpc>
+                <a:spcPts val="5460"/>
+              </a:lnSpc>
+              <a:defRPr sz="4000" spc="151">
+                <a:solidFill>
+                  <a:srgbClr val="F3F5F9"/>
+                </a:solidFill>
+                <a:latin typeface="Franklin Gothic Heavy" panose="020B0903020102020204" pitchFamily="34" charset="0"/>
+              </a:defRPr>
+            </a:lvl1pPr>
+          </a:lstStyle>
+          <a:p>
+            <a:r>
+              <a:rPr lang="en-US" dirty="0"/>
+              <a:t>8. Ferramentas</a:t>
+            </a:r>
+          </a:p>
+        </p:txBody>
+      </p:sp>
+      <p:sp>
+        <p:nvSpPr>
+          <p:cNvPr id="27" name="AutoShape 2">
+            <a:extLst>
+              <a:ext uri="{FF2B5EF4-FFF2-40B4-BE49-F238E27FC236}">
+                <a16:creationId xmlns:a16="http://schemas.microsoft.com/office/drawing/2014/main" id="{CD42392D-5AC9-49E0-ADAE-86A029019477}"/>
               </a:ext>
             </a:extLst>
           </p:cNvPr>
@@ -7728,10 +9563,10 @@
       </p:sp>
       <p:sp>
         <p:nvSpPr>
-          <p:cNvPr id="4" name="AutoShape 8">
+          <p:cNvPr id="29" name="AutoShape 8">
             <a:extLst>
               <a:ext uri="{FF2B5EF4-FFF2-40B4-BE49-F238E27FC236}">
-                <a16:creationId xmlns:a16="http://schemas.microsoft.com/office/drawing/2014/main" id="{E972422D-199E-4093-A8E6-185B6FA36CE0}"/>
+                <a16:creationId xmlns:a16="http://schemas.microsoft.com/office/drawing/2014/main" id="{ED2D3B73-70F6-41FD-9262-31F9B38DEE12}"/>
               </a:ext>
             </a:extLst>
           </p:cNvPr>
@@ -7754,7 +9589,7 @@
     </p:spTree>
     <p:extLst>
       <p:ext uri="{BB962C8B-B14F-4D97-AF65-F5344CB8AC3E}">
-        <p14:creationId xmlns:p14="http://schemas.microsoft.com/office/powerpoint/2010/main" val="2371075843"/>
+        <p14:creationId xmlns:p14="http://schemas.microsoft.com/office/powerpoint/2010/main" val="91973026"/>
       </p:ext>
     </p:extLst>
   </p:cSld>
@@ -7798,7 +9633,7 @@
         <p:spPr>
           <a:xfrm>
             <a:off x="739120" y="808734"/>
-            <a:ext cx="10919480" cy="879921"/>
+            <a:ext cx="11376680" cy="897682"/>
           </a:xfrm>
           <a:prstGeom prst="rect">
             <a:avLst/>
@@ -7816,13 +9651,13 @@
               </a:lnSpc>
             </a:pPr>
             <a:r>
-              <a:rPr lang="en-US" sz="5800" spc="224" dirty="0">
+              <a:rPr lang="en-US" sz="6400" spc="224" dirty="0">
                 <a:solidFill>
                   <a:srgbClr val="38B6FF"/>
                 </a:solidFill>
                 <a:latin typeface="Russo One" panose="02000503050000020004" pitchFamily="2" charset="0"/>
               </a:rPr>
-              <a:t>O QUE É OBSERVABILITY?</a:t>
+              <a:t>O QUE É MONITORIA?</a:t>
             </a:r>
           </a:p>
         </p:txBody>
@@ -7892,7 +9727,7 @@
         <p:spPr>
           <a:xfrm>
             <a:off x="739120" y="1943100"/>
-            <a:ext cx="10462280" cy="2762936"/>
+            <a:ext cx="10462280" cy="5584221"/>
           </a:xfrm>
           <a:prstGeom prst="rect">
             <a:avLst/>
@@ -7910,29 +9745,392 @@
               </a:lnSpc>
             </a:pPr>
             <a:r>
-              <a:rPr lang="pt-BR" sz="4000" spc="151" dirty="0">
+              <a:rPr lang="en-US" sz="4000" spc="151" dirty="0" err="1">
                 <a:solidFill>
                   <a:srgbClr val="F3F5F9"/>
                 </a:solidFill>
                 <a:latin typeface="Franklin Gothic Heavy" panose="020B0903020102020204" pitchFamily="34" charset="0"/>
               </a:rPr>
-              <a:t>Conjunto de técnicas e ferramentas de monitoração que visam entregar uma visão analítica dos ambientes de aplicação e infraestrutura.</a:t>
-            </a:r>
-            <a:endParaRPr lang="en-US" sz="4000" spc="151" dirty="0">
-              <a:solidFill>
-                <a:srgbClr val="F3F5F9"/>
-              </a:solidFill>
-              <a:latin typeface="Franklin Gothic Heavy" panose="020B0903020102020204" pitchFamily="34" charset="0"/>
-            </a:endParaRPr>
-          </a:p>
-        </p:txBody>
-      </p:sp>
-      <p:sp>
-        <p:nvSpPr>
-          <p:cNvPr id="5" name="AutoShape 2">
+              <a:t>Análise</a:t>
+            </a:r>
+            <a:r>
+              <a:rPr lang="en-US" sz="4000" spc="151" dirty="0">
+                <a:solidFill>
+                  <a:srgbClr val="F3F5F9"/>
+                </a:solidFill>
+                <a:latin typeface="Franklin Gothic Heavy" panose="020B0903020102020204" pitchFamily="34" charset="0"/>
+              </a:rPr>
+              <a:t> da </a:t>
+            </a:r>
+            <a:r>
+              <a:rPr lang="en-US" sz="4000" spc="151" dirty="0" err="1">
+                <a:solidFill>
+                  <a:srgbClr val="F3F5F9"/>
+                </a:solidFill>
+                <a:latin typeface="Franklin Gothic Heavy" panose="020B0903020102020204" pitchFamily="34" charset="0"/>
+              </a:rPr>
+              <a:t>infraestrutura</a:t>
+            </a:r>
+            <a:r>
+              <a:rPr lang="en-US" sz="4000" spc="151" dirty="0">
+                <a:solidFill>
+                  <a:srgbClr val="F3F5F9"/>
+                </a:solidFill>
+                <a:latin typeface="Franklin Gothic Heavy" panose="020B0903020102020204" pitchFamily="34" charset="0"/>
+              </a:rPr>
+              <a:t> que </a:t>
+            </a:r>
+            <a:r>
+              <a:rPr lang="en-US" sz="4000" spc="151" dirty="0" err="1">
+                <a:solidFill>
+                  <a:srgbClr val="F3F5F9"/>
+                </a:solidFill>
+                <a:latin typeface="Franklin Gothic Heavy" panose="020B0903020102020204" pitchFamily="34" charset="0"/>
+              </a:rPr>
+              <a:t>tem</a:t>
+            </a:r>
+            <a:r>
+              <a:rPr lang="en-US" sz="4000" spc="151" dirty="0">
+                <a:solidFill>
+                  <a:srgbClr val="F3F5F9"/>
+                </a:solidFill>
+                <a:latin typeface="Franklin Gothic Heavy" panose="020B0903020102020204" pitchFamily="34" charset="0"/>
+              </a:rPr>
+              <a:t> por </a:t>
+            </a:r>
+            <a:r>
+              <a:rPr lang="en-US" sz="4000" spc="151" dirty="0" err="1">
+                <a:solidFill>
+                  <a:srgbClr val="F3F5F9"/>
+                </a:solidFill>
+                <a:latin typeface="Franklin Gothic Heavy" panose="020B0903020102020204" pitchFamily="34" charset="0"/>
+              </a:rPr>
+              <a:t>objetivo</a:t>
+            </a:r>
+            <a:r>
+              <a:rPr lang="en-US" sz="4000" spc="151" dirty="0">
+                <a:solidFill>
+                  <a:srgbClr val="F3F5F9"/>
+                </a:solidFill>
+                <a:latin typeface="Franklin Gothic Heavy" panose="020B0903020102020204" pitchFamily="34" charset="0"/>
+              </a:rPr>
+              <a:t> </a:t>
+            </a:r>
+            <a:r>
+              <a:rPr lang="en-US" sz="4000" spc="151" dirty="0" err="1">
+                <a:solidFill>
+                  <a:srgbClr val="F3F5F9"/>
+                </a:solidFill>
+                <a:latin typeface="Franklin Gothic Heavy" panose="020B0903020102020204" pitchFamily="34" charset="0"/>
+              </a:rPr>
+              <a:t>identificar</a:t>
+            </a:r>
+            <a:r>
+              <a:rPr lang="en-US" sz="4000" spc="151" dirty="0">
+                <a:solidFill>
+                  <a:srgbClr val="F3F5F9"/>
+                </a:solidFill>
+                <a:latin typeface="Franklin Gothic Heavy" panose="020B0903020102020204" pitchFamily="34" charset="0"/>
+              </a:rPr>
+              <a:t> </a:t>
+            </a:r>
+            <a:r>
+              <a:rPr lang="en-US" sz="4000" spc="151" dirty="0" err="1">
+                <a:solidFill>
+                  <a:srgbClr val="F3F5F9"/>
+                </a:solidFill>
+                <a:latin typeface="Franklin Gothic Heavy" panose="020B0903020102020204" pitchFamily="34" charset="0"/>
+              </a:rPr>
+              <a:t>problemas</a:t>
+            </a:r>
+            <a:r>
+              <a:rPr lang="en-US" sz="4000" spc="151" dirty="0">
+                <a:solidFill>
+                  <a:srgbClr val="F3F5F9"/>
+                </a:solidFill>
+                <a:latin typeface="Franklin Gothic Heavy" panose="020B0903020102020204" pitchFamily="34" charset="0"/>
+              </a:rPr>
+              <a:t> </a:t>
+            </a:r>
+            <a:r>
+              <a:rPr lang="en-US" sz="4000" spc="151" dirty="0" err="1">
+                <a:solidFill>
+                  <a:srgbClr val="F3F5F9"/>
+                </a:solidFill>
+                <a:latin typeface="Franklin Gothic Heavy" panose="020B0903020102020204" pitchFamily="34" charset="0"/>
+              </a:rPr>
+              <a:t>ou</a:t>
+            </a:r>
+            <a:r>
+              <a:rPr lang="en-US" sz="4000" spc="151" dirty="0">
+                <a:solidFill>
+                  <a:srgbClr val="F3F5F9"/>
+                </a:solidFill>
+                <a:latin typeface="Franklin Gothic Heavy" panose="020B0903020102020204" pitchFamily="34" charset="0"/>
+              </a:rPr>
+              <a:t> </a:t>
+            </a:r>
+            <a:r>
+              <a:rPr lang="en-US" sz="4000" spc="151" dirty="0" err="1">
+                <a:solidFill>
+                  <a:srgbClr val="F3F5F9"/>
+                </a:solidFill>
+                <a:latin typeface="Franklin Gothic Heavy" panose="020B0903020102020204" pitchFamily="34" charset="0"/>
+              </a:rPr>
+              <a:t>comportamentos</a:t>
+            </a:r>
+            <a:r>
+              <a:rPr lang="en-US" sz="4000" spc="151" dirty="0">
+                <a:solidFill>
+                  <a:srgbClr val="F3F5F9"/>
+                </a:solidFill>
+                <a:latin typeface="Franklin Gothic Heavy" panose="020B0903020102020204" pitchFamily="34" charset="0"/>
+              </a:rPr>
+              <a:t> </a:t>
+            </a:r>
+            <a:r>
+              <a:rPr lang="en-US" sz="4000" spc="151" dirty="0" err="1">
+                <a:solidFill>
+                  <a:srgbClr val="F3F5F9"/>
+                </a:solidFill>
+                <a:latin typeface="Franklin Gothic Heavy" panose="020B0903020102020204" pitchFamily="34" charset="0"/>
+              </a:rPr>
+              <a:t>anômalos</a:t>
+            </a:r>
+            <a:r>
+              <a:rPr lang="en-US" sz="4000" spc="151" dirty="0">
+                <a:solidFill>
+                  <a:srgbClr val="F3F5F9"/>
+                </a:solidFill>
+                <a:latin typeface="Franklin Gothic Heavy" panose="020B0903020102020204" pitchFamily="34" charset="0"/>
+              </a:rPr>
+              <a:t>, </a:t>
+            </a:r>
+            <a:r>
+              <a:rPr lang="en-US" sz="4000" spc="151" dirty="0" err="1">
+                <a:solidFill>
+                  <a:srgbClr val="F3F5F9"/>
+                </a:solidFill>
+                <a:latin typeface="Franklin Gothic Heavy" panose="020B0903020102020204" pitchFamily="34" charset="0"/>
+              </a:rPr>
+              <a:t>preferencialmente</a:t>
+            </a:r>
+            <a:r>
+              <a:rPr lang="en-US" sz="4000" spc="151" dirty="0">
+                <a:solidFill>
+                  <a:srgbClr val="F3F5F9"/>
+                </a:solidFill>
+                <a:latin typeface="Franklin Gothic Heavy" panose="020B0903020102020204" pitchFamily="34" charset="0"/>
+              </a:rPr>
+              <a:t> de forma </a:t>
+            </a:r>
+            <a:r>
+              <a:rPr lang="en-US" sz="4000" spc="151" dirty="0" err="1">
+                <a:solidFill>
+                  <a:srgbClr val="F3F5F9"/>
+                </a:solidFill>
+                <a:latin typeface="Franklin Gothic Heavy" panose="020B0903020102020204" pitchFamily="34" charset="0"/>
+              </a:rPr>
+              <a:t>automática</a:t>
+            </a:r>
+            <a:r>
+              <a:rPr lang="en-US" sz="4000" spc="151" dirty="0">
+                <a:solidFill>
+                  <a:srgbClr val="F3F5F9"/>
+                </a:solidFill>
+                <a:latin typeface="Franklin Gothic Heavy" panose="020B0903020102020204" pitchFamily="34" charset="0"/>
+              </a:rPr>
+              <a:t> com a </a:t>
+            </a:r>
+            <a:r>
+              <a:rPr lang="en-US" sz="4000" spc="151" dirty="0" err="1">
+                <a:solidFill>
+                  <a:srgbClr val="F3F5F9"/>
+                </a:solidFill>
+                <a:latin typeface="Franklin Gothic Heavy" panose="020B0903020102020204" pitchFamily="34" charset="0"/>
+              </a:rPr>
+              <a:t>geração</a:t>
+            </a:r>
+            <a:r>
+              <a:rPr lang="en-US" sz="4000" spc="151" dirty="0">
+                <a:solidFill>
+                  <a:srgbClr val="F3F5F9"/>
+                </a:solidFill>
+                <a:latin typeface="Franklin Gothic Heavy" panose="020B0903020102020204" pitchFamily="34" charset="0"/>
+              </a:rPr>
+              <a:t> de </a:t>
+            </a:r>
+            <a:r>
+              <a:rPr lang="en-US" sz="4000" spc="151" dirty="0" err="1">
+                <a:solidFill>
+                  <a:srgbClr val="F3F5F9"/>
+                </a:solidFill>
+                <a:latin typeface="Franklin Gothic Heavy" panose="020B0903020102020204" pitchFamily="34" charset="0"/>
+              </a:rPr>
+              <a:t>alertas</a:t>
+            </a:r>
+            <a:r>
+              <a:rPr lang="en-US" sz="4000" spc="151" dirty="0">
+                <a:solidFill>
+                  <a:srgbClr val="F3F5F9"/>
+                </a:solidFill>
+                <a:latin typeface="Franklin Gothic Heavy" panose="020B0903020102020204" pitchFamily="34" charset="0"/>
+              </a:rPr>
+              <a:t> para que </a:t>
+            </a:r>
+            <a:r>
+              <a:rPr lang="en-US" sz="4000" spc="151" dirty="0" err="1">
+                <a:solidFill>
+                  <a:srgbClr val="F3F5F9"/>
+                </a:solidFill>
+                <a:latin typeface="Franklin Gothic Heavy" panose="020B0903020102020204" pitchFamily="34" charset="0"/>
+              </a:rPr>
+              <a:t>decisões</a:t>
+            </a:r>
+            <a:r>
+              <a:rPr lang="en-US" sz="4000" spc="151" dirty="0">
+                <a:solidFill>
+                  <a:srgbClr val="F3F5F9"/>
+                </a:solidFill>
+                <a:latin typeface="Franklin Gothic Heavy" panose="020B0903020102020204" pitchFamily="34" charset="0"/>
+              </a:rPr>
+              <a:t> </a:t>
+            </a:r>
+            <a:r>
+              <a:rPr lang="en-US" sz="4000" spc="151" dirty="0" err="1">
+                <a:solidFill>
+                  <a:srgbClr val="F3F5F9"/>
+                </a:solidFill>
+                <a:latin typeface="Franklin Gothic Heavy" panose="020B0903020102020204" pitchFamily="34" charset="0"/>
+              </a:rPr>
+              <a:t>sejam</a:t>
+            </a:r>
+            <a:r>
+              <a:rPr lang="en-US" sz="4000" spc="151" dirty="0">
+                <a:solidFill>
+                  <a:srgbClr val="F3F5F9"/>
+                </a:solidFill>
+                <a:latin typeface="Franklin Gothic Heavy" panose="020B0903020102020204" pitchFamily="34" charset="0"/>
+              </a:rPr>
+              <a:t> </a:t>
+            </a:r>
+            <a:r>
+              <a:rPr lang="en-US" sz="4000" spc="151" dirty="0" err="1">
+                <a:solidFill>
+                  <a:srgbClr val="F3F5F9"/>
+                </a:solidFill>
+                <a:latin typeface="Franklin Gothic Heavy" panose="020B0903020102020204" pitchFamily="34" charset="0"/>
+              </a:rPr>
+              <a:t>tomadas</a:t>
+            </a:r>
+            <a:r>
+              <a:rPr lang="en-US" sz="4000" spc="151" dirty="0">
+                <a:solidFill>
+                  <a:srgbClr val="F3F5F9"/>
+                </a:solidFill>
+                <a:latin typeface="Franklin Gothic Heavy" panose="020B0903020102020204" pitchFamily="34" charset="0"/>
+              </a:rPr>
+              <a:t> a </a:t>
+            </a:r>
+            <a:r>
+              <a:rPr lang="en-US" sz="4000" spc="151" dirty="0" err="1">
+                <a:solidFill>
+                  <a:srgbClr val="F3F5F9"/>
+                </a:solidFill>
+                <a:latin typeface="Franklin Gothic Heavy" panose="020B0903020102020204" pitchFamily="34" charset="0"/>
+              </a:rPr>
+              <a:t>fim</a:t>
+            </a:r>
+            <a:r>
+              <a:rPr lang="en-US" sz="4000" spc="151" dirty="0">
+                <a:solidFill>
+                  <a:srgbClr val="F3F5F9"/>
+                </a:solidFill>
+                <a:latin typeface="Franklin Gothic Heavy" panose="020B0903020102020204" pitchFamily="34" charset="0"/>
+              </a:rPr>
+              <a:t> de </a:t>
+            </a:r>
+            <a:r>
+              <a:rPr lang="en-US" sz="4000" spc="151" dirty="0" err="1">
+                <a:solidFill>
+                  <a:srgbClr val="F3F5F9"/>
+                </a:solidFill>
+                <a:latin typeface="Franklin Gothic Heavy" panose="020B0903020102020204" pitchFamily="34" charset="0"/>
+              </a:rPr>
+              <a:t>evitar</a:t>
+            </a:r>
+            <a:r>
+              <a:rPr lang="en-US" sz="4000" spc="151" dirty="0">
+                <a:solidFill>
+                  <a:srgbClr val="F3F5F9"/>
+                </a:solidFill>
+                <a:latin typeface="Franklin Gothic Heavy" panose="020B0903020102020204" pitchFamily="34" charset="0"/>
+              </a:rPr>
+              <a:t> </a:t>
+            </a:r>
+            <a:r>
+              <a:rPr lang="en-US" sz="4000" spc="151" dirty="0" err="1">
+                <a:solidFill>
+                  <a:srgbClr val="F3F5F9"/>
+                </a:solidFill>
+                <a:latin typeface="Franklin Gothic Heavy" panose="020B0903020102020204" pitchFamily="34" charset="0"/>
+              </a:rPr>
+              <a:t>interrupções</a:t>
+            </a:r>
+            <a:r>
+              <a:rPr lang="en-US" sz="4000" spc="151" dirty="0">
+                <a:solidFill>
+                  <a:srgbClr val="F3F5F9"/>
+                </a:solidFill>
+                <a:latin typeface="Franklin Gothic Heavy" panose="020B0903020102020204" pitchFamily="34" charset="0"/>
+              </a:rPr>
+              <a:t> dos </a:t>
+            </a:r>
+            <a:r>
+              <a:rPr lang="en-US" sz="4000" spc="151" dirty="0" err="1">
+                <a:solidFill>
+                  <a:srgbClr val="F3F5F9"/>
+                </a:solidFill>
+                <a:latin typeface="Franklin Gothic Heavy" panose="020B0903020102020204" pitchFamily="34" charset="0"/>
+              </a:rPr>
+              <a:t>serviços</a:t>
+            </a:r>
+            <a:r>
+              <a:rPr lang="en-US" sz="4000" spc="151" dirty="0">
+                <a:solidFill>
+                  <a:srgbClr val="F3F5F9"/>
+                </a:solidFill>
+                <a:latin typeface="Franklin Gothic Heavy" panose="020B0903020102020204" pitchFamily="34" charset="0"/>
+              </a:rPr>
+              <a:t> </a:t>
+            </a:r>
+            <a:r>
+              <a:rPr lang="en-US" sz="4000" spc="151" dirty="0" err="1">
+                <a:solidFill>
+                  <a:srgbClr val="F3F5F9"/>
+                </a:solidFill>
+                <a:latin typeface="Franklin Gothic Heavy" panose="020B0903020102020204" pitchFamily="34" charset="0"/>
+              </a:rPr>
+              <a:t>computacionais</a:t>
+            </a:r>
+            <a:r>
+              <a:rPr lang="en-US" sz="4000" spc="151" dirty="0">
+                <a:solidFill>
+                  <a:srgbClr val="F3F5F9"/>
+                </a:solidFill>
+                <a:latin typeface="Franklin Gothic Heavy" panose="020B0903020102020204" pitchFamily="34" charset="0"/>
+              </a:rPr>
+              <a:t>.</a:t>
+            </a:r>
+          </a:p>
+        </p:txBody>
+      </p:sp>
+      <p:sp>
+        <p:nvSpPr>
+          <p:cNvPr id="2" name="AutoShape 2">
             <a:extLst>
               <a:ext uri="{FF2B5EF4-FFF2-40B4-BE49-F238E27FC236}">
-                <a16:creationId xmlns:a16="http://schemas.microsoft.com/office/drawing/2014/main" id="{23CCE6E5-22E2-4B2F-9B43-2A40A9B269E8}"/>
+                <a16:creationId xmlns:a16="http://schemas.microsoft.com/office/drawing/2014/main" id="{67662AD4-CC5D-4EAB-BBD0-9F8E19FAD0D9}"/>
               </a:ext>
             </a:extLst>
           </p:cNvPr>
@@ -7954,10 +10152,10 @@
       </p:sp>
       <p:sp>
         <p:nvSpPr>
-          <p:cNvPr id="6" name="AutoShape 8">
+          <p:cNvPr id="4" name="AutoShape 8">
             <a:extLst>
               <a:ext uri="{FF2B5EF4-FFF2-40B4-BE49-F238E27FC236}">
-                <a16:creationId xmlns:a16="http://schemas.microsoft.com/office/drawing/2014/main" id="{77541951-D160-4EA1-821C-D91835ECF1BE}"/>
+                <a16:creationId xmlns:a16="http://schemas.microsoft.com/office/drawing/2014/main" id="{E972422D-199E-4093-A8E6-185B6FA36CE0}"/>
               </a:ext>
             </a:extLst>
           </p:cNvPr>
@@ -7980,7 +10178,7 @@
     </p:spTree>
     <p:extLst>
       <p:ext uri="{BB962C8B-B14F-4D97-AF65-F5344CB8AC3E}">
-        <p14:creationId xmlns:p14="http://schemas.microsoft.com/office/powerpoint/2010/main" val="4241006660"/>
+        <p14:creationId xmlns:p14="http://schemas.microsoft.com/office/powerpoint/2010/main" val="2371075843"/>
       </p:ext>
     </p:extLst>
   </p:cSld>
@@ -8048,7 +10246,7 @@
                 </a:solidFill>
                 <a:latin typeface="Russo One" panose="02000503050000020004" pitchFamily="2" charset="0"/>
               </a:rPr>
-              <a:t>O QUE É BASELINE?</a:t>
+              <a:t>O QUE É OBSERVABILITY?</a:t>
             </a:r>
           </a:p>
         </p:txBody>
@@ -8118,6 +10316,232 @@
         <p:spPr>
           <a:xfrm>
             <a:off x="739120" y="1943100"/>
+            <a:ext cx="10462280" cy="2762936"/>
+          </a:xfrm>
+          <a:prstGeom prst="rect">
+            <a:avLst/>
+          </a:prstGeom>
+        </p:spPr>
+        <p:txBody>
+          <a:bodyPr wrap="square" lIns="0" tIns="0" rIns="0" bIns="0" rtlCol="0" anchor="t">
+            <a:spAutoFit/>
+          </a:bodyPr>
+          <a:lstStyle/>
+          <a:p>
+            <a:pPr algn="l">
+              <a:lnSpc>
+                <a:spcPts val="5460"/>
+              </a:lnSpc>
+            </a:pPr>
+            <a:r>
+              <a:rPr lang="pt-BR" sz="4000" spc="151" dirty="0">
+                <a:solidFill>
+                  <a:srgbClr val="F3F5F9"/>
+                </a:solidFill>
+                <a:latin typeface="Franklin Gothic Heavy" panose="020B0903020102020204" pitchFamily="34" charset="0"/>
+              </a:rPr>
+              <a:t>Conjunto de técnicas e ferramentas de monitoração que visam entregar uma visão analítica dos ambientes de aplicação e infraestrutura.</a:t>
+            </a:r>
+            <a:endParaRPr lang="en-US" sz="4000" spc="151" dirty="0">
+              <a:solidFill>
+                <a:srgbClr val="F3F5F9"/>
+              </a:solidFill>
+              <a:latin typeface="Franklin Gothic Heavy" panose="020B0903020102020204" pitchFamily="34" charset="0"/>
+            </a:endParaRPr>
+          </a:p>
+        </p:txBody>
+      </p:sp>
+      <p:sp>
+        <p:nvSpPr>
+          <p:cNvPr id="5" name="AutoShape 2">
+            <a:extLst>
+              <a:ext uri="{FF2B5EF4-FFF2-40B4-BE49-F238E27FC236}">
+                <a16:creationId xmlns:a16="http://schemas.microsoft.com/office/drawing/2014/main" id="{23CCE6E5-22E2-4B2F-9B43-2A40A9B269E8}"/>
+              </a:ext>
+            </a:extLst>
+          </p:cNvPr>
+          <p:cNvSpPr/>
+          <p:nvPr/>
+        </p:nvSpPr>
+        <p:spPr>
+          <a:xfrm rot="5400000">
+            <a:off x="6017552" y="-3545547"/>
+            <a:ext cx="80694" cy="10591800"/>
+          </a:xfrm>
+          <a:prstGeom prst="rect">
+            <a:avLst/>
+          </a:prstGeom>
+          <a:solidFill>
+            <a:srgbClr val="00B0F0"/>
+          </a:solidFill>
+        </p:spPr>
+      </p:sp>
+      <p:sp>
+        <p:nvSpPr>
+          <p:cNvPr id="6" name="AutoShape 8">
+            <a:extLst>
+              <a:ext uri="{FF2B5EF4-FFF2-40B4-BE49-F238E27FC236}">
+                <a16:creationId xmlns:a16="http://schemas.microsoft.com/office/drawing/2014/main" id="{77541951-D160-4EA1-821C-D91835ECF1BE}"/>
+              </a:ext>
+            </a:extLst>
+          </p:cNvPr>
+          <p:cNvSpPr/>
+          <p:nvPr/>
+        </p:nvSpPr>
+        <p:spPr>
+          <a:xfrm>
+            <a:off x="18002863" y="-10159"/>
+            <a:ext cx="567624" cy="10325100"/>
+          </a:xfrm>
+          <a:prstGeom prst="rect">
+            <a:avLst/>
+          </a:prstGeom>
+          <a:solidFill>
+            <a:srgbClr val="F3F5F9"/>
+          </a:solidFill>
+        </p:spPr>
+      </p:sp>
+    </p:spTree>
+    <p:extLst>
+      <p:ext uri="{BB962C8B-B14F-4D97-AF65-F5344CB8AC3E}">
+        <p14:creationId xmlns:p14="http://schemas.microsoft.com/office/powerpoint/2010/main" val="4241006660"/>
+      </p:ext>
+    </p:extLst>
+  </p:cSld>
+  <p:clrMapOvr>
+    <a:masterClrMapping/>
+  </p:clrMapOvr>
+</p:sld>
+</file>
+
+<file path=ppt/slides/slide7.xml><?xml version="1.0" encoding="utf-8"?>
+<p:sld xmlns:a="http://schemas.openxmlformats.org/drawingml/2006/main" xmlns:r="http://schemas.openxmlformats.org/officeDocument/2006/relationships" xmlns:p="http://schemas.openxmlformats.org/presentationml/2006/main">
+  <p:cSld>
+    <p:bg>
+      <p:bgPr>
+        <a:solidFill>
+          <a:srgbClr val="020301"/>
+        </a:solidFill>
+        <a:effectLst/>
+      </p:bgPr>
+    </p:bg>
+    <p:spTree>
+      <p:nvGrpSpPr>
+        <p:cNvPr id="1" name=""/>
+        <p:cNvGrpSpPr/>
+        <p:nvPr/>
+      </p:nvGrpSpPr>
+      <p:grpSpPr>
+        <a:xfrm>
+          <a:off x="0" y="0"/>
+          <a:ext cx="0" cy="0"/>
+          <a:chOff x="0" y="0"/>
+          <a:chExt cx="0" cy="0"/>
+        </a:xfrm>
+      </p:grpSpPr>
+      <p:sp>
+        <p:nvSpPr>
+          <p:cNvPr id="3" name="TextBox 3"/>
+          <p:cNvSpPr txBox="1"/>
+          <p:nvPr/>
+        </p:nvSpPr>
+        <p:spPr>
+          <a:xfrm>
+            <a:off x="739120" y="808734"/>
+            <a:ext cx="10919480" cy="879921"/>
+          </a:xfrm>
+          <a:prstGeom prst="rect">
+            <a:avLst/>
+          </a:prstGeom>
+        </p:spPr>
+        <p:txBody>
+          <a:bodyPr wrap="square" lIns="0" tIns="0" rIns="0" bIns="0" rtlCol="0" anchor="t">
+            <a:spAutoFit/>
+          </a:bodyPr>
+          <a:lstStyle/>
+          <a:p>
+            <a:pPr algn="l">
+              <a:lnSpc>
+                <a:spcPts val="7039"/>
+              </a:lnSpc>
+            </a:pPr>
+            <a:r>
+              <a:rPr lang="en-US" sz="5800" spc="224" dirty="0">
+                <a:solidFill>
+                  <a:srgbClr val="38B6FF"/>
+                </a:solidFill>
+                <a:latin typeface="Russo One" panose="02000503050000020004" pitchFamily="2" charset="0"/>
+              </a:rPr>
+              <a:t>O QUE É BASELINE?</a:t>
+            </a:r>
+          </a:p>
+        </p:txBody>
+      </p:sp>
+      <p:pic>
+        <p:nvPicPr>
+          <p:cNvPr id="7" name="Picture 7"/>
+          <p:cNvPicPr>
+            <a:picLocks noChangeAspect="1"/>
+          </p:cNvPicPr>
+          <p:nvPr/>
+        </p:nvPicPr>
+        <p:blipFill>
+          <a:blip r:embed="rId2"/>
+          <a:srcRect t="5831" b="2764"/>
+          <a:stretch>
+            <a:fillRect/>
+          </a:stretch>
+        </p:blipFill>
+        <p:spPr>
+          <a:xfrm>
+            <a:off x="11795992" y="2540"/>
+            <a:ext cx="6206871" cy="8515350"/>
+          </a:xfrm>
+          <a:prstGeom prst="rect">
+            <a:avLst/>
+          </a:prstGeom>
+        </p:spPr>
+      </p:pic>
+      <p:pic>
+        <p:nvPicPr>
+          <p:cNvPr id="9" name="Picture 9"/>
+          <p:cNvPicPr>
+            <a:picLocks noChangeAspect="1"/>
+          </p:cNvPicPr>
+          <p:nvPr/>
+        </p:nvPicPr>
+        <p:blipFill>
+          <a:blip r:embed="rId3"/>
+          <a:srcRect l="3575" r="3575"/>
+          <a:stretch>
+            <a:fillRect/>
+          </a:stretch>
+        </p:blipFill>
+        <p:spPr>
+          <a:xfrm>
+            <a:off x="15500524" y="9521739"/>
+            <a:ext cx="2363316" cy="649053"/>
+          </a:xfrm>
+          <a:prstGeom prst="rect">
+            <a:avLst/>
+          </a:prstGeom>
+        </p:spPr>
+      </p:pic>
+      <p:sp>
+        <p:nvSpPr>
+          <p:cNvPr id="12" name="TextBox 4">
+            <a:extLst>
+              <a:ext uri="{FF2B5EF4-FFF2-40B4-BE49-F238E27FC236}">
+                <a16:creationId xmlns:a16="http://schemas.microsoft.com/office/drawing/2014/main" id="{D5A67A4B-3BAE-4A9F-A06A-C1D98E699C44}"/>
+              </a:ext>
+            </a:extLst>
+          </p:cNvPr>
+          <p:cNvSpPr txBox="1"/>
+          <p:nvPr/>
+        </p:nvSpPr>
+        <p:spPr>
+          <a:xfrm>
+            <a:off x="739120" y="1943100"/>
             <a:ext cx="10462280" cy="4878900"/>
           </a:xfrm>
           <a:prstGeom prst="rect">
@@ -8595,7 +11019,7 @@
 </p:sld>
 </file>
 
-<file path=ppt/slides/slide7.xml><?xml version="1.0" encoding="utf-8"?>
+<file path=ppt/slides/slide8.xml><?xml version="1.0" encoding="utf-8"?>
 <p:sld xmlns:a="http://schemas.openxmlformats.org/drawingml/2006/main" xmlns:r="http://schemas.openxmlformats.org/officeDocument/2006/relationships" xmlns:p="http://schemas.openxmlformats.org/presentationml/2006/main">
   <p:cSld>
     <p:bg>
@@ -9747,7 +12171,7 @@
 </p:sld>
 </file>
 
-<file path=ppt/slides/slide8.xml><?xml version="1.0" encoding="utf-8"?>
+<file path=ppt/slides/slide9.xml><?xml version="1.0" encoding="utf-8"?>
 <p:sld xmlns:a="http://schemas.openxmlformats.org/drawingml/2006/main" xmlns:r="http://schemas.openxmlformats.org/officeDocument/2006/relationships" xmlns:p="http://schemas.openxmlformats.org/presentationml/2006/main">
   <p:cSld>
     <p:bg>
@@ -10482,623 +12906,6 @@
       <p:bldP spid="18" grpId="0"/>
     </p:bldLst>
   </p:timing>
-</p:sld>
-</file>
-
-<file path=ppt/slides/slide9.xml><?xml version="1.0" encoding="utf-8"?>
-<p:sld xmlns:a="http://schemas.openxmlformats.org/drawingml/2006/main" xmlns:r="http://schemas.openxmlformats.org/officeDocument/2006/relationships" xmlns:p="http://schemas.openxmlformats.org/presentationml/2006/main" show="0">
-  <p:cSld>
-    <p:bg>
-      <p:bgPr>
-        <a:solidFill>
-          <a:srgbClr val="38B6FF"/>
-        </a:solidFill>
-        <a:effectLst/>
-      </p:bgPr>
-    </p:bg>
-    <p:spTree>
-      <p:nvGrpSpPr>
-        <p:cNvPr id="1" name=""/>
-        <p:cNvGrpSpPr/>
-        <p:nvPr/>
-      </p:nvGrpSpPr>
-      <p:grpSpPr>
-        <a:xfrm>
-          <a:off x="0" y="0"/>
-          <a:ext cx="0" cy="0"/>
-          <a:chOff x="0" y="0"/>
-          <a:chExt cx="0" cy="0"/>
-        </a:xfrm>
-      </p:grpSpPr>
-      <p:grpSp>
-        <p:nvGrpSpPr>
-          <p:cNvPr id="2" name="Group 2"/>
-          <p:cNvGrpSpPr/>
-          <p:nvPr/>
-        </p:nvGrpSpPr>
-        <p:grpSpPr>
-          <a:xfrm>
-            <a:off x="1828800" y="988757"/>
-            <a:ext cx="10539879" cy="878144"/>
-            <a:chOff x="-459064" y="57151"/>
-            <a:chExt cx="14053170" cy="2653716"/>
-          </a:xfrm>
-        </p:grpSpPr>
-        <p:sp>
-          <p:nvSpPr>
-            <p:cNvPr id="3" name="TextBox 3"/>
-            <p:cNvSpPr txBox="1"/>
-            <p:nvPr/>
-          </p:nvSpPr>
-          <p:spPr>
-            <a:xfrm>
-              <a:off x="0" y="57151"/>
-              <a:ext cx="13594106" cy="1225976"/>
-            </a:xfrm>
-            <a:prstGeom prst="rect">
-              <a:avLst/>
-            </a:prstGeom>
-          </p:spPr>
-          <p:txBody>
-            <a:bodyPr lIns="0" tIns="0" rIns="0" bIns="0" rtlCol="0" anchor="t">
-              <a:spAutoFit/>
-            </a:bodyPr>
-            <a:lstStyle/>
-            <a:p>
-              <a:pPr algn="l">
-                <a:lnSpc>
-                  <a:spcPts val="7039"/>
-                </a:lnSpc>
-              </a:pPr>
-              <a:r>
-                <a:rPr lang="en-US" sz="6400" spc="224" dirty="0">
-                  <a:solidFill>
-                    <a:srgbClr val="020301"/>
-                  </a:solidFill>
-                  <a:latin typeface="Russo One" panose="02000503050000020004" pitchFamily="2" charset="0"/>
-                </a:rPr>
-                <a:t>#CASE01 - SOLUÇÃO</a:t>
-              </a:r>
-            </a:p>
-          </p:txBody>
-        </p:sp>
-        <p:sp>
-          <p:nvSpPr>
-            <p:cNvPr id="5" name="TextBox 5"/>
-            <p:cNvSpPr txBox="1"/>
-            <p:nvPr/>
-          </p:nvSpPr>
-          <p:spPr>
-            <a:xfrm>
-              <a:off x="-459064" y="2009820"/>
-              <a:ext cx="10680906" cy="701047"/>
-            </a:xfrm>
-            <a:prstGeom prst="rect">
-              <a:avLst/>
-            </a:prstGeom>
-          </p:spPr>
-          <p:txBody>
-            <a:bodyPr lIns="0" tIns="0" rIns="0" bIns="0" rtlCol="0" anchor="t">
-              <a:spAutoFit/>
-            </a:bodyPr>
-            <a:lstStyle/>
-            <a:p>
-              <a:pPr algn="l">
-                <a:lnSpc>
-                  <a:spcPts val="4409"/>
-                </a:lnSpc>
-              </a:pPr>
-              <a:endParaRPr lang="en-US" sz="3200" spc="96" dirty="0">
-                <a:solidFill>
-                  <a:srgbClr val="020301"/>
-                </a:solidFill>
-                <a:latin typeface="Glacial Indifference"/>
-              </a:endParaRPr>
-            </a:p>
-          </p:txBody>
-        </p:sp>
-      </p:grpSp>
-      <p:sp>
-        <p:nvSpPr>
-          <p:cNvPr id="6" name="AutoShape 6"/>
-          <p:cNvSpPr/>
-          <p:nvPr/>
-        </p:nvSpPr>
-        <p:spPr>
-          <a:xfrm>
-            <a:off x="18002863" y="-233785"/>
-            <a:ext cx="567624" cy="10768576"/>
-          </a:xfrm>
-          <a:prstGeom prst="rect">
-            <a:avLst/>
-          </a:prstGeom>
-          <a:solidFill>
-            <a:srgbClr val="020301"/>
-          </a:solidFill>
-        </p:spPr>
-      </p:sp>
-      <p:pic>
-        <p:nvPicPr>
-          <p:cNvPr id="7" name="Picture 7"/>
-          <p:cNvPicPr>
-            <a:picLocks noChangeAspect="1"/>
-          </p:cNvPicPr>
-          <p:nvPr/>
-        </p:nvPicPr>
-        <p:blipFill>
-          <a:blip r:embed="rId2"/>
-          <a:srcRect l="29788" t="605" r="12248"/>
-          <a:stretch>
-            <a:fillRect/>
-          </a:stretch>
-        </p:blipFill>
-        <p:spPr>
-          <a:xfrm>
-            <a:off x="11266398" y="14859"/>
-            <a:ext cx="7020276" cy="8020426"/>
-          </a:xfrm>
-          <a:prstGeom prst="rect">
-            <a:avLst/>
-          </a:prstGeom>
-        </p:spPr>
-      </p:pic>
-      <p:sp>
-        <p:nvSpPr>
-          <p:cNvPr id="8" name="AutoShape 8"/>
-          <p:cNvSpPr/>
-          <p:nvPr/>
-        </p:nvSpPr>
-        <p:spPr>
-          <a:xfrm>
-            <a:off x="1028700" y="986980"/>
-            <a:ext cx="210021" cy="8313041"/>
-          </a:xfrm>
-          <a:prstGeom prst="rect">
-            <a:avLst/>
-          </a:prstGeom>
-          <a:solidFill>
-            <a:srgbClr val="020301"/>
-          </a:solidFill>
-        </p:spPr>
-      </p:sp>
-      <p:pic>
-        <p:nvPicPr>
-          <p:cNvPr id="9" name="Picture 9"/>
-          <p:cNvPicPr>
-            <a:picLocks noChangeAspect="1"/>
-          </p:cNvPicPr>
-          <p:nvPr/>
-        </p:nvPicPr>
-        <p:blipFill>
-          <a:blip r:embed="rId3"/>
-          <a:srcRect l="3575" r="3575"/>
-          <a:stretch>
-            <a:fillRect/>
-          </a:stretch>
-        </p:blipFill>
-        <p:spPr>
-          <a:xfrm>
-            <a:off x="15500524" y="9521739"/>
-            <a:ext cx="2363316" cy="649053"/>
-          </a:xfrm>
-          <a:prstGeom prst="rect">
-            <a:avLst/>
-          </a:prstGeom>
-        </p:spPr>
-      </p:pic>
-      <p:sp>
-        <p:nvSpPr>
-          <p:cNvPr id="10" name="TextBox 4">
-            <a:extLst>
-              <a:ext uri="{FF2B5EF4-FFF2-40B4-BE49-F238E27FC236}">
-                <a16:creationId xmlns:a16="http://schemas.microsoft.com/office/drawing/2014/main" id="{7DB3DAC7-923B-4C4B-BFF8-EC4486E83D59}"/>
-              </a:ext>
-            </a:extLst>
-          </p:cNvPr>
-          <p:cNvSpPr txBox="1"/>
-          <p:nvPr/>
-        </p:nvSpPr>
-        <p:spPr>
-          <a:xfrm>
-            <a:off x="1495377" y="2891168"/>
-            <a:ext cx="10462280" cy="2025106"/>
-          </a:xfrm>
-          <a:prstGeom prst="rect">
-            <a:avLst/>
-          </a:prstGeom>
-        </p:spPr>
-        <p:txBody>
-          <a:bodyPr wrap="square" lIns="0" tIns="0" rIns="0" bIns="0" rtlCol="0" anchor="t">
-            <a:spAutoFit/>
-          </a:bodyPr>
-          <a:lstStyle/>
-          <a:p>
-            <a:pPr algn="l">
-              <a:lnSpc>
-                <a:spcPts val="5460"/>
-              </a:lnSpc>
-            </a:pPr>
-            <a:r>
-              <a:rPr lang="en-US" i="1" spc="151" dirty="0" err="1">
-                <a:latin typeface="Russo One" panose="02000503050000020004" pitchFamily="2" charset="0"/>
-              </a:rPr>
-              <a:t>IDX_Posts_PostTypeId_CreationDate_CommentCount</a:t>
-            </a:r>
-            <a:r>
-              <a:rPr lang="en-US" i="1" spc="151" dirty="0">
-                <a:latin typeface="Russo One" panose="02000503050000020004" pitchFamily="2" charset="0"/>
-              </a:rPr>
-              <a:t> ON </a:t>
-            </a:r>
-            <a:r>
-              <a:rPr lang="en-US" i="1" spc="151" dirty="0" err="1">
-                <a:latin typeface="Russo One" panose="02000503050000020004" pitchFamily="2" charset="0"/>
-              </a:rPr>
-              <a:t>dbo.Posts</a:t>
-            </a:r>
-            <a:r>
-              <a:rPr lang="en-US" i="1" spc="151" dirty="0">
-                <a:latin typeface="Russo One" panose="02000503050000020004" pitchFamily="2" charset="0"/>
-              </a:rPr>
-              <a:t>(</a:t>
-            </a:r>
-            <a:r>
-              <a:rPr lang="en-US" i="1" spc="151" dirty="0" err="1">
-                <a:latin typeface="Russo One" panose="02000503050000020004" pitchFamily="2" charset="0"/>
-              </a:rPr>
-              <a:t>PostTypeId,CreationDate,CommentCount</a:t>
-            </a:r>
-            <a:r>
-              <a:rPr lang="en-US" i="1" spc="151" dirty="0">
-                <a:latin typeface="Russo One" panose="02000503050000020004" pitchFamily="2" charset="0"/>
-              </a:rPr>
-              <a:t>) </a:t>
-            </a:r>
-          </a:p>
-          <a:p>
-            <a:pPr algn="l">
-              <a:lnSpc>
-                <a:spcPts val="5460"/>
-              </a:lnSpc>
-            </a:pPr>
-            <a:r>
-              <a:rPr lang="en-US" i="1" spc="151" dirty="0">
-                <a:latin typeface="Russo One" panose="02000503050000020004" pitchFamily="2" charset="0"/>
-              </a:rPr>
-              <a:t>INCLUDE(Title)</a:t>
-            </a:r>
-          </a:p>
-        </p:txBody>
-      </p:sp>
-      <p:sp>
-        <p:nvSpPr>
-          <p:cNvPr id="11" name="TextBox 3">
-            <a:extLst>
-              <a:ext uri="{FF2B5EF4-FFF2-40B4-BE49-F238E27FC236}">
-                <a16:creationId xmlns:a16="http://schemas.microsoft.com/office/drawing/2014/main" id="{E9B84ED7-1FB0-4DB5-A580-4B6982B43E3E}"/>
-              </a:ext>
-            </a:extLst>
-          </p:cNvPr>
-          <p:cNvSpPr txBox="1"/>
-          <p:nvPr/>
-        </p:nvSpPr>
-        <p:spPr>
-          <a:xfrm>
-            <a:off x="1403387" y="2117763"/>
-            <a:ext cx="10462280" cy="801566"/>
-          </a:xfrm>
-          <a:prstGeom prst="rect">
-            <a:avLst/>
-          </a:prstGeom>
-        </p:spPr>
-        <p:txBody>
-          <a:bodyPr lIns="0" tIns="0" rIns="0" bIns="0" rtlCol="0" anchor="t">
-            <a:spAutoFit/>
-          </a:bodyPr>
-          <a:lstStyle/>
-          <a:p>
-            <a:pPr algn="l">
-              <a:lnSpc>
-                <a:spcPts val="7039"/>
-              </a:lnSpc>
-            </a:pPr>
-            <a:r>
-              <a:rPr lang="en-US" sz="3600" spc="224" dirty="0">
-                <a:latin typeface="Russo One" panose="02000503050000020004" pitchFamily="2" charset="0"/>
-              </a:rPr>
-              <a:t>CRIAÇÃO DE ÍNDICE</a:t>
-            </a:r>
-          </a:p>
-        </p:txBody>
-      </p:sp>
-      <p:sp>
-        <p:nvSpPr>
-          <p:cNvPr id="12" name="TextBox 3">
-            <a:extLst>
-              <a:ext uri="{FF2B5EF4-FFF2-40B4-BE49-F238E27FC236}">
-                <a16:creationId xmlns:a16="http://schemas.microsoft.com/office/drawing/2014/main" id="{FCB77974-EFD9-42FE-8E44-4858451D93B4}"/>
-              </a:ext>
-            </a:extLst>
-          </p:cNvPr>
-          <p:cNvSpPr txBox="1"/>
-          <p:nvPr/>
-        </p:nvSpPr>
-        <p:spPr>
-          <a:xfrm>
-            <a:off x="1403387" y="4838027"/>
-            <a:ext cx="10462280" cy="801566"/>
-          </a:xfrm>
-          <a:prstGeom prst="rect">
-            <a:avLst/>
-          </a:prstGeom>
-        </p:spPr>
-        <p:txBody>
-          <a:bodyPr lIns="0" tIns="0" rIns="0" bIns="0" rtlCol="0" anchor="t">
-            <a:spAutoFit/>
-          </a:bodyPr>
-          <a:lstStyle/>
-          <a:p>
-            <a:pPr algn="l">
-              <a:lnSpc>
-                <a:spcPts val="7039"/>
-              </a:lnSpc>
-            </a:pPr>
-            <a:r>
-              <a:rPr lang="en-US" sz="3600" spc="224" dirty="0">
-                <a:latin typeface="Russo One" panose="02000503050000020004" pitchFamily="2" charset="0"/>
-              </a:rPr>
-              <a:t>REFATORAÇÃO DA PROCEDURE</a:t>
-            </a:r>
-          </a:p>
-        </p:txBody>
-      </p:sp>
-      <p:sp>
-        <p:nvSpPr>
-          <p:cNvPr id="17" name="CaixaDeTexto 16">
-            <a:extLst>
-              <a:ext uri="{FF2B5EF4-FFF2-40B4-BE49-F238E27FC236}">
-                <a16:creationId xmlns:a16="http://schemas.microsoft.com/office/drawing/2014/main" id="{981E1565-E087-4C0B-9337-B65952A1C8B7}"/>
-              </a:ext>
-            </a:extLst>
-          </p:cNvPr>
-          <p:cNvSpPr txBox="1"/>
-          <p:nvPr/>
-        </p:nvSpPr>
-        <p:spPr>
-          <a:xfrm>
-            <a:off x="1377744" y="5639593"/>
-            <a:ext cx="9796664" cy="3385542"/>
-          </a:xfrm>
-          <a:prstGeom prst="rect">
-            <a:avLst/>
-          </a:prstGeom>
-          <a:noFill/>
-        </p:spPr>
-        <p:txBody>
-          <a:bodyPr wrap="square">
-            <a:spAutoFit/>
-          </a:bodyPr>
-          <a:lstStyle/>
-          <a:p>
-            <a:r>
-              <a:rPr lang="pt-BR" sz="1600" i="1" dirty="0">
-                <a:latin typeface="Russo One" panose="020B0604020202020204" charset="0"/>
-              </a:rPr>
-              <a:t>CREATE OR ALTER PROCEDURE </a:t>
-            </a:r>
-            <a:r>
-              <a:rPr lang="pt-BR" sz="1600" i="1" dirty="0" err="1">
-                <a:latin typeface="Russo One" panose="020B0604020202020204" charset="0"/>
-              </a:rPr>
-              <a:t>dbo.sp_get_latest_questions</a:t>
-            </a:r>
-            <a:endParaRPr lang="pt-BR" sz="1600" i="1" dirty="0">
-              <a:latin typeface="Russo One" panose="020B0604020202020204" charset="0"/>
-            </a:endParaRPr>
-          </a:p>
-          <a:p>
-            <a:r>
-              <a:rPr lang="pt-BR" sz="1600" i="1" dirty="0">
-                <a:latin typeface="Russo One" panose="020B0604020202020204" charset="0"/>
-              </a:rPr>
-              <a:t>AS</a:t>
-            </a:r>
-          </a:p>
-          <a:p>
-            <a:r>
-              <a:rPr lang="pt-BR" sz="1600" i="1" dirty="0">
-                <a:latin typeface="Russo One" panose="020B0604020202020204" charset="0"/>
-              </a:rPr>
-              <a:t>BEGIN</a:t>
-            </a:r>
-          </a:p>
-          <a:p>
-            <a:r>
-              <a:rPr lang="pt-BR" sz="1600" i="1" dirty="0">
-                <a:latin typeface="Russo One" panose="020B0604020202020204" charset="0"/>
-              </a:rPr>
-              <a:t>  DECLARE @DATA DATE = (SELECT CAST(MAX(</a:t>
-            </a:r>
-            <a:r>
-              <a:rPr lang="pt-BR" sz="1600" i="1" dirty="0" err="1">
-                <a:latin typeface="Russo One" panose="020B0604020202020204" charset="0"/>
-              </a:rPr>
-              <a:t>CreationDate</a:t>
-            </a:r>
-            <a:r>
-              <a:rPr lang="pt-BR" sz="1600" i="1" dirty="0">
-                <a:latin typeface="Russo One" panose="020B0604020202020204" charset="0"/>
-              </a:rPr>
-              <a:t>) AS DATE) FROM Posts)</a:t>
-            </a:r>
-          </a:p>
-          <a:p>
-            <a:r>
-              <a:rPr lang="pt-BR" sz="1600" i="1" dirty="0">
-                <a:latin typeface="Russo One" panose="020B0604020202020204" charset="0"/>
-              </a:rPr>
-              <a:t>  SELECT TOP 100 </a:t>
-            </a:r>
-            <a:r>
-              <a:rPr lang="pt-BR" sz="1600" i="1" dirty="0" err="1">
-                <a:latin typeface="Russo One" panose="020B0604020202020204" charset="0"/>
-              </a:rPr>
-              <a:t>p.Id</a:t>
-            </a:r>
-            <a:r>
-              <a:rPr lang="pt-BR" sz="1600" i="1" dirty="0">
-                <a:latin typeface="Russo One" panose="020B0604020202020204" charset="0"/>
-              </a:rPr>
-              <a:t>, </a:t>
-            </a:r>
-            <a:r>
-              <a:rPr lang="pt-BR" sz="1600" i="1" dirty="0" err="1">
-                <a:latin typeface="Russo One" panose="020B0604020202020204" charset="0"/>
-              </a:rPr>
-              <a:t>p.PostTypeId</a:t>
-            </a:r>
-            <a:r>
-              <a:rPr lang="pt-BR" sz="1600" i="1" dirty="0">
-                <a:latin typeface="Russo One" panose="020B0604020202020204" charset="0"/>
-              </a:rPr>
-              <a:t>, </a:t>
-            </a:r>
-            <a:r>
-              <a:rPr lang="pt-BR" sz="1600" i="1" dirty="0" err="1">
-                <a:latin typeface="Russo One" panose="020B0604020202020204" charset="0"/>
-              </a:rPr>
-              <a:t>p.CreationDate</a:t>
-            </a:r>
-            <a:r>
-              <a:rPr lang="pt-BR" sz="1600" i="1" dirty="0">
-                <a:latin typeface="Russo One" panose="020B0604020202020204" charset="0"/>
-              </a:rPr>
-              <a:t>, </a:t>
-            </a:r>
-            <a:r>
-              <a:rPr lang="pt-BR" sz="1600" i="1" dirty="0" err="1">
-                <a:latin typeface="Russo One" panose="020B0604020202020204" charset="0"/>
-              </a:rPr>
-              <a:t>p.Title</a:t>
-            </a:r>
-            <a:r>
-              <a:rPr lang="pt-BR" sz="1600" i="1" dirty="0">
-                <a:latin typeface="Russo One" panose="020B0604020202020204" charset="0"/>
-              </a:rPr>
-              <a:t> </a:t>
-            </a:r>
-          </a:p>
-          <a:p>
-            <a:r>
-              <a:rPr lang="pt-BR" sz="1600" i="1" dirty="0">
-                <a:latin typeface="Russo One" panose="020B0604020202020204" charset="0"/>
-              </a:rPr>
-              <a:t>  FROM Posts p</a:t>
-            </a:r>
-          </a:p>
-          <a:p>
-            <a:r>
-              <a:rPr lang="pt-BR" sz="1600" i="1" dirty="0">
-                <a:latin typeface="Russo One" panose="020B0604020202020204" charset="0"/>
-              </a:rPr>
-              <a:t>  WHERE</a:t>
-            </a:r>
-          </a:p>
-          <a:p>
-            <a:r>
-              <a:rPr lang="pt-BR" sz="1600" i="1" dirty="0">
-                <a:latin typeface="Russo One" panose="020B0604020202020204" charset="0"/>
-              </a:rPr>
-              <a:t>  </a:t>
-            </a:r>
-            <a:r>
-              <a:rPr lang="pt-BR" sz="1600" i="1" dirty="0" err="1">
-                <a:latin typeface="Russo One" panose="020B0604020202020204" charset="0"/>
-              </a:rPr>
-              <a:t>p.PostTypeId</a:t>
-            </a:r>
-            <a:r>
-              <a:rPr lang="pt-BR" sz="1600" i="1" dirty="0">
-                <a:latin typeface="Russo One" panose="020B0604020202020204" charset="0"/>
-              </a:rPr>
-              <a:t>=1 </a:t>
-            </a:r>
-            <a:r>
-              <a:rPr lang="pt-BR" sz="1600" i="1" dirty="0" err="1">
-                <a:latin typeface="Russo One" panose="020B0604020202020204" charset="0"/>
-              </a:rPr>
-              <a:t>and</a:t>
-            </a:r>
-            <a:r>
-              <a:rPr lang="pt-BR" sz="1600" i="1" dirty="0">
-                <a:latin typeface="Russo One" panose="020B0604020202020204" charset="0"/>
-              </a:rPr>
-              <a:t> </a:t>
-            </a:r>
-          </a:p>
-          <a:p>
-            <a:r>
-              <a:rPr lang="pt-BR" sz="1600" i="1" dirty="0">
-                <a:latin typeface="Russo One" panose="020B0604020202020204" charset="0"/>
-              </a:rPr>
-              <a:t>  </a:t>
-            </a:r>
-            <a:r>
-              <a:rPr lang="pt-BR" sz="1600" i="1" dirty="0" err="1">
-                <a:latin typeface="Russo One" panose="020B0604020202020204" charset="0"/>
-              </a:rPr>
-              <a:t>p.CreationDate</a:t>
-            </a:r>
-            <a:r>
-              <a:rPr lang="pt-BR" sz="1600" i="1" dirty="0">
-                <a:latin typeface="Russo One" panose="020B0604020202020204" charset="0"/>
-              </a:rPr>
-              <a:t>  BETWEEN CAST(CAST(@DATA AS VARCHAR(10)) + ' 00:00:00.000' AS   DATETIME) AND CAST(CAST(@DATA AS VARCHAR(10)) + ' 23:59:59.997' AS DATETIME)</a:t>
-            </a:r>
-          </a:p>
-          <a:p>
-            <a:r>
-              <a:rPr lang="pt-BR" sz="1600" i="1" dirty="0">
-                <a:latin typeface="Russo One" panose="020B0604020202020204" charset="0"/>
-              </a:rPr>
-              <a:t>  ORDER BY </a:t>
-            </a:r>
-            <a:r>
-              <a:rPr lang="pt-BR" sz="1600" i="1" dirty="0" err="1">
-                <a:latin typeface="Russo One" panose="020B0604020202020204" charset="0"/>
-              </a:rPr>
-              <a:t>CommentCount</a:t>
-            </a:r>
-            <a:r>
-              <a:rPr lang="pt-BR" sz="1600" i="1" dirty="0">
-                <a:latin typeface="Russo One" panose="020B0604020202020204" charset="0"/>
-              </a:rPr>
-              <a:t> DESC</a:t>
-            </a:r>
-          </a:p>
-          <a:p>
-            <a:r>
-              <a:rPr lang="pt-BR" sz="1600" i="1" dirty="0">
-                <a:latin typeface="Russo One" panose="020B0604020202020204" charset="0"/>
-              </a:rPr>
-              <a:t>END</a:t>
-            </a:r>
-          </a:p>
-          <a:p>
-            <a:r>
-              <a:rPr lang="pt-BR" sz="1600" i="1" dirty="0">
-                <a:latin typeface="Russo One" panose="020B0604020202020204" charset="0"/>
-              </a:rPr>
-              <a:t>GO</a:t>
-            </a:r>
-          </a:p>
-        </p:txBody>
-      </p:sp>
-    </p:spTree>
-  </p:cSld>
-  <p:clrMapOvr>
-    <a:masterClrMapping/>
-  </p:clrMapOvr>
 </p:sld>
 </file>
 
